--- a/共享资源/「2018-06-08」Memory Consistency, Memory Persistency.pptx
+++ b/共享资源/「2018-06-08」Memory Consistency, Memory Persistency.pptx
@@ -6675,7 +6675,7 @@
                 <a:ea typeface="宋体" panose="02010600030101010101" pitchFamily="2" charset="-122"/>
                 <a:cs typeface="+mn-cs"/>
               </a:rPr>
-              <a:t>2019/2/2</a:t>
+              <a:t>2019/2/6</a:t>
             </a:fld>
             <a:endParaRPr kumimoji="0" lang="en-US" altLang="zh-CN" sz="1400" b="0" i="0" u="none" strike="noStrike" kern="1200" cap="none" spc="0" normalizeH="0" baseline="0" noProof="0">
               <a:ln>
@@ -10752,7 +10752,7 @@
           <p:nvPr>
             <p:extLst>
               <p:ext uri="{D42A27DB-BD31-4B8C-83A1-F6EECF244321}">
-                <p14:modId xmlns:p14="http://schemas.microsoft.com/office/powerpoint/2010/main" val="1151696800"/>
+                <p14:modId xmlns:p14="http://schemas.microsoft.com/office/powerpoint/2010/main" val="1466446425"/>
               </p:ext>
             </p:extLst>
           </p:nvPr>
@@ -11118,21 +11118,25 @@
                     <a:lstStyle/>
                     <a:p>
                       <a:r>
-                        <a:rPr lang="zh-CN" altLang="en-US" dirty="0">
+                        <a:rPr lang="en-US" altLang="zh-CN" dirty="0">
                           <a:latin typeface="Consolas" panose="020B0609020204030204" pitchFamily="49" charset="0"/>
                           <a:cs typeface="Times New Roman" panose="02020603050405020304" pitchFamily="18" charset="0"/>
                         </a:rPr>
-                        <a:t>Initially x == y == 0</a:t>
+                        <a:t>Initially x == 0</a:t>
                       </a:r>
                     </a:p>
                     <a:p>
                       <a:r>
-                        <a:rPr lang="zh-CN" altLang="en-US" dirty="0">
+                        <a:rPr lang="en-US" altLang="zh-CN" dirty="0">
                           <a:latin typeface="Consolas" panose="020B0609020204030204" pitchFamily="49" charset="0"/>
                           <a:cs typeface="Times New Roman" panose="02020603050405020304" pitchFamily="18" charset="0"/>
                         </a:rPr>
-                        <a:t>r1 == 1 and r2 == 0 is not allowed</a:t>
+                        <a:t>r1 == 1, r2 == 2, r3 == 2, r4 == 1 is not allowed</a:t>
                       </a:r>
+                      <a:endParaRPr lang="zh-CN" altLang="en-US" dirty="0">
+                        <a:latin typeface="Consolas" panose="020B0609020204030204" pitchFamily="49" charset="0"/>
+                        <a:cs typeface="Times New Roman" panose="02020603050405020304" pitchFamily="18" charset="0"/>
+                      </a:endParaRPr>
                     </a:p>
                   </a:txBody>
                   <a:tcPr/>

--- a/共享资源/「2018-06-08」Memory Consistency, Memory Persistency.pptx
+++ b/共享资源/「2018-06-08」Memory Consistency, Memory Persistency.pptx
@@ -14022,7 +14022,7 @@
                 <a:latin typeface="Consolas" panose="020B0609020204030204" pitchFamily="49" charset="0"/>
                 <a:cs typeface="Times New Roman" panose="02020603050405020304" pitchFamily="18" charset="0"/>
               </a:rPr>
-              <a:t> of consistency models for persistent memory operations.</a:t>
+              <a:t> of consistency models for persistent memory operations;</a:t>
             </a:r>
             <a:endParaRPr lang="en-US" altLang="zh-CN" sz="2000" dirty="0">
               <a:solidFill>
@@ -14049,7 +14049,7 @@
                 <a:latin typeface="Consolas" panose="020B0609020204030204" pitchFamily="49" charset="0"/>
                 <a:cs typeface="Times New Roman" panose="02020603050405020304" pitchFamily="18" charset="0"/>
               </a:rPr>
-              <a:t> prescribes the order of persist operations with respect to one another and loads and stores, and allows the programmer to reason about guarantees on the ordering of persists with respect to system failures; </a:t>
+              <a:t> prescribes the order of persist operations with respect to one another and loads and stores, and allows the programmer to reason about guarantees on the ordering of persists with respect to system failures.</a:t>
             </a:r>
           </a:p>
         </p:txBody>
@@ -14080,7 +14080,7 @@
                 <a:latin typeface="Consolas" panose="020B0609020204030204" pitchFamily="49" charset="0"/>
                 <a:ea typeface="+mj-ea"/>
               </a:rPr>
-              <a:t>1 </a:t>
+              <a:t>2 </a:t>
             </a:r>
             <a:r>
               <a:rPr lang="zh-CN" altLang="en-US" dirty="0">
@@ -14278,7 +14278,7 @@
                 <a:latin typeface="Consolas" panose="020B0609020204030204" pitchFamily="49" charset="0"/>
                 <a:cs typeface="Times New Roman" panose="02020603050405020304" pitchFamily="18" charset="0"/>
               </a:rPr>
-              <a:t>If you mind..</a:t>
+              <a:t>If you care..</a:t>
             </a:r>
           </a:p>
           <a:p>
@@ -14374,7 +14374,7 @@
                 <a:latin typeface="Consolas" panose="020B0609020204030204" pitchFamily="49" charset="0"/>
                 <a:cs typeface="Times New Roman" panose="02020603050405020304" pitchFamily="18" charset="0"/>
               </a:rPr>
-              <a:t>A virtual processor that atomically reads all of persistent memory at the moment of failure;</a:t>
+              <a:t>A virtual processor that atomically reads all of persistent memory at the moment of failure.</a:t>
             </a:r>
           </a:p>
         </p:txBody>
@@ -14405,7 +14405,7 @@
                 <a:latin typeface="Consolas" panose="020B0609020204030204" pitchFamily="49" charset="0"/>
                 <a:ea typeface="+mj-ea"/>
               </a:rPr>
-              <a:t>1 </a:t>
+              <a:t>2 </a:t>
             </a:r>
             <a:r>
               <a:rPr lang="zh-CN" altLang="en-US" dirty="0">
@@ -15224,7 +15224,7 @@
                 <a:latin typeface="Consolas" panose="020B0609020204030204" pitchFamily="49" charset="0"/>
                 <a:cs typeface="Times New Roman" panose="02020603050405020304" pitchFamily="18" charset="0"/>
               </a:rPr>
-              <a:t>, persist order observes all happens-before relations(denoted: →) implied by volatile memory order;</a:t>
+              <a:t>, persist order observes all happens-before relations(denoted: →) implied by volatile memory order.</a:t>
             </a:r>
           </a:p>
         </p:txBody>
@@ -15255,7 +15255,7 @@
                 <a:latin typeface="Consolas" panose="020B0609020204030204" pitchFamily="49" charset="0"/>
                 <a:ea typeface="+mj-ea"/>
               </a:rPr>
-              <a:t>1 </a:t>
+              <a:t>2 </a:t>
             </a:r>
             <a:r>
               <a:rPr lang="zh-CN" altLang="en-US" dirty="0">
@@ -15299,7 +15299,7 @@
                 <a:ea typeface="+mj-ea"/>
                 <a:cs typeface="Times New Roman" panose="02020603050405020304" pitchFamily="18" charset="0"/>
               </a:rPr>
-              <a:t>2.1 Strict Persistency </a:t>
+              <a:t>2.2 Strict Persistency </a:t>
             </a:r>
             <a:endParaRPr lang="zh-CN" altLang="en-US" sz="2800" dirty="0">
               <a:latin typeface="Consolas" panose="020B0609020204030204" pitchFamily="49" charset="0"/>
@@ -15397,7 +15397,7 @@
                 <a:latin typeface="Consolas" panose="020B0609020204030204" pitchFamily="49" charset="0"/>
                 <a:cs typeface="Times New Roman" panose="02020603050405020304" pitchFamily="18" charset="0"/>
               </a:rPr>
-              <a:t>, persist order observes all happens-before relations(denoted: →) implied by volatile memory order;</a:t>
+              <a:t>, persist order observes all happens-before relations(denoted: →) implied by volatile memory order.</a:t>
             </a:r>
           </a:p>
           <a:p>
@@ -15448,7 +15448,7 @@
                 <a:latin typeface="Consolas" panose="020B0609020204030204" pitchFamily="49" charset="0"/>
                 <a:ea typeface="+mj-ea"/>
               </a:rPr>
-              <a:t>1 </a:t>
+              <a:t>2 </a:t>
             </a:r>
             <a:r>
               <a:rPr lang="zh-CN" altLang="en-US" dirty="0">
@@ -15492,7 +15492,7 @@
                 <a:ea typeface="+mj-ea"/>
                 <a:cs typeface="Times New Roman" panose="02020603050405020304" pitchFamily="18" charset="0"/>
               </a:rPr>
-              <a:t>2.1 Strict Persistency </a:t>
+              <a:t>2.2 Strict Persistency </a:t>
             </a:r>
             <a:endParaRPr lang="zh-CN" altLang="en-US" sz="2800" dirty="0">
               <a:latin typeface="Consolas" panose="020B0609020204030204" pitchFamily="49" charset="0"/>
@@ -16418,7 +16418,7 @@
                 <a:latin typeface="Consolas" panose="020B0609020204030204" pitchFamily="49" charset="0"/>
                 <a:cs typeface="Times New Roman" panose="02020603050405020304" pitchFamily="18" charset="0"/>
               </a:rPr>
-              <a:t>instructions, persists within each epoch are concurrent and may reorder or occur in parallel;</a:t>
+              <a:t>instructions, persists within each epoch are concurrent and may reorder or occur in parallel.</a:t>
             </a:r>
             <a:endParaRPr lang="en-US" altLang="zh-CN" dirty="0">
               <a:latin typeface="Consolas" panose="020B0609020204030204" pitchFamily="49" charset="0"/>
@@ -16453,7 +16453,7 @@
                 <a:latin typeface="Consolas" panose="020B0609020204030204" pitchFamily="49" charset="0"/>
                 <a:ea typeface="+mj-ea"/>
               </a:rPr>
-              <a:t>1 </a:t>
+              <a:t>2 </a:t>
             </a:r>
             <a:r>
               <a:rPr lang="zh-CN" altLang="en-US" dirty="0">
@@ -16497,7 +16497,7 @@
                 <a:ea typeface="+mj-ea"/>
                 <a:cs typeface="Times New Roman" panose="02020603050405020304" pitchFamily="18" charset="0"/>
               </a:rPr>
-              <a:t>2.2 Epoch Persistency </a:t>
+              <a:t>2.3 Released Persistency </a:t>
             </a:r>
             <a:endParaRPr lang="zh-CN" altLang="en-US" sz="2800" dirty="0">
               <a:latin typeface="Consolas" panose="020B0609020204030204" pitchFamily="49" charset="0"/>
@@ -18183,7 +18183,7 @@
                 <a:latin typeface="Consolas" panose="020B0609020204030204" pitchFamily="49" charset="0"/>
                 <a:cs typeface="Times New Roman" panose="02020603050405020304" pitchFamily="18" charset="0"/>
               </a:rPr>
-              <a:t>.</a:t>
+              <a:t>;</a:t>
             </a:r>
           </a:p>
           <a:p>
@@ -18203,7 +18203,7 @@
                 <a:latin typeface="Consolas" panose="020B0609020204030204" pitchFamily="49" charset="0"/>
                 <a:cs typeface="Times New Roman" panose="02020603050405020304" pitchFamily="18" charset="0"/>
               </a:rPr>
-              <a:t>: May avoid delaying the lock release while the persist completes;</a:t>
+              <a:t>: May avoid delaying the lock release while the persist completes.</a:t>
             </a:r>
           </a:p>
           <a:p>
@@ -18241,7 +18241,7 @@
                 <a:latin typeface="Consolas" panose="020B0609020204030204" pitchFamily="49" charset="0"/>
                 <a:ea typeface="+mj-ea"/>
               </a:rPr>
-              <a:t>1 </a:t>
+              <a:t>2 </a:t>
             </a:r>
             <a:r>
               <a:rPr lang="zh-CN" altLang="en-US" dirty="0">
@@ -18285,7 +18285,7 @@
                 <a:ea typeface="+mj-ea"/>
                 <a:cs typeface="Times New Roman" panose="02020603050405020304" pitchFamily="18" charset="0"/>
               </a:rPr>
-              <a:t>2.2 Epoch Persistency </a:t>
+              <a:t>2.3 Released Persistency </a:t>
             </a:r>
             <a:endParaRPr lang="zh-CN" altLang="en-US" sz="2800" dirty="0">
               <a:latin typeface="Consolas" panose="020B0609020204030204" pitchFamily="49" charset="0"/>
@@ -19584,7 +19584,7 @@
                 <a:latin typeface="Consolas" panose="020B0609020204030204" pitchFamily="49" charset="0"/>
                 <a:cs typeface="Times New Roman" panose="02020603050405020304" pitchFamily="18" charset="0"/>
               </a:rPr>
-              <a:t>.</a:t>
+              <a:t>;</a:t>
             </a:r>
           </a:p>
           <a:p>
@@ -19635,7 +19635,7 @@
                 <a:latin typeface="Consolas" panose="020B0609020204030204" pitchFamily="49" charset="0"/>
                 <a:ea typeface="+mj-ea"/>
               </a:rPr>
-              <a:t>1 </a:t>
+              <a:t>2 </a:t>
             </a:r>
             <a:r>
               <a:rPr lang="zh-CN" altLang="en-US" dirty="0">
@@ -19679,7 +19679,7 @@
                 <a:ea typeface="+mj-ea"/>
                 <a:cs typeface="Times New Roman" panose="02020603050405020304" pitchFamily="18" charset="0"/>
               </a:rPr>
-              <a:t>2.2 Epoch Persistency </a:t>
+              <a:t>2.3 Released Persistency </a:t>
             </a:r>
             <a:endParaRPr lang="zh-CN" altLang="en-US" sz="2800" dirty="0">
               <a:latin typeface="Consolas" panose="020B0609020204030204" pitchFamily="49" charset="0"/>
@@ -20874,7 +20874,7 @@
                 <a:latin typeface="Consolas" panose="020B0609020204030204" pitchFamily="49" charset="0"/>
                 <a:cs typeface="Times New Roman" panose="02020603050405020304" pitchFamily="18" charset="0"/>
               </a:rPr>
-              <a:t>.</a:t>
+              <a:t>;</a:t>
             </a:r>
           </a:p>
           <a:p>
@@ -20894,7 +20894,7 @@
                 <a:latin typeface="Consolas" panose="020B0609020204030204" pitchFamily="49" charset="0"/>
                 <a:cs typeface="Times New Roman" panose="02020603050405020304" pitchFamily="18" charset="0"/>
               </a:rPr>
-              <a:t>: Reasoning about persist order across threads can be challenging. </a:t>
+              <a:t>: Reasoning about persist order across threads can be challenging;</a:t>
             </a:r>
           </a:p>
           <a:p>
@@ -20952,7 +20952,7 @@
                 <a:latin typeface="Consolas" panose="020B0609020204030204" pitchFamily="49" charset="0"/>
                 <a:ea typeface="+mj-ea"/>
               </a:rPr>
-              <a:t>1 </a:t>
+              <a:t>2 </a:t>
             </a:r>
             <a:r>
               <a:rPr lang="zh-CN" altLang="en-US" dirty="0">
@@ -20996,7 +20996,7 @@
                 <a:ea typeface="+mj-ea"/>
                 <a:cs typeface="Times New Roman" panose="02020603050405020304" pitchFamily="18" charset="0"/>
               </a:rPr>
-              <a:t>2.2 Epoch Persistency </a:t>
+              <a:t>2.3 Released Persistency </a:t>
             </a:r>
             <a:endParaRPr lang="zh-CN" altLang="en-US" sz="2800" dirty="0">
               <a:latin typeface="Consolas" panose="020B0609020204030204" pitchFamily="49" charset="0"/>
@@ -21092,6 +21092,23 @@
               </a:rPr>
               <a:t> constraints</a:t>
             </a:r>
+            <a:r>
+              <a:rPr lang="en-US" altLang="zh-CN" sz="2000" dirty="0">
+                <a:solidFill>
+                  <a:srgbClr val="FF0000"/>
+                </a:solidFill>
+                <a:latin typeface="Consolas" panose="020B0609020204030204" pitchFamily="49" charset="0"/>
+                <a:cs typeface="Times New Roman" panose="02020603050405020304" pitchFamily="18" charset="0"/>
+              </a:rPr>
+              <a:t>.</a:t>
+            </a:r>
+            <a:endParaRPr lang="zh-CN" altLang="en-US" sz="2000" dirty="0">
+              <a:solidFill>
+                <a:srgbClr val="FF0000"/>
+              </a:solidFill>
+              <a:latin typeface="Consolas" panose="020B0609020204030204" pitchFamily="49" charset="0"/>
+              <a:cs typeface="Times New Roman" panose="02020603050405020304" pitchFamily="18" charset="0"/>
+            </a:endParaRPr>
           </a:p>
         </p:txBody>
       </p:sp>
@@ -21121,7 +21138,7 @@
                 <a:latin typeface="Consolas" panose="020B0609020204030204" pitchFamily="49" charset="0"/>
                 <a:ea typeface="+mj-ea"/>
               </a:rPr>
-              <a:t>1 </a:t>
+              <a:t>2 </a:t>
             </a:r>
             <a:r>
               <a:rPr lang="zh-CN" altLang="en-US" dirty="0">
@@ -21165,7 +21182,7 @@
                 <a:ea typeface="+mj-ea"/>
                 <a:cs typeface="Times New Roman" panose="02020603050405020304" pitchFamily="18" charset="0"/>
               </a:rPr>
-              <a:t>2.2 Epoch Persistency </a:t>
+              <a:t>2.3 Released Persistency </a:t>
             </a:r>
             <a:endParaRPr lang="zh-CN" altLang="en-US" sz="2800" dirty="0">
               <a:latin typeface="Consolas" panose="020B0609020204030204" pitchFamily="49" charset="0"/>
@@ -24000,7 +24017,7 @@
               <a:rPr lang="en-US" altLang="zh-CN" sz="2000" dirty="0">
                 <a:cs typeface="Times New Roman" panose="02020603050405020304" pitchFamily="18" charset="0"/>
               </a:rPr>
-              <a:t> is an interval of memory execution from a single thread separated by strand barrier instructions. </a:t>
+              <a:t> is an interval of memory execution from a single thread separated by strand barrier instructions;</a:t>
             </a:r>
           </a:p>
           <a:p>
@@ -24024,7 +24041,7 @@
               <a:rPr lang="en-US" altLang="zh-CN" sz="2000" dirty="0">
                 <a:cs typeface="Times New Roman" panose="02020603050405020304" pitchFamily="18" charset="0"/>
               </a:rPr>
-              <a:t>, even from the same thread, are concurrent unless ordered by strong persist atomicity;</a:t>
+              <a:t>, even from the same thread, are concurrent unless ordered by strong persist atomicity.</a:t>
             </a:r>
           </a:p>
           <a:p>
@@ -24075,7 +24092,7 @@
                 <a:latin typeface="Consolas" panose="020B0609020204030204" pitchFamily="49" charset="0"/>
                 <a:ea typeface="+mj-ea"/>
               </a:rPr>
-              <a:t>1 </a:t>
+              <a:t>2 </a:t>
             </a:r>
             <a:r>
               <a:rPr lang="zh-CN" altLang="en-US" dirty="0">
@@ -24116,10 +24133,9 @@
             <a:r>
               <a:rPr lang="en-US" altLang="zh-CN" sz="2800" dirty="0">
                 <a:latin typeface="Consolas" panose="020B0609020204030204" pitchFamily="49" charset="0"/>
-                <a:ea typeface="+mj-ea"/>
-                <a:cs typeface="Times New Roman" panose="02020603050405020304" pitchFamily="18" charset="0"/>
-              </a:rPr>
-              <a:t>2.3 Strand Persistency </a:t>
+                <a:cs typeface="Times New Roman" panose="02020603050405020304" pitchFamily="18" charset="0"/>
+              </a:rPr>
+              <a:t>Released Persistency</a:t>
             </a:r>
             <a:endParaRPr lang="zh-CN" altLang="en-US" sz="2800" dirty="0">
               <a:latin typeface="Consolas" panose="020B0609020204030204" pitchFamily="49" charset="0"/>
@@ -24803,25 +24819,7 @@
                 </a:solidFill>
                 <a:cs typeface="Times New Roman" panose="02020603050405020304" pitchFamily="18" charset="0"/>
               </a:rPr>
-              <a:t>[3]: Guide P. Intel® 64 and IA-32 Architectures Software Developer’s </a:t>
-            </a:r>
-            <a:r>
-              <a:rPr lang="en-US" altLang="zh-CN" sz="1800">
-                <a:solidFill>
-                  <a:srgbClr val="333333"/>
-                </a:solidFill>
-                <a:cs typeface="Times New Roman" panose="02020603050405020304" pitchFamily="18" charset="0"/>
-              </a:rPr>
-              <a:t>Manual[B]. </a:t>
-            </a:r>
-            <a:r>
-              <a:rPr lang="en-US" altLang="zh-CN" sz="1800" dirty="0">
-                <a:solidFill>
-                  <a:srgbClr val="333333"/>
-                </a:solidFill>
-                <a:cs typeface="Times New Roman" panose="02020603050405020304" pitchFamily="18" charset="0"/>
-              </a:rPr>
-              <a:t>Volume 3B: System programming Guide, 2011.</a:t>
+              <a:t>[3]: Guide P. Intel® 64 and IA-32 Architectures Software Developer’s Manual. Volume 3B: System programming Guide, 2011.</a:t>
             </a:r>
           </a:p>
           <a:p>

--- a/共享资源/「2018-06-08」Memory Consistency, Memory Persistency.pptx
+++ b/共享资源/「2018-06-08」Memory Consistency, Memory Persistency.pptx
@@ -6660,23 +6660,6 @@
               <a:buNone/>
               <a:defRPr/>
             </a:pPr>
-            <a:fld id="{BC0A8052-8ED2-414B-A4BB-31FA458AA7DE}" type="datetime1">
-              <a:rPr kumimoji="0" lang="zh-CN" altLang="en-US" sz="1400" b="0" i="0" u="none" strike="noStrike" kern="1200" cap="none" spc="0" normalizeH="0" baseline="0" noProof="0" smtClean="0">
-                <a:ln>
-                  <a:noFill/>
-                </a:ln>
-                <a:solidFill>
-                  <a:schemeClr val="tx1"/>
-                </a:solidFill>
-                <a:effectLst/>
-                <a:uLnTx/>
-                <a:uFillTx/>
-                <a:latin typeface="Arial" panose="020B0604020202020204" pitchFamily="34" charset="0"/>
-                <a:ea typeface="宋体" panose="02010600030101010101" pitchFamily="2" charset="-122"/>
-                <a:cs typeface="+mn-cs"/>
-              </a:rPr>
-              <a:t>2019/2/6</a:t>
-            </a:fld>
             <a:endParaRPr kumimoji="0" lang="en-US" altLang="zh-CN" sz="1400" b="0" i="0" u="none" strike="noStrike" kern="1200" cap="none" spc="0" normalizeH="0" baseline="0" noProof="0">
               <a:ln>
                 <a:noFill/>
@@ -6936,7 +6919,7 @@
     <p:sldLayoutId id="2147483655" r:id="rId3"/>
     <p:sldLayoutId id="2147483657" r:id="rId4"/>
   </p:sldLayoutIdLst>
-  <p:hf hdr="0" ftr="0"/>
+  <p:hf hdr="0" ftr="0" dt="0"/>
   <p:txStyles>
     <p:titleStyle>
       <a:lvl1pPr algn="ctr" rtl="0" eaLnBrk="0" fontAlgn="base" hangingPunct="0">
@@ -7425,7 +7408,7 @@
           <a:lstStyle/>
           <a:p>
             <a:r>
-              <a:rPr lang="en-US" altLang="zh-CN" dirty="0">
+              <a:rPr lang="en-US" altLang="zh-CN">
                 <a:latin typeface="Consolas" panose="020B0609020204030204" pitchFamily="49" charset="0"/>
               </a:rPr>
               <a:t>Table of Contents</a:t>
@@ -7452,21 +7435,21 @@
           <a:lstStyle/>
           <a:p>
             <a:r>
-              <a:rPr lang="en-US" altLang="zh-CN" sz="2400" dirty="0">
+              <a:rPr lang="en-US" altLang="zh-CN" sz="2400">
                 <a:latin typeface="Consolas" panose="020B0609020204030204" pitchFamily="49" charset="0"/>
                 <a:cs typeface="Times New Roman" panose="02020603050405020304" pitchFamily="18" charset="0"/>
               </a:rPr>
               <a:t>1</a:t>
             </a:r>
             <a:r>
-              <a:rPr lang="en-US" altLang="zh-CN" dirty="0">
+              <a:rPr lang="en-US" altLang="zh-CN">
                 <a:latin typeface="Consolas" panose="020B0609020204030204" pitchFamily="49" charset="0"/>
                 <a:cs typeface="Times New Roman" panose="02020603050405020304" pitchFamily="18" charset="0"/>
               </a:rPr>
               <a:t> </a:t>
             </a:r>
             <a:r>
-              <a:rPr lang="en-US" altLang="zh-CN" sz="2400" dirty="0">
+              <a:rPr lang="en-US" altLang="zh-CN" sz="2400">
                 <a:latin typeface="Consolas" panose="020B0609020204030204" pitchFamily="49" charset="0"/>
                 <a:cs typeface="Times New Roman" panose="02020603050405020304" pitchFamily="18" charset="0"/>
               </a:rPr>
@@ -7476,7 +7459,7 @@
           <a:p>
             <a:pPr lvl="1"/>
             <a:r>
-              <a:rPr lang="en-US" altLang="zh-CN" dirty="0">
+              <a:rPr lang="en-US" altLang="zh-CN">
                 <a:latin typeface="Consolas" panose="020B0609020204030204" pitchFamily="49" charset="0"/>
                 <a:cs typeface="Times New Roman" panose="02020603050405020304" pitchFamily="18" charset="0"/>
               </a:rPr>
@@ -7486,7 +7469,7 @@
           <a:p>
             <a:pPr lvl="1"/>
             <a:r>
-              <a:rPr lang="en-US" altLang="zh-CN" dirty="0">
+              <a:rPr lang="en-US" altLang="zh-CN">
                 <a:latin typeface="Consolas" panose="020B0609020204030204" pitchFamily="49" charset="0"/>
                 <a:cs typeface="Times New Roman" panose="02020603050405020304" pitchFamily="18" charset="0"/>
               </a:rPr>
@@ -7496,7 +7479,7 @@
           <a:p>
             <a:pPr lvl="1"/>
             <a:r>
-              <a:rPr lang="en-US" altLang="zh-CN" dirty="0">
+              <a:rPr lang="en-US" altLang="zh-CN">
                 <a:latin typeface="Consolas" panose="020B0609020204030204" pitchFamily="49" charset="0"/>
                 <a:cs typeface="Times New Roman" panose="02020603050405020304" pitchFamily="18" charset="0"/>
               </a:rPr>
@@ -7505,7 +7488,7 @@
           </a:p>
           <a:p>
             <a:r>
-              <a:rPr lang="en-US" altLang="zh-CN" sz="2400" dirty="0">
+              <a:rPr lang="en-US" altLang="zh-CN" sz="2400">
                 <a:latin typeface="Consolas" panose="020B0609020204030204" pitchFamily="49" charset="0"/>
                 <a:cs typeface="Times New Roman" panose="02020603050405020304" pitchFamily="18" charset="0"/>
               </a:rPr>
@@ -7515,7 +7498,7 @@
           <a:p>
             <a:pPr lvl="1"/>
             <a:r>
-              <a:rPr lang="en-US" altLang="zh-CN" dirty="0">
+              <a:rPr lang="en-US" altLang="zh-CN">
                 <a:latin typeface="Consolas" panose="020B0609020204030204" pitchFamily="49" charset="0"/>
                 <a:cs typeface="Times New Roman" panose="02020603050405020304" pitchFamily="18" charset="0"/>
               </a:rPr>
@@ -7525,7 +7508,7 @@
           <a:p>
             <a:pPr lvl="1"/>
             <a:r>
-              <a:rPr lang="en-US" altLang="zh-CN" dirty="0">
+              <a:rPr lang="en-US" altLang="zh-CN">
                 <a:latin typeface="Consolas" panose="020B0609020204030204" pitchFamily="49" charset="0"/>
                 <a:cs typeface="Times New Roman" panose="02020603050405020304" pitchFamily="18" charset="0"/>
               </a:rPr>
@@ -7535,7 +7518,7 @@
           <a:p>
             <a:pPr lvl="1"/>
             <a:r>
-              <a:rPr lang="en-US" altLang="zh-CN" dirty="0">
+              <a:rPr lang="en-US" altLang="zh-CN">
                 <a:latin typeface="Consolas" panose="020B0609020204030204" pitchFamily="49" charset="0"/>
                 <a:cs typeface="Times New Roman" panose="02020603050405020304" pitchFamily="18" charset="0"/>
               </a:rPr>
@@ -7544,12 +7527,16 @@
           </a:p>
           <a:p>
             <a:r>
-              <a:rPr lang="en-US" altLang="zh-CN" sz="2400" dirty="0">
+              <a:rPr lang="en-US" altLang="zh-CN" sz="2400">
                 <a:latin typeface="Consolas" panose="020B0609020204030204" pitchFamily="49" charset="0"/>
                 <a:cs typeface="Times New Roman" panose="02020603050405020304" pitchFamily="18" charset="0"/>
               </a:rPr>
               <a:t>References</a:t>
             </a:r>
+            <a:endParaRPr lang="en-US" altLang="zh-CN" sz="2400" dirty="0">
+              <a:latin typeface="Consolas" panose="020B0609020204030204" pitchFamily="49" charset="0"/>
+              <a:cs typeface="Times New Roman" panose="02020603050405020304" pitchFamily="18" charset="0"/>
+            </a:endParaRPr>
           </a:p>
         </p:txBody>
       </p:sp>
@@ -7610,7 +7597,7 @@
           <a:lstStyle/>
           <a:p>
             <a:r>
-              <a:rPr lang="en-US" altLang="zh-CN" sz="2400" dirty="0">
+              <a:rPr lang="en-US" altLang="zh-CN" sz="2400">
                 <a:solidFill>
                   <a:srgbClr val="000000"/>
                 </a:solidFill>
@@ -7624,14 +7611,14 @@
           <a:p>
             <a:pPr lvl="1"/>
             <a:r>
-              <a:rPr lang="en-US" altLang="zh-CN" sz="2000" dirty="0">
+              <a:rPr lang="en-US" altLang="zh-CN" sz="2000">
                 <a:latin typeface="Consolas" panose="020B0609020204030204" pitchFamily="49" charset="0"/>
                 <a:cs typeface="Times New Roman" panose="02020603050405020304" pitchFamily="18" charset="0"/>
               </a:rPr>
               <a:t>Uniprocessor </a:t>
             </a:r>
             <a:r>
-              <a:rPr lang="en-US" altLang="zh-CN" sz="2000" dirty="0">
+              <a:rPr lang="en-US" altLang="zh-CN" sz="2000">
                 <a:solidFill>
                   <a:srgbClr val="0070C0"/>
                 </a:solidFill>
@@ -7641,7 +7628,7 @@
               <a:t>compiler optimization </a:t>
             </a:r>
             <a:r>
-              <a:rPr lang="en-US" altLang="zh-CN" sz="2000" dirty="0">
+              <a:rPr lang="en-US" altLang="zh-CN" sz="2000">
                 <a:latin typeface="Consolas" panose="020B0609020204030204" pitchFamily="49" charset="0"/>
                 <a:cs typeface="Times New Roman" panose="02020603050405020304" pitchFamily="18" charset="0"/>
               </a:rPr>
@@ -7651,7 +7638,7 @@
           <a:p>
             <a:pPr lvl="2"/>
             <a:r>
-              <a:rPr lang="en-US" altLang="zh-CN" dirty="0">
+              <a:rPr lang="en-US" altLang="zh-CN">
                 <a:latin typeface="Consolas" panose="020B0609020204030204" pitchFamily="49" charset="0"/>
                 <a:cs typeface="Times New Roman" panose="02020603050405020304" pitchFamily="18" charset="0"/>
               </a:rPr>
@@ -7661,7 +7648,7 @@
           <a:p>
             <a:pPr lvl="3"/>
             <a:r>
-              <a:rPr lang="en-US" altLang="zh-CN" dirty="0">
+              <a:rPr lang="en-US" altLang="zh-CN">
                 <a:latin typeface="Consolas" panose="020B0609020204030204" pitchFamily="49" charset="0"/>
                 <a:cs typeface="Times New Roman" panose="02020603050405020304" pitchFamily="18" charset="0"/>
               </a:rPr>
@@ -7671,7 +7658,7 @@
           <a:p>
             <a:pPr lvl="3"/>
             <a:r>
-              <a:rPr lang="en-US" altLang="zh-CN" dirty="0">
+              <a:rPr lang="en-US" altLang="zh-CN">
                 <a:latin typeface="Consolas" panose="020B0609020204030204" pitchFamily="49" charset="0"/>
                 <a:cs typeface="Times New Roman" panose="02020603050405020304" pitchFamily="18" charset="0"/>
               </a:rPr>
@@ -7681,7 +7668,7 @@
           <a:p>
             <a:pPr lvl="3"/>
             <a:r>
-              <a:rPr lang="en-US" altLang="zh-CN" dirty="0">
+              <a:rPr lang="en-US" altLang="zh-CN">
                 <a:latin typeface="Consolas" panose="020B0609020204030204" pitchFamily="49" charset="0"/>
                 <a:cs typeface="Times New Roman" panose="02020603050405020304" pitchFamily="18" charset="0"/>
               </a:rPr>
@@ -7691,7 +7678,7 @@
           <a:p>
             <a:pPr lvl="3"/>
             <a:r>
-              <a:rPr lang="en-US" altLang="zh-CN" dirty="0">
+              <a:rPr lang="en-US" altLang="zh-CN">
                 <a:latin typeface="Consolas" panose="020B0609020204030204" pitchFamily="49" charset="0"/>
                 <a:cs typeface="Times New Roman" panose="02020603050405020304" pitchFamily="18" charset="0"/>
               </a:rPr>
@@ -7701,7 +7688,7 @@
           <a:p>
             <a:pPr lvl="2"/>
             <a:r>
-              <a:rPr lang="en-US" altLang="zh-CN" dirty="0">
+              <a:rPr lang="en-US" altLang="zh-CN">
                 <a:latin typeface="Consolas" panose="020B0609020204030204" pitchFamily="49" charset="0"/>
                 <a:cs typeface="Times New Roman" panose="02020603050405020304" pitchFamily="18" charset="0"/>
               </a:rPr>
@@ -7711,7 +7698,7 @@
           <a:p>
             <a:pPr lvl="3"/>
             <a:r>
-              <a:rPr lang="en-US" altLang="zh-CN" dirty="0">
+              <a:rPr lang="en-US" altLang="zh-CN">
                 <a:latin typeface="Consolas" panose="020B0609020204030204" pitchFamily="49" charset="0"/>
                 <a:cs typeface="Times New Roman" panose="02020603050405020304" pitchFamily="18" charset="0"/>
               </a:rPr>
@@ -7721,7 +7708,7 @@
           <a:p>
             <a:pPr lvl="3"/>
             <a:r>
-              <a:rPr lang="en-US" altLang="zh-CN" dirty="0">
+              <a:rPr lang="en-US" altLang="zh-CN">
                 <a:latin typeface="Consolas" panose="020B0609020204030204" pitchFamily="49" charset="0"/>
                 <a:cs typeface="Times New Roman" panose="02020603050405020304" pitchFamily="18" charset="0"/>
               </a:rPr>
@@ -7731,7 +7718,7 @@
           <a:p>
             <a:pPr lvl="3"/>
             <a:r>
-              <a:rPr lang="en-US" altLang="zh-CN" dirty="0">
+              <a:rPr lang="en-US" altLang="zh-CN">
                 <a:latin typeface="Consolas" panose="020B0609020204030204" pitchFamily="49" charset="0"/>
                 <a:cs typeface="Times New Roman" panose="02020603050405020304" pitchFamily="18" charset="0"/>
               </a:rPr>
@@ -7741,31 +7728,13 @@
           <a:p>
             <a:pPr lvl="1"/>
             <a:r>
-              <a:rPr lang="en-US" altLang="zh-CN" sz="2000" dirty="0">
+              <a:rPr lang="en-US" altLang="zh-CN" sz="2000">
                 <a:solidFill>
                   <a:srgbClr val="FF0000"/>
                 </a:solidFill>
                 <a:cs typeface="Times New Roman" panose="02020603050405020304" pitchFamily="18" charset="0"/>
               </a:rPr>
-              <a:t>Compilers etc. : </a:t>
-            </a:r>
-            <a:r>
-              <a:rPr lang="en-US" altLang="zh-CN" sz="2000" dirty="0" err="1">
-                <a:solidFill>
-                  <a:srgbClr val="FF0000"/>
-                </a:solidFill>
-                <a:cs typeface="Times New Roman" panose="02020603050405020304" pitchFamily="18" charset="0"/>
-              </a:rPr>
-              <a:t>Mewww</a:t>
-            </a:r>
-            <a:r>
-              <a:rPr lang="en-US" altLang="zh-CN" sz="2000" dirty="0">
-                <a:solidFill>
-                  <a:srgbClr val="FF0000"/>
-                </a:solidFill>
-                <a:cs typeface="Times New Roman" panose="02020603050405020304" pitchFamily="18" charset="0"/>
-              </a:rPr>
-              <a:t> ?!</a:t>
+              <a:t>Compilers etc. : Mewww ?!</a:t>
             </a:r>
             <a:endParaRPr lang="zh-CN" altLang="en-US" sz="2000" dirty="0">
               <a:solidFill>
@@ -7797,19 +7766,23 @@
           <a:lstStyle/>
           <a:p>
             <a:r>
-              <a:rPr lang="en-US" altLang="zh-CN" dirty="0">
+              <a:rPr lang="en-US" altLang="zh-CN">
                 <a:latin typeface="Consolas" panose="020B0609020204030204" pitchFamily="49" charset="0"/>
                 <a:ea typeface="+mj-ea"/>
               </a:rPr>
               <a:t>1 </a:t>
             </a:r>
             <a:r>
-              <a:rPr lang="zh-CN" altLang="en-US" dirty="0">
+              <a:rPr lang="zh-CN" altLang="en-US">
                 <a:latin typeface="Consolas" panose="020B0609020204030204" pitchFamily="49" charset="0"/>
                 <a:ea typeface="+mj-ea"/>
               </a:rPr>
               <a:t>内存一致性</a:t>
             </a:r>
+            <a:endParaRPr lang="zh-CN" altLang="en-US" dirty="0">
+              <a:latin typeface="Consolas" panose="020B0609020204030204" pitchFamily="49" charset="0"/>
+              <a:ea typeface="+mj-ea"/>
+            </a:endParaRPr>
           </a:p>
         </p:txBody>
       </p:sp>
@@ -7840,7 +7813,7 @@
           <a:lstStyle/>
           <a:p>
             <a:r>
-              <a:rPr lang="en-US" altLang="zh-CN" sz="2800" dirty="0">
+              <a:rPr lang="en-US" altLang="zh-CN" sz="2800">
                 <a:latin typeface="Consolas" panose="020B0609020204030204" pitchFamily="49" charset="0"/>
                 <a:ea typeface="+mj-ea"/>
                 <a:cs typeface="Times New Roman" panose="02020603050405020304" pitchFamily="18" charset="0"/>
@@ -7852,6 +7825,41 @@
               <a:ea typeface="+mj-ea"/>
               <a:cs typeface="Times New Roman" panose="02020603050405020304" pitchFamily="18" charset="0"/>
             </a:endParaRPr>
+          </a:p>
+        </p:txBody>
+      </p:sp>
+      <p:sp>
+        <p:nvSpPr>
+          <p:cNvPr id="8" name="灯片编号占位符 7">
+            <a:extLst>
+              <a:ext uri="{FF2B5EF4-FFF2-40B4-BE49-F238E27FC236}">
+                <a16:creationId xmlns:a16="http://schemas.microsoft.com/office/drawing/2014/main" id="{7ADD61A9-BFCB-4386-B813-7F4A7FC163BD}"/>
+              </a:ext>
+            </a:extLst>
+          </p:cNvPr>
+          <p:cNvSpPr>
+            <a:spLocks noGrp="1"/>
+          </p:cNvSpPr>
+          <p:nvPr>
+            <p:ph type="sldNum" sz="quarter" idx="12"/>
+          </p:nvPr>
+        </p:nvSpPr>
+        <p:spPr/>
+        <p:txBody>
+          <a:bodyPr/>
+          <a:lstStyle/>
+          <a:p>
+            <a:pPr>
+              <a:defRPr/>
+            </a:pPr>
+            <a:fld id="{6A90D09A-ED5D-47CC-A45F-D492BA9A6C1B}" type="slidenum">
+              <a:rPr lang="en-US" altLang="zh-CN" smtClean="0"/>
+              <a:pPr>
+                <a:defRPr/>
+              </a:pPr>
+              <a:t>10</a:t>
+            </a:fld>
+            <a:endParaRPr lang="en-US" altLang="zh-CN" dirty="0"/>
           </a:p>
         </p:txBody>
       </p:sp>
@@ -7912,7 +7920,7 @@
           <a:lstStyle/>
           <a:p>
             <a:r>
-              <a:rPr lang="en-US" altLang="zh-CN" sz="2400" dirty="0">
+              <a:rPr lang="en-US" altLang="zh-CN" sz="2400">
                 <a:solidFill>
                   <a:srgbClr val="000000"/>
                 </a:solidFill>
@@ -7922,6 +7930,14 @@
               </a:rPr>
               <a:t>(Ancient) Commercial System Layout</a:t>
             </a:r>
+            <a:endParaRPr lang="en-US" altLang="zh-CN" sz="2400" dirty="0">
+              <a:solidFill>
+                <a:srgbClr val="000000"/>
+              </a:solidFill>
+              <a:latin typeface="Consolas" panose="020B0609020204030204" pitchFamily="49" charset="0"/>
+              <a:ea typeface="+mn-ea"/>
+              <a:cs typeface="Times New Roman" panose="02020603050405020304" pitchFamily="18" charset="0"/>
+            </a:endParaRPr>
           </a:p>
         </p:txBody>
       </p:sp>
@@ -7947,19 +7963,23 @@
           <a:lstStyle/>
           <a:p>
             <a:r>
-              <a:rPr lang="en-US" altLang="zh-CN" dirty="0">
+              <a:rPr lang="en-US" altLang="zh-CN">
                 <a:latin typeface="Consolas" panose="020B0609020204030204" pitchFamily="49" charset="0"/>
                 <a:ea typeface="+mj-ea"/>
               </a:rPr>
               <a:t>1 </a:t>
             </a:r>
             <a:r>
-              <a:rPr lang="zh-CN" altLang="en-US" dirty="0">
+              <a:rPr lang="zh-CN" altLang="en-US">
                 <a:latin typeface="Consolas" panose="020B0609020204030204" pitchFamily="49" charset="0"/>
                 <a:ea typeface="+mj-ea"/>
               </a:rPr>
               <a:t>内存一致性</a:t>
             </a:r>
+            <a:endParaRPr lang="zh-CN" altLang="en-US" dirty="0">
+              <a:latin typeface="Consolas" panose="020B0609020204030204" pitchFamily="49" charset="0"/>
+              <a:ea typeface="+mj-ea"/>
+            </a:endParaRPr>
           </a:p>
         </p:txBody>
       </p:sp>
@@ -7990,7 +8010,7 @@
           <a:lstStyle/>
           <a:p>
             <a:r>
-              <a:rPr lang="en-US" altLang="zh-CN" sz="2800" dirty="0">
+              <a:rPr lang="en-US" altLang="zh-CN" sz="2800">
                 <a:latin typeface="Consolas" panose="020B0609020204030204" pitchFamily="49" charset="0"/>
                 <a:ea typeface="+mj-ea"/>
                 <a:cs typeface="Times New Roman" panose="02020603050405020304" pitchFamily="18" charset="0"/>
@@ -8075,6 +8095,41 @@
           </a:p>
         </p:txBody>
       </p:sp>
+      <p:sp>
+        <p:nvSpPr>
+          <p:cNvPr id="10" name="灯片编号占位符 9">
+            <a:extLst>
+              <a:ext uri="{FF2B5EF4-FFF2-40B4-BE49-F238E27FC236}">
+                <a16:creationId xmlns:a16="http://schemas.microsoft.com/office/drawing/2014/main" id="{A1DF7A2E-1791-45F0-BC20-75CA094D37AA}"/>
+              </a:ext>
+            </a:extLst>
+          </p:cNvPr>
+          <p:cNvSpPr>
+            <a:spLocks noGrp="1"/>
+          </p:cNvSpPr>
+          <p:nvPr>
+            <p:ph type="sldNum" sz="quarter" idx="12"/>
+          </p:nvPr>
+        </p:nvSpPr>
+        <p:spPr/>
+        <p:txBody>
+          <a:bodyPr/>
+          <a:lstStyle/>
+          <a:p>
+            <a:pPr>
+              <a:defRPr/>
+            </a:pPr>
+            <a:fld id="{6A90D09A-ED5D-47CC-A45F-D492BA9A6C1B}" type="slidenum">
+              <a:rPr lang="en-US" altLang="zh-CN" smtClean="0"/>
+              <a:pPr>
+                <a:defRPr/>
+              </a:pPr>
+              <a:t>11</a:t>
+            </a:fld>
+            <a:endParaRPr lang="en-US" altLang="zh-CN" dirty="0"/>
+          </a:p>
+        </p:txBody>
+      </p:sp>
     </p:spTree>
     <p:extLst>
       <p:ext uri="{BB962C8B-B14F-4D97-AF65-F5344CB8AC3E}">
@@ -8132,7 +8187,7 @@
           <a:lstStyle/>
           <a:p>
             <a:r>
-              <a:rPr lang="en-US" altLang="zh-CN" sz="2400" dirty="0">
+              <a:rPr lang="en-US" altLang="zh-CN" sz="2400">
                 <a:solidFill>
                   <a:srgbClr val="000000"/>
                 </a:solidFill>
@@ -8146,14 +8201,14 @@
           <a:p>
             <a:pPr lvl="1"/>
             <a:r>
-              <a:rPr lang="en-US" altLang="zh-CN" sz="2000" dirty="0">
+              <a:rPr lang="en-US" altLang="zh-CN" sz="2000">
                 <a:latin typeface="Consolas" panose="020B0609020204030204" pitchFamily="49" charset="0"/>
                 <a:cs typeface="Times New Roman" panose="02020603050405020304" pitchFamily="18" charset="0"/>
               </a:rPr>
               <a:t>[Operations that write to memory have a </a:t>
             </a:r>
             <a:r>
-              <a:rPr lang="en-US" altLang="zh-CN" sz="2000" b="1" u="sng" dirty="0">
+              <a:rPr lang="en-US" altLang="zh-CN" sz="2000" b="1" u="sng">
                 <a:solidFill>
                   <a:srgbClr val="FF0000"/>
                 </a:solidFill>
@@ -8163,7 +8218,7 @@
               <a:t>t</a:t>
             </a:r>
             <a:r>
-              <a:rPr lang="en-US" altLang="zh-CN" sz="2000" dirty="0">
+              <a:rPr lang="en-US" altLang="zh-CN" sz="2000">
                 <a:solidFill>
                   <a:srgbClr val="FF0000"/>
                 </a:solidFill>
@@ -8173,7 +8228,7 @@
               <a:t>otal (</a:t>
             </a:r>
             <a:r>
-              <a:rPr lang="en-US" altLang="zh-CN" sz="2000" b="1" u="sng" dirty="0">
+              <a:rPr lang="en-US" altLang="zh-CN" sz="2000" b="1" u="sng">
                 <a:solidFill>
                   <a:srgbClr val="FF0000"/>
                 </a:solidFill>
@@ -8183,7 +8238,7 @@
               <a:t>s</a:t>
             </a:r>
             <a:r>
-              <a:rPr lang="en-US" altLang="zh-CN" sz="2000" dirty="0">
+              <a:rPr lang="en-US" altLang="zh-CN" sz="2000">
                 <a:solidFill>
                   <a:srgbClr val="FF0000"/>
                 </a:solidFill>
@@ -8193,7 +8248,7 @@
               <a:t>tore) </a:t>
             </a:r>
             <a:r>
-              <a:rPr lang="en-US" altLang="zh-CN" sz="2000" b="1" u="sng" dirty="0">
+              <a:rPr lang="en-US" altLang="zh-CN" sz="2000" b="1" u="sng">
                 <a:solidFill>
                   <a:srgbClr val="FF0000"/>
                 </a:solidFill>
@@ -8203,7 +8258,7 @@
               <a:t>o</a:t>
             </a:r>
             <a:r>
-              <a:rPr lang="en-US" altLang="zh-CN" sz="2000" dirty="0">
+              <a:rPr lang="en-US" altLang="zh-CN" sz="2000">
                 <a:solidFill>
                   <a:srgbClr val="FF0000"/>
                 </a:solidFill>
@@ -8213,7 +8268,7 @@
               <a:t>rder </a:t>
             </a:r>
             <a:r>
-              <a:rPr lang="en-US" altLang="zh-CN" sz="2000" dirty="0">
+              <a:rPr lang="en-US" altLang="zh-CN" sz="2000">
                 <a:latin typeface="Consolas" panose="020B0609020204030204" pitchFamily="49" charset="0"/>
                 <a:cs typeface="Times New Roman" panose="02020603050405020304" pitchFamily="18" charset="0"/>
               </a:rPr>
@@ -8223,14 +8278,14 @@
           <a:p>
             <a:pPr lvl="2"/>
             <a:r>
-              <a:rPr lang="en-US" altLang="zh-CN" dirty="0">
+              <a:rPr lang="en-US" altLang="zh-CN">
                 <a:latin typeface="Consolas" panose="020B0609020204030204" pitchFamily="49" charset="0"/>
                 <a:cs typeface="Times New Roman" panose="02020603050405020304" pitchFamily="18" charset="0"/>
               </a:rPr>
               <a:t>How does it relax </a:t>
             </a:r>
             <a:r>
-              <a:rPr lang="en-US" altLang="zh-CN" dirty="0">
+              <a:rPr lang="en-US" altLang="zh-CN">
                 <a:solidFill>
                   <a:srgbClr val="0070C0"/>
                 </a:solidFill>
@@ -8240,7 +8295,7 @@
               <a:t>program order</a:t>
             </a:r>
             <a:r>
-              <a:rPr lang="en-US" altLang="zh-CN" dirty="0">
+              <a:rPr lang="en-US" altLang="zh-CN">
                 <a:latin typeface="Consolas" panose="020B0609020204030204" pitchFamily="49" charset="0"/>
                 <a:cs typeface="Times New Roman" panose="02020603050405020304" pitchFamily="18" charset="0"/>
               </a:rPr>
@@ -8250,35 +8305,35 @@
           <a:p>
             <a:pPr lvl="3"/>
             <a:r>
-              <a:rPr lang="en-US" altLang="zh-CN" dirty="0">
+              <a:rPr lang="en-US" altLang="zh-CN">
                 <a:latin typeface="Consolas" panose="020B0609020204030204" pitchFamily="49" charset="0"/>
                 <a:cs typeface="Times New Roman" panose="02020603050405020304" pitchFamily="18" charset="0"/>
               </a:rPr>
               <a:t>[</a:t>
             </a:r>
             <a:r>
-              <a:rPr lang="zh-CN" altLang="en-US" dirty="0">
+              <a:rPr lang="zh-CN" altLang="en-US">
                 <a:latin typeface="Consolas" panose="020B0609020204030204" pitchFamily="49" charset="0"/>
                 <a:cs typeface="Times New Roman" panose="02020603050405020304" pitchFamily="18" charset="0"/>
               </a:rPr>
               <a:t>√</a:t>
             </a:r>
             <a:r>
-              <a:rPr lang="en-US" altLang="zh-CN" dirty="0">
+              <a:rPr lang="en-US" altLang="zh-CN">
                 <a:latin typeface="Consolas" panose="020B0609020204030204" pitchFamily="49" charset="0"/>
                 <a:cs typeface="Times New Roman" panose="02020603050405020304" pitchFamily="18" charset="0"/>
               </a:rPr>
               <a:t>] W</a:t>
             </a:r>
             <a:r>
-              <a:rPr lang="zh-CN" altLang="en-US" dirty="0">
+              <a:rPr lang="zh-CN" altLang="en-US">
                 <a:latin typeface="Consolas" panose="020B0609020204030204" pitchFamily="49" charset="0"/>
                 <a:cs typeface="Times New Roman" panose="02020603050405020304" pitchFamily="18" charset="0"/>
               </a:rPr>
               <a:t>→</a:t>
             </a:r>
             <a:r>
-              <a:rPr lang="en-US" altLang="zh-CN" dirty="0">
+              <a:rPr lang="en-US" altLang="zh-CN">
                 <a:latin typeface="Consolas" panose="020B0609020204030204" pitchFamily="49" charset="0"/>
                 <a:cs typeface="Times New Roman" panose="02020603050405020304" pitchFamily="18" charset="0"/>
               </a:rPr>
@@ -8288,21 +8343,21 @@
           <a:p>
             <a:pPr lvl="3"/>
             <a:r>
-              <a:rPr lang="en-US" altLang="zh-CN" dirty="0">
+              <a:rPr lang="en-US" altLang="zh-CN">
                 <a:latin typeface="Consolas" panose="020B0609020204030204" pitchFamily="49" charset="0"/>
                 <a:cs typeface="Times New Roman" panose="02020603050405020304" pitchFamily="18" charset="0"/>
               </a:rPr>
               <a:t>[x] W</a:t>
             </a:r>
             <a:r>
-              <a:rPr lang="zh-CN" altLang="en-US" dirty="0">
+              <a:rPr lang="zh-CN" altLang="en-US">
                 <a:latin typeface="Consolas" panose="020B0609020204030204" pitchFamily="49" charset="0"/>
                 <a:cs typeface="Times New Roman" panose="02020603050405020304" pitchFamily="18" charset="0"/>
               </a:rPr>
               <a:t>→</a:t>
             </a:r>
             <a:r>
-              <a:rPr lang="en-US" altLang="zh-CN" dirty="0">
+              <a:rPr lang="en-US" altLang="zh-CN">
                 <a:latin typeface="Consolas" panose="020B0609020204030204" pitchFamily="49" charset="0"/>
                 <a:cs typeface="Times New Roman" panose="02020603050405020304" pitchFamily="18" charset="0"/>
               </a:rPr>
@@ -8312,21 +8367,21 @@
           <a:p>
             <a:pPr lvl="3"/>
             <a:r>
-              <a:rPr lang="en-US" altLang="zh-CN" dirty="0">
+              <a:rPr lang="en-US" altLang="zh-CN">
                 <a:latin typeface="Consolas" panose="020B0609020204030204" pitchFamily="49" charset="0"/>
                 <a:cs typeface="Times New Roman" panose="02020603050405020304" pitchFamily="18" charset="0"/>
               </a:rPr>
               <a:t>[x] R</a:t>
             </a:r>
             <a:r>
-              <a:rPr lang="zh-CN" altLang="en-US" dirty="0">
+              <a:rPr lang="zh-CN" altLang="en-US">
                 <a:latin typeface="Consolas" panose="020B0609020204030204" pitchFamily="49" charset="0"/>
                 <a:cs typeface="Times New Roman" panose="02020603050405020304" pitchFamily="18" charset="0"/>
               </a:rPr>
               <a:t>→</a:t>
             </a:r>
             <a:r>
-              <a:rPr lang="en-US" altLang="zh-CN" dirty="0">
+              <a:rPr lang="en-US" altLang="zh-CN">
                 <a:latin typeface="Consolas" panose="020B0609020204030204" pitchFamily="49" charset="0"/>
                 <a:cs typeface="Times New Roman" panose="02020603050405020304" pitchFamily="18" charset="0"/>
               </a:rPr>
@@ -8336,14 +8391,14 @@
           <a:p>
             <a:pPr lvl="2"/>
             <a:r>
-              <a:rPr lang="en-US" altLang="zh-CN" dirty="0">
+              <a:rPr lang="en-US" altLang="zh-CN">
                 <a:latin typeface="Consolas" panose="020B0609020204030204" pitchFamily="49" charset="0"/>
                 <a:cs typeface="Times New Roman" panose="02020603050405020304" pitchFamily="18" charset="0"/>
               </a:rPr>
               <a:t>How does it relax write </a:t>
             </a:r>
             <a:r>
-              <a:rPr lang="en-US" altLang="zh-CN" dirty="0">
+              <a:rPr lang="en-US" altLang="zh-CN">
                 <a:solidFill>
                   <a:srgbClr val="0070C0"/>
                 </a:solidFill>
@@ -8353,7 +8408,7 @@
               <a:t>atomicity</a:t>
             </a:r>
             <a:r>
-              <a:rPr lang="en-US" altLang="zh-CN" dirty="0">
+              <a:rPr lang="en-US" altLang="zh-CN">
                 <a:latin typeface="Consolas" panose="020B0609020204030204" pitchFamily="49" charset="0"/>
                 <a:cs typeface="Times New Roman" panose="02020603050405020304" pitchFamily="18" charset="0"/>
               </a:rPr>
@@ -8363,7 +8418,7 @@
           <a:p>
             <a:pPr lvl="3"/>
             <a:r>
-              <a:rPr lang="en-US" altLang="zh-CN" dirty="0">
+              <a:rPr lang="en-US" altLang="zh-CN">
                 <a:latin typeface="Consolas" panose="020B0609020204030204" pitchFamily="49" charset="0"/>
                 <a:cs typeface="Times New Roman" panose="02020603050405020304" pitchFamily="18" charset="0"/>
               </a:rPr>
@@ -8373,7 +8428,7 @@
           <a:p>
             <a:pPr lvl="3"/>
             <a:r>
-              <a:rPr lang="en-US" altLang="zh-CN" dirty="0">
+              <a:rPr lang="en-US" altLang="zh-CN">
                 <a:latin typeface="Consolas" panose="020B0609020204030204" pitchFamily="49" charset="0"/>
                 <a:cs typeface="Times New Roman" panose="02020603050405020304" pitchFamily="18" charset="0"/>
               </a:rPr>
@@ -8383,21 +8438,21 @@
           <a:p>
             <a:pPr lvl="2"/>
             <a:r>
-              <a:rPr lang="en-US" altLang="zh-CN" dirty="0">
+              <a:rPr lang="en-US" altLang="zh-CN">
                 <a:latin typeface="Consolas" panose="020B0609020204030204" pitchFamily="49" charset="0"/>
                 <a:cs typeface="Times New Roman" panose="02020603050405020304" pitchFamily="18" charset="0"/>
               </a:rPr>
               <a:t>Safety net: RMW,</a:t>
             </a:r>
             <a:r>
-              <a:rPr lang="zh-CN" altLang="en-US" dirty="0">
+              <a:rPr lang="zh-CN" altLang="en-US">
                 <a:latin typeface="Consolas" panose="020B0609020204030204" pitchFamily="49" charset="0"/>
                 <a:cs typeface="Times New Roman" panose="02020603050405020304" pitchFamily="18" charset="0"/>
               </a:rPr>
               <a:t> </a:t>
             </a:r>
             <a:r>
-              <a:rPr lang="en-US" altLang="zh-CN" dirty="0" err="1">
+              <a:rPr lang="en-US" altLang="zh-CN">
                 <a:latin typeface="Consolas" panose="020B0609020204030204" pitchFamily="49" charset="0"/>
                 <a:cs typeface="Times New Roman" panose="02020603050405020304" pitchFamily="18" charset="0"/>
               </a:rPr>
@@ -8436,19 +8491,23 @@
           <a:lstStyle/>
           <a:p>
             <a:r>
-              <a:rPr lang="en-US" altLang="zh-CN" dirty="0">
+              <a:rPr lang="en-US" altLang="zh-CN">
                 <a:latin typeface="Consolas" panose="020B0609020204030204" pitchFamily="49" charset="0"/>
                 <a:ea typeface="+mj-ea"/>
               </a:rPr>
               <a:t>1 </a:t>
             </a:r>
             <a:r>
-              <a:rPr lang="zh-CN" altLang="en-US" dirty="0">
+              <a:rPr lang="zh-CN" altLang="en-US">
                 <a:latin typeface="Consolas" panose="020B0609020204030204" pitchFamily="49" charset="0"/>
                 <a:ea typeface="+mj-ea"/>
               </a:rPr>
               <a:t>内存一致性</a:t>
             </a:r>
+            <a:endParaRPr lang="zh-CN" altLang="en-US" dirty="0">
+              <a:latin typeface="Consolas" panose="020B0609020204030204" pitchFamily="49" charset="0"/>
+              <a:ea typeface="+mj-ea"/>
+            </a:endParaRPr>
           </a:p>
         </p:txBody>
       </p:sp>
@@ -8479,7 +8538,7 @@
           <a:lstStyle/>
           <a:p>
             <a:r>
-              <a:rPr lang="en-US" altLang="zh-CN" sz="2800" dirty="0">
+              <a:rPr lang="en-US" altLang="zh-CN" sz="2800">
                 <a:latin typeface="Consolas" panose="020B0609020204030204" pitchFamily="49" charset="0"/>
                 <a:ea typeface="+mj-ea"/>
                 <a:cs typeface="Times New Roman" panose="02020603050405020304" pitchFamily="18" charset="0"/>
@@ -8643,6 +8702,41 @@
           </a:graphicData>
         </a:graphic>
       </p:graphicFrame>
+      <p:sp>
+        <p:nvSpPr>
+          <p:cNvPr id="9" name="灯片编号占位符 8">
+            <a:extLst>
+              <a:ext uri="{FF2B5EF4-FFF2-40B4-BE49-F238E27FC236}">
+                <a16:creationId xmlns:a16="http://schemas.microsoft.com/office/drawing/2014/main" id="{8BC6C5B3-FF28-42DB-AF7D-6EE4E31B6A54}"/>
+              </a:ext>
+            </a:extLst>
+          </p:cNvPr>
+          <p:cNvSpPr>
+            <a:spLocks noGrp="1"/>
+          </p:cNvSpPr>
+          <p:nvPr>
+            <p:ph type="sldNum" sz="quarter" idx="12"/>
+          </p:nvPr>
+        </p:nvSpPr>
+        <p:spPr/>
+        <p:txBody>
+          <a:bodyPr/>
+          <a:lstStyle/>
+          <a:p>
+            <a:pPr>
+              <a:defRPr/>
+            </a:pPr>
+            <a:fld id="{6A90D09A-ED5D-47CC-A45F-D492BA9A6C1B}" type="slidenum">
+              <a:rPr lang="en-US" altLang="zh-CN" smtClean="0"/>
+              <a:pPr>
+                <a:defRPr/>
+              </a:pPr>
+              <a:t>12</a:t>
+            </a:fld>
+            <a:endParaRPr lang="en-US" altLang="zh-CN" dirty="0"/>
+          </a:p>
+        </p:txBody>
+      </p:sp>
     </p:spTree>
     <p:extLst>
       <p:ext uri="{BB962C8B-B14F-4D97-AF65-F5344CB8AC3E}">
@@ -8700,7 +8794,7 @@
           <a:lstStyle/>
           <a:p>
             <a:r>
-              <a:rPr lang="en-US" altLang="zh-CN" sz="2400" dirty="0">
+              <a:rPr lang="en-US" altLang="zh-CN" sz="2400">
                 <a:solidFill>
                   <a:srgbClr val="000000"/>
                 </a:solidFill>
@@ -8710,6 +8804,14 @@
               </a:rPr>
               <a:t>TSO</a:t>
             </a:r>
+            <a:endParaRPr lang="en-US" altLang="zh-CN" sz="2400" dirty="0">
+              <a:solidFill>
+                <a:srgbClr val="000000"/>
+              </a:solidFill>
+              <a:latin typeface="Consolas" panose="020B0609020204030204" pitchFamily="49" charset="0"/>
+              <a:ea typeface="+mn-ea"/>
+              <a:cs typeface="Times New Roman" panose="02020603050405020304" pitchFamily="18" charset="0"/>
+            </a:endParaRPr>
           </a:p>
         </p:txBody>
       </p:sp>
@@ -8735,19 +8837,23 @@
           <a:lstStyle/>
           <a:p>
             <a:r>
-              <a:rPr lang="en-US" altLang="zh-CN" dirty="0">
+              <a:rPr lang="en-US" altLang="zh-CN">
                 <a:latin typeface="Consolas" panose="020B0609020204030204" pitchFamily="49" charset="0"/>
                 <a:ea typeface="+mj-ea"/>
               </a:rPr>
               <a:t>1 </a:t>
             </a:r>
             <a:r>
-              <a:rPr lang="zh-CN" altLang="en-US" dirty="0">
+              <a:rPr lang="zh-CN" altLang="en-US">
                 <a:latin typeface="Consolas" panose="020B0609020204030204" pitchFamily="49" charset="0"/>
                 <a:ea typeface="+mj-ea"/>
               </a:rPr>
               <a:t>内存一致性</a:t>
             </a:r>
+            <a:endParaRPr lang="zh-CN" altLang="en-US" dirty="0">
+              <a:latin typeface="Consolas" panose="020B0609020204030204" pitchFamily="49" charset="0"/>
+              <a:ea typeface="+mj-ea"/>
+            </a:endParaRPr>
           </a:p>
         </p:txBody>
       </p:sp>
@@ -8778,7 +8884,7 @@
           <a:lstStyle/>
           <a:p>
             <a:r>
-              <a:rPr lang="en-US" altLang="zh-CN" sz="2800" dirty="0">
+              <a:rPr lang="en-US" altLang="zh-CN" sz="2800">
                 <a:latin typeface="Consolas" panose="020B0609020204030204" pitchFamily="49" charset="0"/>
                 <a:ea typeface="+mj-ea"/>
                 <a:cs typeface="Times New Roman" panose="02020603050405020304" pitchFamily="18" charset="0"/>
@@ -9463,6 +9569,41 @@
           </a:p>
         </p:txBody>
       </p:sp>
+      <p:sp>
+        <p:nvSpPr>
+          <p:cNvPr id="11" name="灯片编号占位符 10">
+            <a:extLst>
+              <a:ext uri="{FF2B5EF4-FFF2-40B4-BE49-F238E27FC236}">
+                <a16:creationId xmlns:a16="http://schemas.microsoft.com/office/drawing/2014/main" id="{5FC1B53D-EECF-49D3-8FFE-D0B592E5188D}"/>
+              </a:ext>
+            </a:extLst>
+          </p:cNvPr>
+          <p:cNvSpPr>
+            <a:spLocks noGrp="1"/>
+          </p:cNvSpPr>
+          <p:nvPr>
+            <p:ph type="sldNum" sz="quarter" idx="12"/>
+          </p:nvPr>
+        </p:nvSpPr>
+        <p:spPr/>
+        <p:txBody>
+          <a:bodyPr/>
+          <a:lstStyle/>
+          <a:p>
+            <a:pPr>
+              <a:defRPr/>
+            </a:pPr>
+            <a:fld id="{6A90D09A-ED5D-47CC-A45F-D492BA9A6C1B}" type="slidenum">
+              <a:rPr lang="en-US" altLang="zh-CN" smtClean="0"/>
+              <a:pPr>
+                <a:defRPr/>
+              </a:pPr>
+              <a:t>13</a:t>
+            </a:fld>
+            <a:endParaRPr lang="en-US" altLang="zh-CN" dirty="0"/>
+          </a:p>
+        </p:txBody>
+      </p:sp>
     </p:spTree>
     <p:extLst>
       <p:ext uri="{BB962C8B-B14F-4D97-AF65-F5344CB8AC3E}">
@@ -9520,7 +9661,7 @@
           <a:lstStyle/>
           <a:p>
             <a:r>
-              <a:rPr lang="en-US" altLang="zh-CN" sz="2400" dirty="0">
+              <a:rPr lang="en-US" altLang="zh-CN" sz="2400">
                 <a:solidFill>
                   <a:srgbClr val="000000"/>
                 </a:solidFill>
@@ -9530,6 +9671,14 @@
               </a:rPr>
               <a:t>TSO</a:t>
             </a:r>
+            <a:endParaRPr lang="en-US" altLang="zh-CN" sz="2400" dirty="0">
+              <a:solidFill>
+                <a:srgbClr val="000000"/>
+              </a:solidFill>
+              <a:latin typeface="Consolas" panose="020B0609020204030204" pitchFamily="49" charset="0"/>
+              <a:ea typeface="+mn-ea"/>
+              <a:cs typeface="Times New Roman" panose="02020603050405020304" pitchFamily="18" charset="0"/>
+            </a:endParaRPr>
           </a:p>
         </p:txBody>
       </p:sp>
@@ -9555,19 +9704,23 @@
           <a:lstStyle/>
           <a:p>
             <a:r>
-              <a:rPr lang="en-US" altLang="zh-CN" dirty="0">
+              <a:rPr lang="en-US" altLang="zh-CN">
                 <a:latin typeface="Consolas" panose="020B0609020204030204" pitchFamily="49" charset="0"/>
                 <a:ea typeface="+mj-ea"/>
               </a:rPr>
               <a:t>1 </a:t>
             </a:r>
             <a:r>
-              <a:rPr lang="zh-CN" altLang="en-US" dirty="0">
+              <a:rPr lang="zh-CN" altLang="en-US">
                 <a:latin typeface="Consolas" panose="020B0609020204030204" pitchFamily="49" charset="0"/>
                 <a:ea typeface="+mj-ea"/>
               </a:rPr>
               <a:t>内存一致性</a:t>
             </a:r>
+            <a:endParaRPr lang="zh-CN" altLang="en-US" dirty="0">
+              <a:latin typeface="Consolas" panose="020B0609020204030204" pitchFamily="49" charset="0"/>
+              <a:ea typeface="+mj-ea"/>
+            </a:endParaRPr>
           </a:p>
         </p:txBody>
       </p:sp>
@@ -9598,7 +9751,7 @@
           <a:lstStyle/>
           <a:p>
             <a:r>
-              <a:rPr lang="en-US" altLang="zh-CN" sz="2800" dirty="0">
+              <a:rPr lang="en-US" altLang="zh-CN" sz="2800">
                 <a:latin typeface="Consolas" panose="020B0609020204030204" pitchFamily="49" charset="0"/>
                 <a:ea typeface="+mj-ea"/>
                 <a:cs typeface="Times New Roman" panose="02020603050405020304" pitchFamily="18" charset="0"/>
@@ -10260,6 +10413,41 @@
           </a:p>
         </p:txBody>
       </p:sp>
+      <p:sp>
+        <p:nvSpPr>
+          <p:cNvPr id="11" name="灯片编号占位符 10">
+            <a:extLst>
+              <a:ext uri="{FF2B5EF4-FFF2-40B4-BE49-F238E27FC236}">
+                <a16:creationId xmlns:a16="http://schemas.microsoft.com/office/drawing/2014/main" id="{9F290405-03CF-4A5F-A914-87BBF17D2C4C}"/>
+              </a:ext>
+            </a:extLst>
+          </p:cNvPr>
+          <p:cNvSpPr>
+            <a:spLocks noGrp="1"/>
+          </p:cNvSpPr>
+          <p:nvPr>
+            <p:ph type="sldNum" sz="quarter" idx="12"/>
+          </p:nvPr>
+        </p:nvSpPr>
+        <p:spPr/>
+        <p:txBody>
+          <a:bodyPr/>
+          <a:lstStyle/>
+          <a:p>
+            <a:pPr>
+              <a:defRPr/>
+            </a:pPr>
+            <a:fld id="{6A90D09A-ED5D-47CC-A45F-D492BA9A6C1B}" type="slidenum">
+              <a:rPr lang="en-US" altLang="zh-CN" smtClean="0"/>
+              <a:pPr>
+                <a:defRPr/>
+              </a:pPr>
+              <a:t>14</a:t>
+            </a:fld>
+            <a:endParaRPr lang="en-US" altLang="zh-CN" dirty="0"/>
+          </a:p>
+        </p:txBody>
+      </p:sp>
     </p:spTree>
     <p:extLst>
       <p:ext uri="{BB962C8B-B14F-4D97-AF65-F5344CB8AC3E}">
@@ -10317,7 +10505,7 @@
           <a:lstStyle/>
           <a:p>
             <a:r>
-              <a:rPr lang="en-US" altLang="zh-CN" sz="2400" dirty="0">
+              <a:rPr lang="en-US" altLang="zh-CN" sz="2400">
                 <a:solidFill>
                   <a:srgbClr val="000000"/>
                 </a:solidFill>
@@ -10327,6 +10515,14 @@
               </a:rPr>
               <a:t>TSO</a:t>
             </a:r>
+            <a:endParaRPr lang="en-US" altLang="zh-CN" sz="2400" dirty="0">
+              <a:solidFill>
+                <a:srgbClr val="000000"/>
+              </a:solidFill>
+              <a:latin typeface="Consolas" panose="020B0609020204030204" pitchFamily="49" charset="0"/>
+              <a:ea typeface="+mn-ea"/>
+              <a:cs typeface="Times New Roman" panose="02020603050405020304" pitchFamily="18" charset="0"/>
+            </a:endParaRPr>
           </a:p>
         </p:txBody>
       </p:sp>
@@ -10352,19 +10548,23 @@
           <a:lstStyle/>
           <a:p>
             <a:r>
-              <a:rPr lang="en-US" altLang="zh-CN" dirty="0">
+              <a:rPr lang="en-US" altLang="zh-CN">
                 <a:latin typeface="Consolas" panose="020B0609020204030204" pitchFamily="49" charset="0"/>
                 <a:ea typeface="+mj-ea"/>
               </a:rPr>
               <a:t>1 </a:t>
             </a:r>
             <a:r>
-              <a:rPr lang="zh-CN" altLang="en-US" dirty="0">
+              <a:rPr lang="zh-CN" altLang="en-US">
                 <a:latin typeface="Consolas" panose="020B0609020204030204" pitchFamily="49" charset="0"/>
                 <a:ea typeface="+mj-ea"/>
               </a:rPr>
               <a:t>内存一致性</a:t>
             </a:r>
+            <a:endParaRPr lang="zh-CN" altLang="en-US" dirty="0">
+              <a:latin typeface="Consolas" panose="020B0609020204030204" pitchFamily="49" charset="0"/>
+              <a:ea typeface="+mj-ea"/>
+            </a:endParaRPr>
           </a:p>
         </p:txBody>
       </p:sp>
@@ -10395,7 +10595,7 @@
           <a:lstStyle/>
           <a:p>
             <a:r>
-              <a:rPr lang="en-US" altLang="zh-CN" sz="2800" dirty="0">
+              <a:rPr lang="en-US" altLang="zh-CN" sz="2800">
                 <a:latin typeface="Consolas" panose="020B0609020204030204" pitchFamily="49" charset="0"/>
                 <a:ea typeface="+mj-ea"/>
                 <a:cs typeface="Times New Roman" panose="02020603050405020304" pitchFamily="18" charset="0"/>
@@ -11253,6 +11453,41 @@
           </a:p>
         </p:txBody>
       </p:sp>
+      <p:sp>
+        <p:nvSpPr>
+          <p:cNvPr id="11" name="灯片编号占位符 10">
+            <a:extLst>
+              <a:ext uri="{FF2B5EF4-FFF2-40B4-BE49-F238E27FC236}">
+                <a16:creationId xmlns:a16="http://schemas.microsoft.com/office/drawing/2014/main" id="{0239F022-6405-4CCE-B670-7E0717BBBFE0}"/>
+              </a:ext>
+            </a:extLst>
+          </p:cNvPr>
+          <p:cNvSpPr>
+            <a:spLocks noGrp="1"/>
+          </p:cNvSpPr>
+          <p:nvPr>
+            <p:ph type="sldNum" sz="quarter" idx="12"/>
+          </p:nvPr>
+        </p:nvSpPr>
+        <p:spPr/>
+        <p:txBody>
+          <a:bodyPr/>
+          <a:lstStyle/>
+          <a:p>
+            <a:pPr>
+              <a:defRPr/>
+            </a:pPr>
+            <a:fld id="{6A90D09A-ED5D-47CC-A45F-D492BA9A6C1B}" type="slidenum">
+              <a:rPr lang="en-US" altLang="zh-CN" smtClean="0"/>
+              <a:pPr>
+                <a:defRPr/>
+              </a:pPr>
+              <a:t>15</a:t>
+            </a:fld>
+            <a:endParaRPr lang="en-US" altLang="zh-CN" dirty="0"/>
+          </a:p>
+        </p:txBody>
+      </p:sp>
     </p:spTree>
     <p:extLst>
       <p:ext uri="{BB962C8B-B14F-4D97-AF65-F5344CB8AC3E}">
@@ -11310,7 +11545,7 @@
           <a:lstStyle/>
           <a:p>
             <a:r>
-              <a:rPr lang="en-US" altLang="zh-CN" sz="2400" dirty="0">
+              <a:rPr lang="en-US" altLang="zh-CN" sz="2400">
                 <a:solidFill>
                   <a:srgbClr val="000000"/>
                 </a:solidFill>
@@ -11320,6 +11555,14 @@
               </a:rPr>
               <a:t>TSO</a:t>
             </a:r>
+            <a:endParaRPr lang="en-US" altLang="zh-CN" sz="2400" dirty="0">
+              <a:solidFill>
+                <a:srgbClr val="000000"/>
+              </a:solidFill>
+              <a:latin typeface="Consolas" panose="020B0609020204030204" pitchFamily="49" charset="0"/>
+              <a:ea typeface="+mn-ea"/>
+              <a:cs typeface="Times New Roman" panose="02020603050405020304" pitchFamily="18" charset="0"/>
+            </a:endParaRPr>
           </a:p>
         </p:txBody>
       </p:sp>
@@ -11345,19 +11588,23 @@
           <a:lstStyle/>
           <a:p>
             <a:r>
-              <a:rPr lang="en-US" altLang="zh-CN" dirty="0">
+              <a:rPr lang="en-US" altLang="zh-CN">
                 <a:latin typeface="Consolas" panose="020B0609020204030204" pitchFamily="49" charset="0"/>
                 <a:ea typeface="+mj-ea"/>
               </a:rPr>
               <a:t>1 </a:t>
             </a:r>
             <a:r>
-              <a:rPr lang="zh-CN" altLang="en-US" dirty="0">
+              <a:rPr lang="zh-CN" altLang="en-US">
                 <a:latin typeface="Consolas" panose="020B0609020204030204" pitchFamily="49" charset="0"/>
                 <a:ea typeface="+mj-ea"/>
               </a:rPr>
               <a:t>内存一致性</a:t>
             </a:r>
+            <a:endParaRPr lang="zh-CN" altLang="en-US" dirty="0">
+              <a:latin typeface="Consolas" panose="020B0609020204030204" pitchFamily="49" charset="0"/>
+              <a:ea typeface="+mj-ea"/>
+            </a:endParaRPr>
           </a:p>
         </p:txBody>
       </p:sp>
@@ -11388,7 +11635,7 @@
           <a:lstStyle/>
           <a:p>
             <a:r>
-              <a:rPr lang="en-US" altLang="zh-CN" sz="2800" dirty="0">
+              <a:rPr lang="en-US" altLang="zh-CN" sz="2800">
                 <a:latin typeface="Consolas" panose="020B0609020204030204" pitchFamily="49" charset="0"/>
                 <a:ea typeface="+mj-ea"/>
                 <a:cs typeface="Times New Roman" panose="02020603050405020304" pitchFamily="18" charset="0"/>
@@ -12105,6 +12352,41 @@
           </a:p>
         </p:txBody>
       </p:sp>
+      <p:sp>
+        <p:nvSpPr>
+          <p:cNvPr id="11" name="灯片编号占位符 10">
+            <a:extLst>
+              <a:ext uri="{FF2B5EF4-FFF2-40B4-BE49-F238E27FC236}">
+                <a16:creationId xmlns:a16="http://schemas.microsoft.com/office/drawing/2014/main" id="{26B795C7-15D1-4E68-AEE3-7201A98E3F51}"/>
+              </a:ext>
+            </a:extLst>
+          </p:cNvPr>
+          <p:cNvSpPr>
+            <a:spLocks noGrp="1"/>
+          </p:cNvSpPr>
+          <p:nvPr>
+            <p:ph type="sldNum" sz="quarter" idx="12"/>
+          </p:nvPr>
+        </p:nvSpPr>
+        <p:spPr/>
+        <p:txBody>
+          <a:bodyPr/>
+          <a:lstStyle/>
+          <a:p>
+            <a:pPr>
+              <a:defRPr/>
+            </a:pPr>
+            <a:fld id="{6A90D09A-ED5D-47CC-A45F-D492BA9A6C1B}" type="slidenum">
+              <a:rPr lang="en-US" altLang="zh-CN" smtClean="0"/>
+              <a:pPr>
+                <a:defRPr/>
+              </a:pPr>
+              <a:t>16</a:t>
+            </a:fld>
+            <a:endParaRPr lang="en-US" altLang="zh-CN" dirty="0"/>
+          </a:p>
+        </p:txBody>
+      </p:sp>
     </p:spTree>
     <p:extLst>
       <p:ext uri="{BB962C8B-B14F-4D97-AF65-F5344CB8AC3E}">
@@ -12162,7 +12444,7 @@
           <a:lstStyle/>
           <a:p>
             <a:r>
-              <a:rPr lang="en-US" altLang="zh-CN" sz="2400" dirty="0">
+              <a:rPr lang="en-US" altLang="zh-CN" sz="2400">
                 <a:solidFill>
                   <a:srgbClr val="000000"/>
                 </a:solidFill>
@@ -12172,6 +12454,14 @@
               </a:rPr>
               <a:t>TSO</a:t>
             </a:r>
+            <a:endParaRPr lang="en-US" altLang="zh-CN" sz="2400" dirty="0">
+              <a:solidFill>
+                <a:srgbClr val="000000"/>
+              </a:solidFill>
+              <a:latin typeface="Consolas" panose="020B0609020204030204" pitchFamily="49" charset="0"/>
+              <a:ea typeface="+mn-ea"/>
+              <a:cs typeface="Times New Roman" panose="02020603050405020304" pitchFamily="18" charset="0"/>
+            </a:endParaRPr>
           </a:p>
         </p:txBody>
       </p:sp>
@@ -12197,19 +12487,23 @@
           <a:lstStyle/>
           <a:p>
             <a:r>
-              <a:rPr lang="en-US" altLang="zh-CN" dirty="0">
+              <a:rPr lang="en-US" altLang="zh-CN">
                 <a:latin typeface="Consolas" panose="020B0609020204030204" pitchFamily="49" charset="0"/>
                 <a:ea typeface="+mj-ea"/>
               </a:rPr>
               <a:t>1 </a:t>
             </a:r>
             <a:r>
-              <a:rPr lang="zh-CN" altLang="en-US" dirty="0">
+              <a:rPr lang="zh-CN" altLang="en-US">
                 <a:latin typeface="Consolas" panose="020B0609020204030204" pitchFamily="49" charset="0"/>
                 <a:ea typeface="+mj-ea"/>
               </a:rPr>
               <a:t>内存一致性</a:t>
             </a:r>
+            <a:endParaRPr lang="zh-CN" altLang="en-US" dirty="0">
+              <a:latin typeface="Consolas" panose="020B0609020204030204" pitchFamily="49" charset="0"/>
+              <a:ea typeface="+mj-ea"/>
+            </a:endParaRPr>
           </a:p>
         </p:txBody>
       </p:sp>
@@ -12240,7 +12534,7 @@
           <a:lstStyle/>
           <a:p>
             <a:r>
-              <a:rPr lang="en-US" altLang="zh-CN" sz="2800" dirty="0">
+              <a:rPr lang="en-US" altLang="zh-CN" sz="2800">
                 <a:latin typeface="Consolas" panose="020B0609020204030204" pitchFamily="49" charset="0"/>
                 <a:ea typeface="+mj-ea"/>
                 <a:cs typeface="Times New Roman" panose="02020603050405020304" pitchFamily="18" charset="0"/>
@@ -12900,6 +13194,41 @@
           </a:p>
         </p:txBody>
       </p:sp>
+      <p:sp>
+        <p:nvSpPr>
+          <p:cNvPr id="11" name="灯片编号占位符 10">
+            <a:extLst>
+              <a:ext uri="{FF2B5EF4-FFF2-40B4-BE49-F238E27FC236}">
+                <a16:creationId xmlns:a16="http://schemas.microsoft.com/office/drawing/2014/main" id="{E3BFA570-521F-4F7A-9F6C-9BCC95AC42FF}"/>
+              </a:ext>
+            </a:extLst>
+          </p:cNvPr>
+          <p:cNvSpPr>
+            <a:spLocks noGrp="1"/>
+          </p:cNvSpPr>
+          <p:nvPr>
+            <p:ph type="sldNum" sz="quarter" idx="12"/>
+          </p:nvPr>
+        </p:nvSpPr>
+        <p:spPr/>
+        <p:txBody>
+          <a:bodyPr/>
+          <a:lstStyle/>
+          <a:p>
+            <a:pPr>
+              <a:defRPr/>
+            </a:pPr>
+            <a:fld id="{6A90D09A-ED5D-47CC-A45F-D492BA9A6C1B}" type="slidenum">
+              <a:rPr lang="en-US" altLang="zh-CN" smtClean="0"/>
+              <a:pPr>
+                <a:defRPr/>
+              </a:pPr>
+              <a:t>17</a:t>
+            </a:fld>
+            <a:endParaRPr lang="en-US" altLang="zh-CN" dirty="0"/>
+          </a:p>
+        </p:txBody>
+      </p:sp>
     </p:spTree>
     <p:extLst>
       <p:ext uri="{BB962C8B-B14F-4D97-AF65-F5344CB8AC3E}">
@@ -12957,7 +13286,7 @@
           <a:lstStyle/>
           <a:p>
             <a:r>
-              <a:rPr lang="en-US" altLang="zh-CN" sz="2400" dirty="0">
+              <a:rPr lang="en-US" altLang="zh-CN" sz="2400">
                 <a:solidFill>
                   <a:srgbClr val="000000"/>
                 </a:solidFill>
@@ -12971,7 +13300,7 @@
           <a:p>
             <a:pPr lvl="1"/>
             <a:r>
-              <a:rPr lang="en-US" altLang="zh-CN" sz="2000" dirty="0">
+              <a:rPr lang="en-US" altLang="zh-CN" sz="2000">
                 <a:latin typeface="Consolas" panose="020B0609020204030204" pitchFamily="49" charset="0"/>
                 <a:cs typeface="Times New Roman" panose="02020603050405020304" pitchFamily="18" charset="0"/>
               </a:rPr>
@@ -12981,14 +13310,14 @@
           <a:p>
             <a:pPr lvl="2"/>
             <a:r>
-              <a:rPr lang="en-US" altLang="zh-CN" dirty="0">
+              <a:rPr lang="en-US" altLang="zh-CN">
                 <a:latin typeface="Consolas" panose="020B0609020204030204" pitchFamily="49" charset="0"/>
                 <a:cs typeface="Times New Roman" panose="02020603050405020304" pitchFamily="18" charset="0"/>
               </a:rPr>
               <a:t>[Program order appears to be maintained if] either the write or the read is already part of a </a:t>
             </a:r>
             <a:r>
-              <a:rPr lang="en-US" altLang="zh-CN" dirty="0">
+              <a:rPr lang="en-US" altLang="zh-CN">
                 <a:solidFill>
                   <a:srgbClr val="FF0000"/>
                 </a:solidFill>
@@ -12998,7 +13327,7 @@
               <a:t>read-modify-write(RMW)</a:t>
             </a:r>
             <a:r>
-              <a:rPr lang="en-US" altLang="zh-CN" dirty="0">
+              <a:rPr lang="en-US" altLang="zh-CN">
                 <a:latin typeface="Consolas" panose="020B0609020204030204" pitchFamily="49" charset="0"/>
                 <a:cs typeface="Times New Roman" panose="02020603050405020304" pitchFamily="18" charset="0"/>
               </a:rPr>
@@ -13008,7 +13337,7 @@
           <a:p>
             <a:pPr lvl="3"/>
             <a:r>
-              <a:rPr lang="en-US" altLang="zh-CN" dirty="0">
+              <a:rPr lang="en-US" altLang="zh-CN">
                 <a:latin typeface="Consolas" panose="020B0609020204030204" pitchFamily="49" charset="0"/>
                 <a:cs typeface="Times New Roman" panose="02020603050405020304" pitchFamily="18" charset="0"/>
               </a:rPr>
@@ -13018,21 +13347,14 @@
           <a:p>
             <a:pPr lvl="4"/>
             <a:r>
-              <a:rPr lang="en-US" altLang="zh-CN" dirty="0" err="1">
-                <a:latin typeface="Consolas" panose="020B0609020204030204" pitchFamily="49" charset="0"/>
-                <a:cs typeface="Times New Roman" panose="02020603050405020304" pitchFamily="18" charset="0"/>
-              </a:rPr>
-              <a:t>ie</a:t>
-            </a:r>
-            <a:r>
-              <a:rPr lang="en-US" altLang="zh-CN" dirty="0">
-                <a:latin typeface="Consolas" panose="020B0609020204030204" pitchFamily="49" charset="0"/>
-                <a:cs typeface="Times New Roman" panose="02020603050405020304" pitchFamily="18" charset="0"/>
-              </a:rPr>
-              <a:t>. locked instructions in intel 64 architecture, including the implicitly locked </a:t>
-            </a:r>
-            <a:r>
-              <a:rPr lang="en-US" altLang="zh-CN" i="1" dirty="0" err="1">
+              <a:rPr lang="en-US" altLang="zh-CN">
+                <a:latin typeface="Consolas" panose="020B0609020204030204" pitchFamily="49" charset="0"/>
+                <a:cs typeface="Times New Roman" panose="02020603050405020304" pitchFamily="18" charset="0"/>
+              </a:rPr>
+              <a:t>ie. locked instructions in intel 64 architecture, including the implicitly locked </a:t>
+            </a:r>
+            <a:r>
+              <a:rPr lang="en-US" altLang="zh-CN" i="1">
                 <a:solidFill>
                   <a:schemeClr val="bg1">
                     <a:lumMod val="50000"/>
@@ -13044,12 +13366,16 @@
               <a:t>xchg</a:t>
             </a:r>
             <a:r>
-              <a:rPr lang="en-US" altLang="zh-CN" dirty="0">
+              <a:rPr lang="en-US" altLang="zh-CN">
                 <a:latin typeface="Consolas" panose="020B0609020204030204" pitchFamily="49" charset="0"/>
                 <a:cs typeface="Times New Roman" panose="02020603050405020304" pitchFamily="18" charset="0"/>
               </a:rPr>
               <a:t> instruction and other read-modify-write instructions with a lock prefix.</a:t>
             </a:r>
+            <a:endParaRPr lang="en-US" altLang="zh-CN" dirty="0">
+              <a:latin typeface="Consolas" panose="020B0609020204030204" pitchFamily="49" charset="0"/>
+              <a:cs typeface="Times New Roman" panose="02020603050405020304" pitchFamily="18" charset="0"/>
+            </a:endParaRPr>
           </a:p>
         </p:txBody>
       </p:sp>
@@ -13075,19 +13401,23 @@
           <a:lstStyle/>
           <a:p>
             <a:r>
-              <a:rPr lang="en-US" altLang="zh-CN" dirty="0">
+              <a:rPr lang="en-US" altLang="zh-CN">
                 <a:latin typeface="Consolas" panose="020B0609020204030204" pitchFamily="49" charset="0"/>
                 <a:ea typeface="+mj-ea"/>
               </a:rPr>
               <a:t>1 </a:t>
             </a:r>
             <a:r>
-              <a:rPr lang="zh-CN" altLang="en-US" dirty="0">
+              <a:rPr lang="zh-CN" altLang="en-US">
                 <a:latin typeface="Consolas" panose="020B0609020204030204" pitchFamily="49" charset="0"/>
                 <a:ea typeface="+mj-ea"/>
               </a:rPr>
               <a:t>内存一致性</a:t>
             </a:r>
+            <a:endParaRPr lang="zh-CN" altLang="en-US" dirty="0">
+              <a:latin typeface="Consolas" panose="020B0609020204030204" pitchFamily="49" charset="0"/>
+              <a:ea typeface="+mj-ea"/>
+            </a:endParaRPr>
           </a:p>
         </p:txBody>
       </p:sp>
@@ -13118,7 +13448,7 @@
           <a:lstStyle/>
           <a:p>
             <a:r>
-              <a:rPr lang="en-US" altLang="zh-CN" sz="2800" dirty="0">
+              <a:rPr lang="en-US" altLang="zh-CN" sz="2800">
                 <a:latin typeface="Consolas" panose="020B0609020204030204" pitchFamily="49" charset="0"/>
                 <a:ea typeface="+mj-ea"/>
                 <a:cs typeface="Times New Roman" panose="02020603050405020304" pitchFamily="18" charset="0"/>
@@ -13130,6 +13460,41 @@
               <a:ea typeface="+mj-ea"/>
               <a:cs typeface="Times New Roman" panose="02020603050405020304" pitchFamily="18" charset="0"/>
             </a:endParaRPr>
+          </a:p>
+        </p:txBody>
+      </p:sp>
+      <p:sp>
+        <p:nvSpPr>
+          <p:cNvPr id="8" name="灯片编号占位符 7">
+            <a:extLst>
+              <a:ext uri="{FF2B5EF4-FFF2-40B4-BE49-F238E27FC236}">
+                <a16:creationId xmlns:a16="http://schemas.microsoft.com/office/drawing/2014/main" id="{19660050-D95E-47A9-99ED-1A617F7E7AAB}"/>
+              </a:ext>
+            </a:extLst>
+          </p:cNvPr>
+          <p:cNvSpPr>
+            <a:spLocks noGrp="1"/>
+          </p:cNvSpPr>
+          <p:nvPr>
+            <p:ph type="sldNum" sz="quarter" idx="12"/>
+          </p:nvPr>
+        </p:nvSpPr>
+        <p:spPr/>
+        <p:txBody>
+          <a:bodyPr/>
+          <a:lstStyle/>
+          <a:p>
+            <a:pPr>
+              <a:defRPr/>
+            </a:pPr>
+            <a:fld id="{6A90D09A-ED5D-47CC-A45F-D492BA9A6C1B}" type="slidenum">
+              <a:rPr lang="en-US" altLang="zh-CN" smtClean="0"/>
+              <a:pPr>
+                <a:defRPr/>
+              </a:pPr>
+              <a:t>18</a:t>
+            </a:fld>
+            <a:endParaRPr lang="en-US" altLang="zh-CN" dirty="0"/>
           </a:p>
         </p:txBody>
       </p:sp>
@@ -13190,7 +13555,7 @@
           <a:lstStyle/>
           <a:p>
             <a:r>
-              <a:rPr lang="en-US" altLang="zh-CN" sz="2400" dirty="0">
+              <a:rPr lang="en-US" altLang="zh-CN" sz="2400">
                 <a:solidFill>
                   <a:srgbClr val="000000"/>
                 </a:solidFill>
@@ -13204,7 +13569,7 @@
           <a:p>
             <a:pPr lvl="1"/>
             <a:r>
-              <a:rPr lang="en-US" altLang="zh-CN" sz="2000" dirty="0">
+              <a:rPr lang="en-US" altLang="zh-CN" sz="2000">
                 <a:latin typeface="Consolas" panose="020B0609020204030204" pitchFamily="49" charset="0"/>
                 <a:cs typeface="Times New Roman" panose="02020603050405020304" pitchFamily="18" charset="0"/>
               </a:rPr>
@@ -13214,14 +13579,14 @@
           <a:p>
             <a:pPr lvl="2"/>
             <a:r>
-              <a:rPr lang="en-US" altLang="zh-CN" dirty="0">
+              <a:rPr lang="en-US" altLang="zh-CN">
                 <a:latin typeface="Consolas" panose="020B0609020204030204" pitchFamily="49" charset="0"/>
                 <a:cs typeface="Times New Roman" panose="02020603050405020304" pitchFamily="18" charset="0"/>
               </a:rPr>
               <a:t>For TSO, program order appears to be maintained if either the write or the read is already part of a </a:t>
             </a:r>
             <a:r>
-              <a:rPr lang="en-US" altLang="zh-CN" dirty="0">
+              <a:rPr lang="en-US" altLang="zh-CN">
                 <a:solidFill>
                   <a:srgbClr val="FF0000"/>
                 </a:solidFill>
@@ -13231,7 +13596,7 @@
               <a:t>read-modify-write(RMW) </a:t>
             </a:r>
             <a:r>
-              <a:rPr lang="en-US" altLang="zh-CN" dirty="0">
+              <a:rPr lang="en-US" altLang="zh-CN">
                 <a:latin typeface="Consolas" panose="020B0609020204030204" pitchFamily="49" charset="0"/>
                 <a:cs typeface="Times New Roman" panose="02020603050405020304" pitchFamily="18" charset="0"/>
               </a:rPr>
@@ -13241,7 +13606,7 @@
           <a:p>
             <a:pPr lvl="3"/>
             <a:r>
-              <a:rPr lang="en-US" altLang="zh-CN" dirty="0">
+              <a:rPr lang="en-US" altLang="zh-CN">
                 <a:latin typeface="Consolas" panose="020B0609020204030204" pitchFamily="49" charset="0"/>
                 <a:cs typeface="Times New Roman" panose="02020603050405020304" pitchFamily="18" charset="0"/>
               </a:rPr>
@@ -13251,7 +13616,7 @@
           <a:p>
             <a:pPr lvl="3"/>
             <a:r>
-              <a:rPr lang="en-US" altLang="zh-CN" dirty="0">
+              <a:rPr lang="en-US" altLang="zh-CN">
                 <a:latin typeface="Consolas" panose="020B0609020204030204" pitchFamily="49" charset="0"/>
                 <a:cs typeface="Times New Roman" panose="02020603050405020304" pitchFamily="18" charset="0"/>
               </a:rPr>
@@ -13261,7 +13626,7 @@
           <a:p>
             <a:pPr lvl="4"/>
             <a:r>
-              <a:rPr lang="en-US" altLang="zh-CN" dirty="0">
+              <a:rPr lang="en-US" altLang="zh-CN">
                 <a:latin typeface="Consolas" panose="020B0609020204030204" pitchFamily="49" charset="0"/>
                 <a:cs typeface="Times New Roman" panose="02020603050405020304" pitchFamily="18" charset="0"/>
               </a:rPr>
@@ -13271,12 +13636,16 @@
           <a:p>
             <a:pPr lvl="4"/>
             <a:r>
-              <a:rPr lang="en-US" altLang="zh-CN" dirty="0">
+              <a:rPr lang="en-US" altLang="zh-CN">
                 <a:latin typeface="Consolas" panose="020B0609020204030204" pitchFamily="49" charset="0"/>
                 <a:cs typeface="Times New Roman" panose="02020603050405020304" pitchFamily="18" charset="0"/>
               </a:rPr>
               <a:t>Write: writing back the desired value regardless of what the read returns.</a:t>
             </a:r>
+            <a:endParaRPr lang="en-US" altLang="zh-CN" dirty="0">
+              <a:latin typeface="Consolas" panose="020B0609020204030204" pitchFamily="49" charset="0"/>
+              <a:cs typeface="Times New Roman" panose="02020603050405020304" pitchFamily="18" charset="0"/>
+            </a:endParaRPr>
           </a:p>
         </p:txBody>
       </p:sp>
@@ -13302,19 +13671,23 @@
           <a:lstStyle/>
           <a:p>
             <a:r>
-              <a:rPr lang="en-US" altLang="zh-CN" dirty="0">
+              <a:rPr lang="en-US" altLang="zh-CN">
                 <a:latin typeface="Consolas" panose="020B0609020204030204" pitchFamily="49" charset="0"/>
                 <a:ea typeface="+mj-ea"/>
               </a:rPr>
               <a:t>1 </a:t>
             </a:r>
             <a:r>
-              <a:rPr lang="zh-CN" altLang="en-US" dirty="0">
+              <a:rPr lang="zh-CN" altLang="en-US">
                 <a:latin typeface="Consolas" panose="020B0609020204030204" pitchFamily="49" charset="0"/>
                 <a:ea typeface="+mj-ea"/>
               </a:rPr>
               <a:t>内存一致性</a:t>
             </a:r>
+            <a:endParaRPr lang="zh-CN" altLang="en-US" dirty="0">
+              <a:latin typeface="Consolas" panose="020B0609020204030204" pitchFamily="49" charset="0"/>
+              <a:ea typeface="+mj-ea"/>
+            </a:endParaRPr>
           </a:p>
         </p:txBody>
       </p:sp>
@@ -13345,7 +13718,7 @@
           <a:lstStyle/>
           <a:p>
             <a:r>
-              <a:rPr lang="en-US" altLang="zh-CN" sz="2800" dirty="0">
+              <a:rPr lang="en-US" altLang="zh-CN" sz="2800">
                 <a:latin typeface="Consolas" panose="020B0609020204030204" pitchFamily="49" charset="0"/>
                 <a:ea typeface="+mj-ea"/>
                 <a:cs typeface="Times New Roman" panose="02020603050405020304" pitchFamily="18" charset="0"/>
@@ -13357,6 +13730,41 @@
               <a:ea typeface="+mj-ea"/>
               <a:cs typeface="Times New Roman" panose="02020603050405020304" pitchFamily="18" charset="0"/>
             </a:endParaRPr>
+          </a:p>
+        </p:txBody>
+      </p:sp>
+      <p:sp>
+        <p:nvSpPr>
+          <p:cNvPr id="8" name="灯片编号占位符 7">
+            <a:extLst>
+              <a:ext uri="{FF2B5EF4-FFF2-40B4-BE49-F238E27FC236}">
+                <a16:creationId xmlns:a16="http://schemas.microsoft.com/office/drawing/2014/main" id="{9B0D2361-EFD3-439D-B9BC-B8EB35321DE1}"/>
+              </a:ext>
+            </a:extLst>
+          </p:cNvPr>
+          <p:cNvSpPr>
+            <a:spLocks noGrp="1"/>
+          </p:cNvSpPr>
+          <p:nvPr>
+            <p:ph type="sldNum" sz="quarter" idx="12"/>
+          </p:nvPr>
+        </p:nvSpPr>
+        <p:spPr/>
+        <p:txBody>
+          <a:bodyPr/>
+          <a:lstStyle/>
+          <a:p>
+            <a:pPr>
+              <a:defRPr/>
+            </a:pPr>
+            <a:fld id="{6A90D09A-ED5D-47CC-A45F-D492BA9A6C1B}" type="slidenum">
+              <a:rPr lang="en-US" altLang="zh-CN" smtClean="0"/>
+              <a:pPr>
+                <a:defRPr/>
+              </a:pPr>
+              <a:t>19</a:t>
+            </a:fld>
+            <a:endParaRPr lang="en-US" altLang="zh-CN" dirty="0"/>
           </a:p>
         </p:txBody>
       </p:sp>
@@ -13412,7 +13820,7 @@
           <a:lstStyle/>
           <a:p>
             <a:r>
-              <a:rPr lang="en-US" altLang="zh-CN" sz="2400" dirty="0">
+              <a:rPr lang="en-US" altLang="zh-CN" sz="2400">
                 <a:solidFill>
                   <a:srgbClr val="000000"/>
                 </a:solidFill>
@@ -13424,7 +13832,7 @@
           <a:p>
             <a:pPr lvl="1"/>
             <a:r>
-              <a:rPr lang="en-US" altLang="zh-CN" sz="2000" dirty="0">
+              <a:rPr lang="en-US" altLang="zh-CN" sz="2000">
                 <a:latin typeface="Consolas" panose="020B0609020204030204" pitchFamily="49" charset="0"/>
                 <a:cs typeface="Times New Roman" panose="02020603050405020304" pitchFamily="18" charset="0"/>
               </a:rPr>
@@ -13434,7 +13842,7 @@
           <a:p>
             <a:pPr lvl="2"/>
             <a:r>
-              <a:rPr lang="en-US" altLang="zh-CN" dirty="0">
+              <a:rPr lang="en-US" altLang="zh-CN">
                 <a:latin typeface="Consolas" panose="020B0609020204030204" pitchFamily="49" charset="0"/>
                 <a:cs typeface="Times New Roman" panose="02020603050405020304" pitchFamily="18" charset="0"/>
               </a:rPr>
@@ -13444,82 +13852,71 @@
           <a:p>
             <a:pPr lvl="2"/>
             <a:r>
-              <a:rPr lang="en-US" altLang="zh-CN" dirty="0">
-                <a:latin typeface="Consolas" panose="020B0609020204030204" pitchFamily="49" charset="0"/>
-                <a:cs typeface="Times New Roman" panose="02020603050405020304" pitchFamily="18" charset="0"/>
-              </a:rPr>
-              <a:t>Send + </a:t>
-            </a:r>
-            <a:r>
-              <a:rPr lang="en-US" altLang="zh-CN" dirty="0" err="1">
-                <a:latin typeface="Consolas" panose="020B0609020204030204" pitchFamily="49" charset="0"/>
-                <a:cs typeface="Times New Roman" panose="02020603050405020304" pitchFamily="18" charset="0"/>
-              </a:rPr>
-              <a:t>onReceive</a:t>
-            </a:r>
-            <a:endParaRPr lang="en-US" altLang="zh-CN" dirty="0">
+              <a:rPr lang="en-US" altLang="zh-CN">
+                <a:latin typeface="Consolas" panose="020B0609020204030204" pitchFamily="49" charset="0"/>
+                <a:cs typeface="Times New Roman" panose="02020603050405020304" pitchFamily="18" charset="0"/>
+              </a:rPr>
+              <a:t>Send + onReceive</a:t>
+            </a:r>
+          </a:p>
+          <a:p>
+            <a:pPr lvl="2"/>
+            <a:endParaRPr lang="en-US" altLang="zh-CN">
               <a:latin typeface="Consolas" panose="020B0609020204030204" pitchFamily="49" charset="0"/>
               <a:cs typeface="Times New Roman" panose="02020603050405020304" pitchFamily="18" charset="0"/>
             </a:endParaRPr>
           </a:p>
           <a:p>
             <a:pPr lvl="2"/>
-            <a:endParaRPr lang="en-US" altLang="zh-CN" dirty="0">
+            <a:endParaRPr lang="en-US" altLang="zh-CN">
               <a:latin typeface="Consolas" panose="020B0609020204030204" pitchFamily="49" charset="0"/>
               <a:cs typeface="Times New Roman" panose="02020603050405020304" pitchFamily="18" charset="0"/>
             </a:endParaRPr>
           </a:p>
           <a:p>
             <a:pPr lvl="2"/>
-            <a:endParaRPr lang="en-US" altLang="zh-CN" dirty="0">
+            <a:endParaRPr lang="en-US" altLang="zh-CN">
               <a:latin typeface="Consolas" panose="020B0609020204030204" pitchFamily="49" charset="0"/>
               <a:cs typeface="Times New Roman" panose="02020603050405020304" pitchFamily="18" charset="0"/>
             </a:endParaRPr>
           </a:p>
           <a:p>
             <a:pPr lvl="2"/>
-            <a:endParaRPr lang="en-US" altLang="zh-CN" dirty="0">
+            <a:endParaRPr lang="en-US" altLang="zh-CN">
               <a:latin typeface="Consolas" panose="020B0609020204030204" pitchFamily="49" charset="0"/>
               <a:cs typeface="Times New Roman" panose="02020603050405020304" pitchFamily="18" charset="0"/>
             </a:endParaRPr>
           </a:p>
           <a:p>
+            <a:pPr lvl="1"/>
+            <a:r>
+              <a:rPr lang="en-US" altLang="zh-CN" sz="2000">
+                <a:solidFill>
+                  <a:srgbClr val="0070C0"/>
+                </a:solidFill>
+                <a:latin typeface="Consolas" panose="020B0609020204030204" pitchFamily="49" charset="0"/>
+                <a:cs typeface="Times New Roman" panose="02020603050405020304" pitchFamily="18" charset="0"/>
+              </a:rPr>
+              <a:t>Shared Memory</a:t>
+            </a:r>
+          </a:p>
+          <a:p>
             <a:pPr lvl="2"/>
-            <a:endParaRPr lang="en-US" altLang="zh-CN" dirty="0">
-              <a:latin typeface="Consolas" panose="020B0609020204030204" pitchFamily="49" charset="0"/>
-              <a:cs typeface="Times New Roman" panose="02020603050405020304" pitchFamily="18" charset="0"/>
-            </a:endParaRPr>
-          </a:p>
-          <a:p>
-            <a:pPr lvl="1"/>
-            <a:r>
-              <a:rPr lang="en-US" altLang="zh-CN" sz="2000" dirty="0">
+            <a:r>
+              <a:rPr lang="en-US" altLang="zh-CN">
                 <a:solidFill>
                   <a:srgbClr val="0070C0"/>
                 </a:solidFill>
                 <a:latin typeface="Consolas" panose="020B0609020204030204" pitchFamily="49" charset="0"/>
                 <a:cs typeface="Times New Roman" panose="02020603050405020304" pitchFamily="18" charset="0"/>
               </a:rPr>
-              <a:t>Shared Memory</a:t>
+              <a:t>Concurrent</a:t>
             </a:r>
           </a:p>
           <a:p>
             <a:pPr lvl="2"/>
             <a:r>
-              <a:rPr lang="en-US" altLang="zh-CN" dirty="0">
-                <a:solidFill>
-                  <a:srgbClr val="0070C0"/>
-                </a:solidFill>
-                <a:latin typeface="Consolas" panose="020B0609020204030204" pitchFamily="49" charset="0"/>
-                <a:cs typeface="Times New Roman" panose="02020603050405020304" pitchFamily="18" charset="0"/>
-              </a:rPr>
-              <a:t>Concurrent</a:t>
-            </a:r>
-          </a:p>
-          <a:p>
-            <a:pPr lvl="2"/>
-            <a:r>
-              <a:rPr lang="en-US" altLang="zh-CN" dirty="0">
+              <a:rPr lang="en-US" altLang="zh-CN">
                 <a:latin typeface="Consolas" panose="020B0609020204030204" pitchFamily="49" charset="0"/>
                 <a:cs typeface="Times New Roman" panose="02020603050405020304" pitchFamily="18" charset="0"/>
               </a:rPr>
@@ -13616,19 +14013,23 @@
           <a:lstStyle/>
           <a:p>
             <a:r>
-              <a:rPr lang="en-US" altLang="zh-CN" dirty="0">
+              <a:rPr lang="en-US" altLang="zh-CN">
                 <a:latin typeface="Consolas" panose="020B0609020204030204" pitchFamily="49" charset="0"/>
                 <a:ea typeface="+mj-ea"/>
               </a:rPr>
               <a:t>1 </a:t>
             </a:r>
             <a:r>
-              <a:rPr lang="zh-CN" altLang="en-US" dirty="0">
+              <a:rPr lang="zh-CN" altLang="en-US">
                 <a:latin typeface="Consolas" panose="020B0609020204030204" pitchFamily="49" charset="0"/>
                 <a:ea typeface="+mj-ea"/>
               </a:rPr>
               <a:t>内存一致性</a:t>
             </a:r>
+            <a:endParaRPr lang="zh-CN" altLang="en-US" dirty="0">
+              <a:latin typeface="Consolas" panose="020B0609020204030204" pitchFamily="49" charset="0"/>
+              <a:ea typeface="+mj-ea"/>
+            </a:endParaRPr>
           </a:p>
         </p:txBody>
       </p:sp>
@@ -13659,7 +14060,7 @@
           <a:lstStyle/>
           <a:p>
             <a:r>
-              <a:rPr lang="en-US" altLang="zh-CN" sz="2800" dirty="0">
+              <a:rPr lang="en-US" altLang="zh-CN" sz="2800">
                 <a:latin typeface="Consolas" panose="020B0609020204030204" pitchFamily="49" charset="0"/>
                 <a:ea typeface="+mj-ea"/>
                 <a:cs typeface="Times New Roman" panose="02020603050405020304" pitchFamily="18" charset="0"/>
@@ -13671,6 +14072,41 @@
               <a:ea typeface="+mj-ea"/>
               <a:cs typeface="Times New Roman" panose="02020603050405020304" pitchFamily="18" charset="0"/>
             </a:endParaRPr>
+          </a:p>
+        </p:txBody>
+      </p:sp>
+      <p:sp>
+        <p:nvSpPr>
+          <p:cNvPr id="8" name="灯片编号占位符 7">
+            <a:extLst>
+              <a:ext uri="{FF2B5EF4-FFF2-40B4-BE49-F238E27FC236}">
+                <a16:creationId xmlns:a16="http://schemas.microsoft.com/office/drawing/2014/main" id="{1FEF9E01-9544-4A74-8F2D-75CC99C00244}"/>
+              </a:ext>
+            </a:extLst>
+          </p:cNvPr>
+          <p:cNvSpPr>
+            <a:spLocks noGrp="1"/>
+          </p:cNvSpPr>
+          <p:nvPr>
+            <p:ph type="sldNum" sz="quarter" idx="12"/>
+          </p:nvPr>
+        </p:nvSpPr>
+        <p:spPr/>
+        <p:txBody>
+          <a:bodyPr/>
+          <a:lstStyle/>
+          <a:p>
+            <a:pPr>
+              <a:defRPr/>
+            </a:pPr>
+            <a:fld id="{6A90D09A-ED5D-47CC-A45F-D492BA9A6C1B}" type="slidenum">
+              <a:rPr lang="en-US" altLang="zh-CN" smtClean="0"/>
+              <a:pPr>
+                <a:defRPr/>
+              </a:pPr>
+              <a:t>2</a:t>
+            </a:fld>
+            <a:endParaRPr lang="en-US" altLang="zh-CN" dirty="0"/>
           </a:p>
         </p:txBody>
       </p:sp>
@@ -13726,7 +14162,7 @@
           <a:lstStyle/>
           <a:p>
             <a:r>
-              <a:rPr lang="en-US" altLang="zh-CN" sz="2400" dirty="0">
+              <a:rPr lang="en-US" altLang="zh-CN" sz="2400">
                 <a:solidFill>
                   <a:srgbClr val="000000"/>
                 </a:solidFill>
@@ -13740,7 +14176,7 @@
           <a:p>
             <a:pPr lvl="1"/>
             <a:r>
-              <a:rPr lang="en-US" altLang="zh-CN" sz="2000" dirty="0">
+              <a:rPr lang="en-US" altLang="zh-CN" sz="2000">
                 <a:latin typeface="Consolas" panose="020B0609020204030204" pitchFamily="49" charset="0"/>
                 <a:cs typeface="Times New Roman" panose="02020603050405020304" pitchFamily="18" charset="0"/>
               </a:rPr>
@@ -13750,14 +14186,14 @@
           <a:p>
             <a:pPr lvl="2"/>
             <a:r>
-              <a:rPr lang="en-US" altLang="zh-CN" dirty="0">
+              <a:rPr lang="en-US" altLang="zh-CN">
                 <a:latin typeface="Consolas" panose="020B0609020204030204" pitchFamily="49" charset="0"/>
                 <a:cs typeface="Times New Roman" panose="02020603050405020304" pitchFamily="18" charset="0"/>
               </a:rPr>
               <a:t>For TSO, program order appears to be maintained if either the write or the read is already part of a </a:t>
             </a:r>
             <a:r>
-              <a:rPr lang="en-US" altLang="zh-CN" dirty="0">
+              <a:rPr lang="en-US" altLang="zh-CN">
                 <a:solidFill>
                   <a:srgbClr val="FF0000"/>
                 </a:solidFill>
@@ -13767,7 +14203,7 @@
               <a:t>read-modify-write(RMW) </a:t>
             </a:r>
             <a:r>
-              <a:rPr lang="en-US" altLang="zh-CN" dirty="0">
+              <a:rPr lang="en-US" altLang="zh-CN">
                 <a:latin typeface="Consolas" panose="020B0609020204030204" pitchFamily="49" charset="0"/>
                 <a:cs typeface="Times New Roman" panose="02020603050405020304" pitchFamily="18" charset="0"/>
               </a:rPr>
@@ -13777,14 +14213,14 @@
           <a:p>
             <a:pPr lvl="2"/>
             <a:r>
-              <a:rPr lang="en-US" altLang="zh-CN" dirty="0">
+              <a:rPr lang="en-US" altLang="zh-CN">
                 <a:latin typeface="Consolas" panose="020B0609020204030204" pitchFamily="49" charset="0"/>
                 <a:cs typeface="Times New Roman" panose="02020603050405020304" pitchFamily="18" charset="0"/>
               </a:rPr>
               <a:t>Memory barrier, also known as a </a:t>
             </a:r>
             <a:r>
-              <a:rPr lang="en-US" altLang="zh-CN" dirty="0" err="1">
+              <a:rPr lang="en-US" altLang="zh-CN">
                 <a:solidFill>
                   <a:srgbClr val="FF0000"/>
                 </a:solidFill>
@@ -13794,7 +14230,7 @@
               <a:t>membar</a:t>
             </a:r>
             <a:r>
-              <a:rPr lang="en-US" altLang="zh-CN" dirty="0">
+              <a:rPr lang="en-US" altLang="zh-CN">
                 <a:latin typeface="Consolas" panose="020B0609020204030204" pitchFamily="49" charset="0"/>
                 <a:cs typeface="Times New Roman" panose="02020603050405020304" pitchFamily="18" charset="0"/>
               </a:rPr>
@@ -13804,21 +14240,14 @@
           <a:p>
             <a:pPr lvl="3"/>
             <a:r>
-              <a:rPr lang="en-US" altLang="zh-CN" dirty="0" err="1">
-                <a:latin typeface="Consolas" panose="020B0609020204030204" pitchFamily="49" charset="0"/>
-                <a:cs typeface="Times New Roman" panose="02020603050405020304" pitchFamily="18" charset="0"/>
-              </a:rPr>
-              <a:t>eg.</a:t>
-            </a:r>
-            <a:r>
-              <a:rPr lang="en-US" altLang="zh-CN" dirty="0">
-                <a:latin typeface="Consolas" panose="020B0609020204030204" pitchFamily="49" charset="0"/>
-                <a:cs typeface="Times New Roman" panose="02020603050405020304" pitchFamily="18" charset="0"/>
-              </a:rPr>
-              <a:t> MFENCE guarantees that every load and store instruction that precedes the MFENCE instruction in program order becomes </a:t>
-            </a:r>
-            <a:r>
-              <a:rPr lang="en-US" altLang="zh-CN" dirty="0">
+              <a:rPr lang="en-US" altLang="zh-CN">
+                <a:latin typeface="Consolas" panose="020B0609020204030204" pitchFamily="49" charset="0"/>
+                <a:cs typeface="Times New Roman" panose="02020603050405020304" pitchFamily="18" charset="0"/>
+              </a:rPr>
+              <a:t>eg. MFENCE guarantees that every load and store instruction that precedes the MFENCE instruction in program order becomes </a:t>
+            </a:r>
+            <a:r>
+              <a:rPr lang="en-US" altLang="zh-CN">
                 <a:solidFill>
                   <a:srgbClr val="0070C0"/>
                 </a:solidFill>
@@ -13828,7 +14257,7 @@
               <a:t>globally visible</a:t>
             </a:r>
             <a:r>
-              <a:rPr lang="en-US" altLang="zh-CN" dirty="0">
+              <a:rPr lang="en-US" altLang="zh-CN">
                 <a:latin typeface="Consolas" panose="020B0609020204030204" pitchFamily="49" charset="0"/>
                 <a:cs typeface="Times New Roman" panose="02020603050405020304" pitchFamily="18" charset="0"/>
               </a:rPr>
@@ -13866,19 +14295,23 @@
           <a:lstStyle/>
           <a:p>
             <a:r>
-              <a:rPr lang="en-US" altLang="zh-CN" dirty="0">
+              <a:rPr lang="en-US" altLang="zh-CN">
                 <a:latin typeface="Consolas" panose="020B0609020204030204" pitchFamily="49" charset="0"/>
                 <a:ea typeface="+mj-ea"/>
               </a:rPr>
               <a:t>1 </a:t>
             </a:r>
             <a:r>
-              <a:rPr lang="zh-CN" altLang="en-US" dirty="0">
+              <a:rPr lang="zh-CN" altLang="en-US">
                 <a:latin typeface="Consolas" panose="020B0609020204030204" pitchFamily="49" charset="0"/>
                 <a:ea typeface="+mj-ea"/>
               </a:rPr>
               <a:t>内存一致性</a:t>
             </a:r>
+            <a:endParaRPr lang="zh-CN" altLang="en-US" dirty="0">
+              <a:latin typeface="Consolas" panose="020B0609020204030204" pitchFamily="49" charset="0"/>
+              <a:ea typeface="+mj-ea"/>
+            </a:endParaRPr>
           </a:p>
         </p:txBody>
       </p:sp>
@@ -13909,7 +14342,7 @@
           <a:lstStyle/>
           <a:p>
             <a:r>
-              <a:rPr lang="en-US" altLang="zh-CN" sz="2800" dirty="0">
+              <a:rPr lang="en-US" altLang="zh-CN" sz="2800">
                 <a:latin typeface="Consolas" panose="020B0609020204030204" pitchFamily="49" charset="0"/>
                 <a:ea typeface="+mj-ea"/>
                 <a:cs typeface="Times New Roman" panose="02020603050405020304" pitchFamily="18" charset="0"/>
@@ -13921,6 +14354,41 @@
               <a:ea typeface="+mj-ea"/>
               <a:cs typeface="Times New Roman" panose="02020603050405020304" pitchFamily="18" charset="0"/>
             </a:endParaRPr>
+          </a:p>
+        </p:txBody>
+      </p:sp>
+      <p:sp>
+        <p:nvSpPr>
+          <p:cNvPr id="8" name="灯片编号占位符 7">
+            <a:extLst>
+              <a:ext uri="{FF2B5EF4-FFF2-40B4-BE49-F238E27FC236}">
+                <a16:creationId xmlns:a16="http://schemas.microsoft.com/office/drawing/2014/main" id="{6FE299E5-B30F-45B2-A32D-47FF2EC5755A}"/>
+              </a:ext>
+            </a:extLst>
+          </p:cNvPr>
+          <p:cNvSpPr>
+            <a:spLocks noGrp="1"/>
+          </p:cNvSpPr>
+          <p:nvPr>
+            <p:ph type="sldNum" sz="quarter" idx="12"/>
+          </p:nvPr>
+        </p:nvSpPr>
+        <p:spPr/>
+        <p:txBody>
+          <a:bodyPr/>
+          <a:lstStyle/>
+          <a:p>
+            <a:pPr>
+              <a:defRPr/>
+            </a:pPr>
+            <a:fld id="{6A90D09A-ED5D-47CC-A45F-D492BA9A6C1B}" type="slidenum">
+              <a:rPr lang="en-US" altLang="zh-CN" smtClean="0"/>
+              <a:pPr>
+                <a:defRPr/>
+              </a:pPr>
+              <a:t>20</a:t>
+            </a:fld>
+            <a:endParaRPr lang="en-US" altLang="zh-CN" dirty="0"/>
           </a:p>
         </p:txBody>
       </p:sp>
@@ -14022,34 +14490,7 @@
                 <a:latin typeface="Consolas" panose="020B0609020204030204" pitchFamily="49" charset="0"/>
                 <a:cs typeface="Times New Roman" panose="02020603050405020304" pitchFamily="18" charset="0"/>
               </a:rPr>
-              <a:t> of consistency models for persistent memory operations;</a:t>
-            </a:r>
-            <a:endParaRPr lang="en-US" altLang="zh-CN" sz="2000" dirty="0">
-              <a:solidFill>
-                <a:srgbClr val="FF0000"/>
-              </a:solidFill>
-              <a:latin typeface="Consolas" panose="020B0609020204030204" pitchFamily="49" charset="0"/>
-              <a:cs typeface="Times New Roman" panose="02020603050405020304" pitchFamily="18" charset="0"/>
-            </a:endParaRPr>
-          </a:p>
-          <a:p>
-            <a:pPr lvl="1"/>
-            <a:r>
-              <a:rPr lang="en-US" altLang="zh-CN" sz="2000" dirty="0">
-                <a:solidFill>
-                  <a:srgbClr val="FF0000"/>
-                </a:solidFill>
-                <a:latin typeface="Consolas" panose="020B0609020204030204" pitchFamily="49" charset="0"/>
-                <a:cs typeface="Times New Roman" panose="02020603050405020304" pitchFamily="18" charset="0"/>
-              </a:rPr>
-              <a:t>Memory persistency</a:t>
-            </a:r>
-            <a:r>
-              <a:rPr lang="en-US" altLang="zh-CN" sz="2000" dirty="0">
-                <a:latin typeface="Consolas" panose="020B0609020204030204" pitchFamily="49" charset="0"/>
-                <a:cs typeface="Times New Roman" panose="02020603050405020304" pitchFamily="18" charset="0"/>
-              </a:rPr>
-              <a:t> prescribes the order of persist operations with respect to one another and loads and stores, and allows the programmer to reason about guarantees on the ordering of persists with respect to system failures.</a:t>
+              <a:t> of memory consistency that allows programmers to describe persist order constraints.</a:t>
             </a:r>
           </a:p>
         </p:txBody>
@@ -14076,19 +14517,23 @@
           <a:lstStyle/>
           <a:p>
             <a:r>
-              <a:rPr lang="en-US" altLang="zh-CN" dirty="0">
+              <a:rPr lang="en-US" altLang="zh-CN">
                 <a:latin typeface="Consolas" panose="020B0609020204030204" pitchFamily="49" charset="0"/>
                 <a:ea typeface="+mj-ea"/>
               </a:rPr>
               <a:t>2 </a:t>
             </a:r>
             <a:r>
-              <a:rPr lang="zh-CN" altLang="en-US" dirty="0">
+              <a:rPr lang="zh-CN" altLang="en-US">
                 <a:latin typeface="Consolas" panose="020B0609020204030204" pitchFamily="49" charset="0"/>
                 <a:ea typeface="+mj-ea"/>
               </a:rPr>
               <a:t>内存持久性</a:t>
             </a:r>
+            <a:endParaRPr lang="zh-CN" altLang="en-US" dirty="0">
+              <a:latin typeface="Consolas" panose="020B0609020204030204" pitchFamily="49" charset="0"/>
+              <a:ea typeface="+mj-ea"/>
+            </a:endParaRPr>
           </a:p>
         </p:txBody>
       </p:sp>
@@ -14119,7 +14564,7 @@
           <a:lstStyle/>
           <a:p>
             <a:r>
-              <a:rPr lang="en-US" altLang="zh-CN" sz="2800" dirty="0">
+              <a:rPr lang="en-US" altLang="zh-CN" sz="2800">
                 <a:latin typeface="Consolas" panose="020B0609020204030204" pitchFamily="49" charset="0"/>
                 <a:ea typeface="+mj-ea"/>
                 <a:cs typeface="Times New Roman" panose="02020603050405020304" pitchFamily="18" charset="0"/>
@@ -14131,6 +14576,41 @@
               <a:ea typeface="+mj-ea"/>
               <a:cs typeface="Times New Roman" panose="02020603050405020304" pitchFamily="18" charset="0"/>
             </a:endParaRPr>
+          </a:p>
+        </p:txBody>
+      </p:sp>
+      <p:sp>
+        <p:nvSpPr>
+          <p:cNvPr id="8" name="灯片编号占位符 7">
+            <a:extLst>
+              <a:ext uri="{FF2B5EF4-FFF2-40B4-BE49-F238E27FC236}">
+                <a16:creationId xmlns:a16="http://schemas.microsoft.com/office/drawing/2014/main" id="{57722912-7277-437C-B126-786D24DA5A1D}"/>
+              </a:ext>
+            </a:extLst>
+          </p:cNvPr>
+          <p:cNvSpPr>
+            <a:spLocks noGrp="1"/>
+          </p:cNvSpPr>
+          <p:nvPr>
+            <p:ph type="sldNum" sz="quarter" idx="12"/>
+          </p:nvPr>
+        </p:nvSpPr>
+        <p:spPr/>
+        <p:txBody>
+          <a:bodyPr/>
+          <a:lstStyle/>
+          <a:p>
+            <a:pPr>
+              <a:defRPr/>
+            </a:pPr>
+            <a:fld id="{6A90D09A-ED5D-47CC-A45F-D492BA9A6C1B}" type="slidenum">
+              <a:rPr lang="en-US" altLang="zh-CN" smtClean="0"/>
+              <a:pPr>
+                <a:defRPr/>
+              </a:pPr>
+              <a:t>21</a:t>
+            </a:fld>
+            <a:endParaRPr lang="en-US" altLang="zh-CN" dirty="0"/>
           </a:p>
         </p:txBody>
       </p:sp>
@@ -14343,14 +14823,14 @@
                 <a:latin typeface="Consolas" panose="020B0609020204030204" pitchFamily="49" charset="0"/>
                 <a:cs typeface="Times New Roman" panose="02020603050405020304" pitchFamily="18" charset="0"/>
               </a:rPr>
-              <a:t>Persist Atomicity: </a:t>
+              <a:t>Recovery Observer: </a:t>
             </a:r>
             <a:r>
               <a:rPr lang="en-US" altLang="zh-CN" dirty="0">
                 <a:latin typeface="Consolas" panose="020B0609020204030204" pitchFamily="49" charset="0"/>
                 <a:cs typeface="Times New Roman" panose="02020603050405020304" pitchFamily="18" charset="0"/>
               </a:rPr>
-              <a:t>persists to each address are serialized, implying that recovery determines a unique value for each address;</a:t>
+              <a:t>A virtual processor that atomically reads all of persistent memory at the moment of failure.</a:t>
             </a:r>
           </a:p>
           <a:p>
@@ -14367,14 +14847,14 @@
                 <a:latin typeface="Consolas" panose="020B0609020204030204" pitchFamily="49" charset="0"/>
                 <a:cs typeface="Times New Roman" panose="02020603050405020304" pitchFamily="18" charset="0"/>
               </a:rPr>
-              <a:t>Recovery Observer: </a:t>
+              <a:t>Persist Atomicity: </a:t>
             </a:r>
             <a:r>
               <a:rPr lang="en-US" altLang="zh-CN" dirty="0">
                 <a:latin typeface="Consolas" panose="020B0609020204030204" pitchFamily="49" charset="0"/>
                 <a:cs typeface="Times New Roman" panose="02020603050405020304" pitchFamily="18" charset="0"/>
               </a:rPr>
-              <a:t>A virtual processor that atomically reads all of persistent memory at the moment of failure.</a:t>
+              <a:t>persists to each address are serialized, implying that recovery determines a unique value for each address;</a:t>
             </a:r>
           </a:p>
         </p:txBody>
@@ -14401,19 +14881,23 @@
           <a:lstStyle/>
           <a:p>
             <a:r>
-              <a:rPr lang="en-US" altLang="zh-CN" dirty="0">
+              <a:rPr lang="en-US" altLang="zh-CN">
                 <a:latin typeface="Consolas" panose="020B0609020204030204" pitchFamily="49" charset="0"/>
                 <a:ea typeface="+mj-ea"/>
               </a:rPr>
               <a:t>2 </a:t>
             </a:r>
             <a:r>
-              <a:rPr lang="zh-CN" altLang="en-US" dirty="0">
+              <a:rPr lang="zh-CN" altLang="en-US">
                 <a:latin typeface="Consolas" panose="020B0609020204030204" pitchFamily="49" charset="0"/>
                 <a:ea typeface="+mj-ea"/>
               </a:rPr>
               <a:t>内存持久性</a:t>
             </a:r>
+            <a:endParaRPr lang="zh-CN" altLang="en-US" dirty="0">
+              <a:latin typeface="Consolas" panose="020B0609020204030204" pitchFamily="49" charset="0"/>
+              <a:ea typeface="+mj-ea"/>
+            </a:endParaRPr>
           </a:p>
         </p:txBody>
       </p:sp>
@@ -14444,7 +14928,7 @@
           <a:lstStyle/>
           <a:p>
             <a:r>
-              <a:rPr lang="en-US" altLang="zh-CN" sz="2800" dirty="0">
+              <a:rPr lang="en-US" altLang="zh-CN" sz="2800">
                 <a:latin typeface="Consolas" panose="020B0609020204030204" pitchFamily="49" charset="0"/>
                 <a:ea typeface="+mj-ea"/>
                 <a:cs typeface="Times New Roman" panose="02020603050405020304" pitchFamily="18" charset="0"/>
@@ -15136,6 +15620,41 @@
           </a:p>
         </p:txBody>
       </p:sp>
+      <p:sp>
+        <p:nvSpPr>
+          <p:cNvPr id="20" name="灯片编号占位符 19">
+            <a:extLst>
+              <a:ext uri="{FF2B5EF4-FFF2-40B4-BE49-F238E27FC236}">
+                <a16:creationId xmlns:a16="http://schemas.microsoft.com/office/drawing/2014/main" id="{BD484F6A-BC85-480B-B9ED-1411C971FC73}"/>
+              </a:ext>
+            </a:extLst>
+          </p:cNvPr>
+          <p:cNvSpPr>
+            <a:spLocks noGrp="1"/>
+          </p:cNvSpPr>
+          <p:nvPr>
+            <p:ph type="sldNum" sz="quarter" idx="12"/>
+          </p:nvPr>
+        </p:nvSpPr>
+        <p:spPr/>
+        <p:txBody>
+          <a:bodyPr/>
+          <a:lstStyle/>
+          <a:p>
+            <a:pPr>
+              <a:defRPr/>
+            </a:pPr>
+            <a:fld id="{6A90D09A-ED5D-47CC-A45F-D492BA9A6C1B}" type="slidenum">
+              <a:rPr lang="en-US" altLang="zh-CN" smtClean="0"/>
+              <a:pPr>
+                <a:defRPr/>
+              </a:pPr>
+              <a:t>22</a:t>
+            </a:fld>
+            <a:endParaRPr lang="en-US" altLang="zh-CN" dirty="0"/>
+          </a:p>
+        </p:txBody>
+      </p:sp>
     </p:spTree>
     <p:extLst>
       <p:ext uri="{BB962C8B-B14F-4D97-AF65-F5344CB8AC3E}">
@@ -15193,7 +15712,7 @@
           <a:lstStyle/>
           <a:p>
             <a:r>
-              <a:rPr lang="en-US" altLang="zh-CN" sz="2400" dirty="0">
+              <a:rPr lang="en-US" altLang="zh-CN" sz="2400">
                 <a:latin typeface="Consolas" panose="020B0609020204030204" pitchFamily="49" charset="0"/>
                 <a:cs typeface="Times New Roman" panose="02020603050405020304" pitchFamily="18" charset="0"/>
               </a:rPr>
@@ -15203,14 +15722,14 @@
           <a:p>
             <a:pPr lvl="1"/>
             <a:r>
-              <a:rPr lang="en-US" altLang="zh-CN" sz="2000" dirty="0">
+              <a:rPr lang="en-US" altLang="zh-CN" sz="2000">
                 <a:latin typeface="Consolas" panose="020B0609020204030204" pitchFamily="49" charset="0"/>
                 <a:cs typeface="Times New Roman" panose="02020603050405020304" pitchFamily="18" charset="0"/>
               </a:rPr>
               <a:t>Under </a:t>
             </a:r>
             <a:r>
-              <a:rPr lang="en-US" altLang="zh-CN" sz="2000" dirty="0">
+              <a:rPr lang="en-US" altLang="zh-CN" sz="2000">
                 <a:solidFill>
                   <a:srgbClr val="FF0000"/>
                 </a:solidFill>
@@ -15220,12 +15739,16 @@
               <a:t>strict persistency</a:t>
             </a:r>
             <a:r>
-              <a:rPr lang="en-US" altLang="zh-CN" sz="2000" dirty="0">
+              <a:rPr lang="en-US" altLang="zh-CN" sz="2000">
                 <a:latin typeface="Consolas" panose="020B0609020204030204" pitchFamily="49" charset="0"/>
                 <a:cs typeface="Times New Roman" panose="02020603050405020304" pitchFamily="18" charset="0"/>
               </a:rPr>
               <a:t>, persist order observes all happens-before relations(denoted: →) implied by volatile memory order.</a:t>
             </a:r>
+            <a:endParaRPr lang="en-US" altLang="zh-CN" sz="2000" dirty="0">
+              <a:latin typeface="Consolas" panose="020B0609020204030204" pitchFamily="49" charset="0"/>
+              <a:cs typeface="Times New Roman" panose="02020603050405020304" pitchFamily="18" charset="0"/>
+            </a:endParaRPr>
           </a:p>
         </p:txBody>
       </p:sp>
@@ -15251,19 +15774,23 @@
           <a:lstStyle/>
           <a:p>
             <a:r>
-              <a:rPr lang="en-US" altLang="zh-CN" dirty="0">
+              <a:rPr lang="en-US" altLang="zh-CN">
                 <a:latin typeface="Consolas" panose="020B0609020204030204" pitchFamily="49" charset="0"/>
                 <a:ea typeface="+mj-ea"/>
               </a:rPr>
               <a:t>2 </a:t>
             </a:r>
             <a:r>
-              <a:rPr lang="zh-CN" altLang="en-US" dirty="0">
+              <a:rPr lang="zh-CN" altLang="en-US">
                 <a:latin typeface="Consolas" panose="020B0609020204030204" pitchFamily="49" charset="0"/>
                 <a:ea typeface="+mj-ea"/>
               </a:rPr>
               <a:t>内存持久性</a:t>
             </a:r>
+            <a:endParaRPr lang="zh-CN" altLang="en-US" dirty="0">
+              <a:latin typeface="Consolas" panose="020B0609020204030204" pitchFamily="49" charset="0"/>
+              <a:ea typeface="+mj-ea"/>
+            </a:endParaRPr>
           </a:p>
         </p:txBody>
       </p:sp>
@@ -15294,7 +15821,7 @@
           <a:lstStyle/>
           <a:p>
             <a:r>
-              <a:rPr lang="en-US" altLang="zh-CN" sz="2800" dirty="0">
+              <a:rPr lang="en-US" altLang="zh-CN" sz="2800">
                 <a:latin typeface="Consolas" panose="020B0609020204030204" pitchFamily="49" charset="0"/>
                 <a:ea typeface="+mj-ea"/>
                 <a:cs typeface="Times New Roman" panose="02020603050405020304" pitchFamily="18" charset="0"/>
@@ -15306,6 +15833,41 @@
               <a:ea typeface="+mj-ea"/>
               <a:cs typeface="Times New Roman" panose="02020603050405020304" pitchFamily="18" charset="0"/>
             </a:endParaRPr>
+          </a:p>
+        </p:txBody>
+      </p:sp>
+      <p:sp>
+        <p:nvSpPr>
+          <p:cNvPr id="8" name="灯片编号占位符 7">
+            <a:extLst>
+              <a:ext uri="{FF2B5EF4-FFF2-40B4-BE49-F238E27FC236}">
+                <a16:creationId xmlns:a16="http://schemas.microsoft.com/office/drawing/2014/main" id="{EAB907D1-8741-4067-95E0-240D72A12302}"/>
+              </a:ext>
+            </a:extLst>
+          </p:cNvPr>
+          <p:cNvSpPr>
+            <a:spLocks noGrp="1"/>
+          </p:cNvSpPr>
+          <p:nvPr>
+            <p:ph type="sldNum" sz="quarter" idx="12"/>
+          </p:nvPr>
+        </p:nvSpPr>
+        <p:spPr/>
+        <p:txBody>
+          <a:bodyPr/>
+          <a:lstStyle/>
+          <a:p>
+            <a:pPr>
+              <a:defRPr/>
+            </a:pPr>
+            <a:fld id="{6A90D09A-ED5D-47CC-A45F-D492BA9A6C1B}" type="slidenum">
+              <a:rPr lang="en-US" altLang="zh-CN" smtClean="0"/>
+              <a:pPr>
+                <a:defRPr/>
+              </a:pPr>
+              <a:t>23</a:t>
+            </a:fld>
+            <a:endParaRPr lang="en-US" altLang="zh-CN" dirty="0"/>
           </a:p>
         </p:txBody>
       </p:sp>
@@ -15366,7 +15928,7 @@
           <a:lstStyle/>
           <a:p>
             <a:r>
-              <a:rPr lang="en-US" altLang="zh-CN" sz="2400" dirty="0">
+              <a:rPr lang="en-US" altLang="zh-CN" sz="2400">
                 <a:latin typeface="Consolas" panose="020B0609020204030204" pitchFamily="49" charset="0"/>
                 <a:cs typeface="Times New Roman" panose="02020603050405020304" pitchFamily="18" charset="0"/>
               </a:rPr>
@@ -15376,14 +15938,14 @@
           <a:p>
             <a:pPr lvl="1"/>
             <a:r>
-              <a:rPr lang="en-US" altLang="zh-CN" sz="2000" dirty="0">
+              <a:rPr lang="en-US" altLang="zh-CN" sz="2000">
                 <a:latin typeface="Consolas" panose="020B0609020204030204" pitchFamily="49" charset="0"/>
                 <a:cs typeface="Times New Roman" panose="02020603050405020304" pitchFamily="18" charset="0"/>
               </a:rPr>
               <a:t>Under </a:t>
             </a:r>
             <a:r>
-              <a:rPr lang="en-US" altLang="zh-CN" sz="2000" dirty="0">
+              <a:rPr lang="en-US" altLang="zh-CN" sz="2000">
                 <a:solidFill>
                   <a:srgbClr val="FF0000"/>
                 </a:solidFill>
@@ -15393,7 +15955,7 @@
               <a:t>strict persistency</a:t>
             </a:r>
             <a:r>
-              <a:rPr lang="en-US" altLang="zh-CN" sz="2000" dirty="0">
+              <a:rPr lang="en-US" altLang="zh-CN" sz="2000">
                 <a:latin typeface="Consolas" panose="020B0609020204030204" pitchFamily="49" charset="0"/>
                 <a:cs typeface="Times New Roman" panose="02020603050405020304" pitchFamily="18" charset="0"/>
               </a:rPr>
@@ -15403,7 +15965,7 @@
           <a:p>
             <a:pPr lvl="2"/>
             <a:r>
-              <a:rPr lang="en-US" altLang="zh-CN" dirty="0">
+              <a:rPr lang="en-US" altLang="zh-CN">
                 <a:latin typeface="Consolas" panose="020B0609020204030204" pitchFamily="49" charset="0"/>
                 <a:cs typeface="Times New Roman" panose="02020603050405020304" pitchFamily="18" charset="0"/>
               </a:rPr>
@@ -15413,12 +15975,16 @@
           <a:p>
             <a:pPr lvl="3"/>
             <a:r>
-              <a:rPr lang="en-US" altLang="zh-CN" dirty="0">
+              <a:rPr lang="en-US" altLang="zh-CN">
                 <a:latin typeface="Consolas" panose="020B0609020204030204" pitchFamily="49" charset="0"/>
                 <a:cs typeface="Times New Roman" panose="02020603050405020304" pitchFamily="18" charset="0"/>
               </a:rPr>
               <a:t>Buffered strict persistency allows instruction execution to proceed ahead of persistent state, thus allowing overlap of volatile execution and serial draining of queued persist operations;</a:t>
             </a:r>
+            <a:endParaRPr lang="en-US" altLang="zh-CN" dirty="0">
+              <a:latin typeface="Consolas" panose="020B0609020204030204" pitchFamily="49" charset="0"/>
+              <a:cs typeface="Times New Roman" panose="02020603050405020304" pitchFamily="18" charset="0"/>
+            </a:endParaRPr>
           </a:p>
         </p:txBody>
       </p:sp>
@@ -15444,19 +16010,23 @@
           <a:lstStyle/>
           <a:p>
             <a:r>
-              <a:rPr lang="en-US" altLang="zh-CN" dirty="0">
+              <a:rPr lang="en-US" altLang="zh-CN">
                 <a:latin typeface="Consolas" panose="020B0609020204030204" pitchFamily="49" charset="0"/>
                 <a:ea typeface="+mj-ea"/>
               </a:rPr>
               <a:t>2 </a:t>
             </a:r>
             <a:r>
-              <a:rPr lang="zh-CN" altLang="en-US" dirty="0">
+              <a:rPr lang="zh-CN" altLang="en-US">
                 <a:latin typeface="Consolas" panose="020B0609020204030204" pitchFamily="49" charset="0"/>
                 <a:ea typeface="+mj-ea"/>
               </a:rPr>
               <a:t>内存持久性</a:t>
             </a:r>
+            <a:endParaRPr lang="zh-CN" altLang="en-US" dirty="0">
+              <a:latin typeface="Consolas" panose="020B0609020204030204" pitchFamily="49" charset="0"/>
+              <a:ea typeface="+mj-ea"/>
+            </a:endParaRPr>
           </a:p>
         </p:txBody>
       </p:sp>
@@ -15487,7 +16057,7 @@
           <a:lstStyle/>
           <a:p>
             <a:r>
-              <a:rPr lang="en-US" altLang="zh-CN" sz="2800" dirty="0">
+              <a:rPr lang="en-US" altLang="zh-CN" sz="2800">
                 <a:latin typeface="Consolas" panose="020B0609020204030204" pitchFamily="49" charset="0"/>
                 <a:ea typeface="+mj-ea"/>
                 <a:cs typeface="Times New Roman" panose="02020603050405020304" pitchFamily="18" charset="0"/>
@@ -16313,6 +16883,41 @@
           </a:p>
         </p:txBody>
       </p:sp>
+      <p:sp>
+        <p:nvSpPr>
+          <p:cNvPr id="21" name="灯片编号占位符 20">
+            <a:extLst>
+              <a:ext uri="{FF2B5EF4-FFF2-40B4-BE49-F238E27FC236}">
+                <a16:creationId xmlns:a16="http://schemas.microsoft.com/office/drawing/2014/main" id="{07903EAB-23DE-4D9C-BDCD-E2353449C54A}"/>
+              </a:ext>
+            </a:extLst>
+          </p:cNvPr>
+          <p:cNvSpPr>
+            <a:spLocks noGrp="1"/>
+          </p:cNvSpPr>
+          <p:nvPr>
+            <p:ph type="sldNum" sz="quarter" idx="12"/>
+          </p:nvPr>
+        </p:nvSpPr>
+        <p:spPr/>
+        <p:txBody>
+          <a:bodyPr/>
+          <a:lstStyle/>
+          <a:p>
+            <a:pPr>
+              <a:defRPr/>
+            </a:pPr>
+            <a:fld id="{6A90D09A-ED5D-47CC-A45F-D492BA9A6C1B}" type="slidenum">
+              <a:rPr lang="en-US" altLang="zh-CN" smtClean="0"/>
+              <a:pPr>
+                <a:defRPr/>
+              </a:pPr>
+              <a:t>24</a:t>
+            </a:fld>
+            <a:endParaRPr lang="en-US" altLang="zh-CN" dirty="0"/>
+          </a:p>
+        </p:txBody>
+      </p:sp>
     </p:spTree>
     <p:extLst>
       <p:ext uri="{BB962C8B-B14F-4D97-AF65-F5344CB8AC3E}">
@@ -16370,7 +16975,7 @@
           <a:lstStyle/>
           <a:p>
             <a:r>
-              <a:rPr lang="en-US" altLang="zh-CN" sz="2400" dirty="0">
+              <a:rPr lang="en-US" altLang="zh-CN" sz="2400">
                 <a:latin typeface="Consolas" panose="020B0609020204030204" pitchFamily="49" charset="0"/>
                 <a:cs typeface="Times New Roman" panose="02020603050405020304" pitchFamily="18" charset="0"/>
               </a:rPr>
@@ -16380,14 +16985,14 @@
           <a:p>
             <a:pPr lvl="1"/>
             <a:r>
-              <a:rPr lang="en-US" altLang="zh-CN" sz="2000" dirty="0">
+              <a:rPr lang="en-US" altLang="zh-CN" sz="2000">
                 <a:latin typeface="Consolas" panose="020B0609020204030204" pitchFamily="49" charset="0"/>
                 <a:cs typeface="Times New Roman" panose="02020603050405020304" pitchFamily="18" charset="0"/>
               </a:rPr>
               <a:t>Under </a:t>
             </a:r>
             <a:r>
-              <a:rPr lang="en-US" altLang="zh-CN" sz="2000" dirty="0">
+              <a:rPr lang="en-US" altLang="zh-CN" sz="2000">
                 <a:solidFill>
                   <a:srgbClr val="FF0000"/>
                 </a:solidFill>
@@ -16397,14 +17002,14 @@
               <a:t>epoch persistency</a:t>
             </a:r>
             <a:r>
-              <a:rPr lang="en-US" altLang="zh-CN" sz="2000" dirty="0">
+              <a:rPr lang="en-US" altLang="zh-CN" sz="2000">
                 <a:latin typeface="Consolas" panose="020B0609020204030204" pitchFamily="49" charset="0"/>
                 <a:cs typeface="Times New Roman" panose="02020603050405020304" pitchFamily="18" charset="0"/>
               </a:rPr>
               <a:t>, each thread’s execution is additionally separated into persist epochs by </a:t>
             </a:r>
             <a:r>
-              <a:rPr lang="en-US" altLang="zh-CN" sz="2000" dirty="0">
+              <a:rPr lang="en-US" altLang="zh-CN" sz="2000">
                 <a:solidFill>
                   <a:srgbClr val="0070C0"/>
                 </a:solidFill>
@@ -16414,7 +17019,7 @@
               <a:t>persist barrier </a:t>
             </a:r>
             <a:r>
-              <a:rPr lang="en-US" altLang="zh-CN" sz="2000" dirty="0">
+              <a:rPr lang="en-US" altLang="zh-CN" sz="2000">
                 <a:latin typeface="Consolas" panose="020B0609020204030204" pitchFamily="49" charset="0"/>
                 <a:cs typeface="Times New Roman" panose="02020603050405020304" pitchFamily="18" charset="0"/>
               </a:rPr>
@@ -16449,19 +17054,23 @@
           <a:lstStyle/>
           <a:p>
             <a:r>
-              <a:rPr lang="en-US" altLang="zh-CN" dirty="0">
+              <a:rPr lang="en-US" altLang="zh-CN">
                 <a:latin typeface="Consolas" panose="020B0609020204030204" pitchFamily="49" charset="0"/>
                 <a:ea typeface="+mj-ea"/>
               </a:rPr>
               <a:t>2 </a:t>
             </a:r>
             <a:r>
-              <a:rPr lang="zh-CN" altLang="en-US" dirty="0">
+              <a:rPr lang="zh-CN" altLang="en-US">
                 <a:latin typeface="Consolas" panose="020B0609020204030204" pitchFamily="49" charset="0"/>
                 <a:ea typeface="+mj-ea"/>
               </a:rPr>
               <a:t>内存持久性</a:t>
             </a:r>
+            <a:endParaRPr lang="zh-CN" altLang="en-US" dirty="0">
+              <a:latin typeface="Consolas" panose="020B0609020204030204" pitchFamily="49" charset="0"/>
+              <a:ea typeface="+mj-ea"/>
+            </a:endParaRPr>
           </a:p>
         </p:txBody>
       </p:sp>
@@ -16492,7 +17101,7 @@
           <a:lstStyle/>
           <a:p>
             <a:r>
-              <a:rPr lang="en-US" altLang="zh-CN" sz="2800" dirty="0">
+              <a:rPr lang="en-US" altLang="zh-CN" sz="2800">
                 <a:latin typeface="Consolas" panose="020B0609020204030204" pitchFamily="49" charset="0"/>
                 <a:ea typeface="+mj-ea"/>
                 <a:cs typeface="Times New Roman" panose="02020603050405020304" pitchFamily="18" charset="0"/>
@@ -18074,6 +18683,41 @@
           </a:p>
         </p:txBody>
       </p:sp>
+      <p:sp>
+        <p:nvSpPr>
+          <p:cNvPr id="8" name="灯片编号占位符 7">
+            <a:extLst>
+              <a:ext uri="{FF2B5EF4-FFF2-40B4-BE49-F238E27FC236}">
+                <a16:creationId xmlns:a16="http://schemas.microsoft.com/office/drawing/2014/main" id="{48BF5391-0167-414F-8033-FD4CA1B53ED5}"/>
+              </a:ext>
+            </a:extLst>
+          </p:cNvPr>
+          <p:cNvSpPr>
+            <a:spLocks noGrp="1"/>
+          </p:cNvSpPr>
+          <p:nvPr>
+            <p:ph type="sldNum" sz="quarter" idx="12"/>
+          </p:nvPr>
+        </p:nvSpPr>
+        <p:spPr/>
+        <p:txBody>
+          <a:bodyPr/>
+          <a:lstStyle/>
+          <a:p>
+            <a:pPr>
+              <a:defRPr/>
+            </a:pPr>
+            <a:fld id="{6A90D09A-ED5D-47CC-A45F-D492BA9A6C1B}" type="slidenum">
+              <a:rPr lang="en-US" altLang="zh-CN" smtClean="0"/>
+              <a:pPr>
+                <a:defRPr/>
+              </a:pPr>
+              <a:t>25</a:t>
+            </a:fld>
+            <a:endParaRPr lang="en-US" altLang="zh-CN" dirty="0"/>
+          </a:p>
+        </p:txBody>
+      </p:sp>
     </p:spTree>
     <p:extLst>
       <p:ext uri="{BB962C8B-B14F-4D97-AF65-F5344CB8AC3E}">
@@ -18131,7 +18775,7 @@
           <a:lstStyle/>
           <a:p>
             <a:r>
-              <a:rPr lang="en-US" altLang="zh-CN" sz="2400" dirty="0">
+              <a:rPr lang="en-US" altLang="zh-CN" sz="2400">
                 <a:latin typeface="Consolas" panose="020B0609020204030204" pitchFamily="49" charset="0"/>
                 <a:cs typeface="Times New Roman" panose="02020603050405020304" pitchFamily="18" charset="0"/>
               </a:rPr>
@@ -18141,28 +18785,28 @@
           <a:p>
             <a:pPr lvl="1"/>
             <a:r>
-              <a:rPr lang="zh-CN" altLang="en-US" sz="2000" dirty="0">
+              <a:rPr lang="zh-CN" altLang="en-US" sz="2000">
                 <a:latin typeface="Consolas" panose="020B0609020204030204" pitchFamily="49" charset="0"/>
                 <a:cs typeface="Times New Roman" panose="02020603050405020304" pitchFamily="18" charset="0"/>
               </a:rPr>
               <a:t>Epoch persistency is similar to BPFS</a:t>
             </a:r>
             <a:r>
-              <a:rPr lang="en-US" altLang="zh-CN" sz="2000" dirty="0">
+              <a:rPr lang="en-US" altLang="zh-CN" sz="2000">
                 <a:latin typeface="Consolas" panose="020B0609020204030204" pitchFamily="49" charset="0"/>
                 <a:cs typeface="Times New Roman" panose="02020603050405020304" pitchFamily="18" charset="0"/>
               </a:rPr>
               <a:t>, but </a:t>
             </a:r>
             <a:r>
-              <a:rPr lang="zh-CN" altLang="en-US" sz="2000" dirty="0">
+              <a:rPr lang="zh-CN" altLang="en-US" sz="2000">
                 <a:latin typeface="Consolas" panose="020B0609020204030204" pitchFamily="49" charset="0"/>
                 <a:cs typeface="Times New Roman" panose="02020603050405020304" pitchFamily="18" charset="0"/>
               </a:rPr>
               <a:t>additionally allows persists to addresses protected by a </a:t>
             </a:r>
             <a:r>
-              <a:rPr lang="zh-CN" altLang="en-US" sz="2000" dirty="0">
+              <a:rPr lang="zh-CN" altLang="en-US" sz="2000">
                 <a:solidFill>
                   <a:srgbClr val="0070C0"/>
                 </a:solidFill>
@@ -18172,14 +18816,14 @@
               <a:t>lock</a:t>
             </a:r>
             <a:r>
-              <a:rPr lang="zh-CN" altLang="en-US" sz="2000" dirty="0">
+              <a:rPr lang="zh-CN" altLang="en-US" sz="2000">
                 <a:latin typeface="Consolas" panose="020B0609020204030204" pitchFamily="49" charset="0"/>
                 <a:cs typeface="Times New Roman" panose="02020603050405020304" pitchFamily="18" charset="0"/>
               </a:rPr>
               <a:t> to reorder with respect to the lock operations</a:t>
             </a:r>
             <a:r>
-              <a:rPr lang="en-US" altLang="zh-CN" sz="2000" dirty="0">
+              <a:rPr lang="en-US" altLang="zh-CN" sz="2000">
                 <a:latin typeface="Consolas" panose="020B0609020204030204" pitchFamily="49" charset="0"/>
                 <a:cs typeface="Times New Roman" panose="02020603050405020304" pitchFamily="18" charset="0"/>
               </a:rPr>
@@ -18189,7 +18833,7 @@
           <a:p>
             <a:pPr lvl="1"/>
             <a:r>
-              <a:rPr lang="en-US" altLang="zh-CN" sz="2000" dirty="0">
+              <a:rPr lang="en-US" altLang="zh-CN" sz="2000">
                 <a:solidFill>
                   <a:srgbClr val="00B050"/>
                 </a:solidFill>
@@ -18199,7 +18843,7 @@
               <a:t>Pros</a:t>
             </a:r>
             <a:r>
-              <a:rPr lang="en-US" altLang="zh-CN" sz="2000" dirty="0">
+              <a:rPr lang="en-US" altLang="zh-CN" sz="2000">
                 <a:latin typeface="Consolas" panose="020B0609020204030204" pitchFamily="49" charset="0"/>
                 <a:cs typeface="Times New Roman" panose="02020603050405020304" pitchFamily="18" charset="0"/>
               </a:rPr>
@@ -18237,19 +18881,23 @@
           <a:lstStyle/>
           <a:p>
             <a:r>
-              <a:rPr lang="en-US" altLang="zh-CN" dirty="0">
+              <a:rPr lang="en-US" altLang="zh-CN">
                 <a:latin typeface="Consolas" panose="020B0609020204030204" pitchFamily="49" charset="0"/>
                 <a:ea typeface="+mj-ea"/>
               </a:rPr>
               <a:t>2 </a:t>
             </a:r>
             <a:r>
-              <a:rPr lang="zh-CN" altLang="en-US" dirty="0">
+              <a:rPr lang="zh-CN" altLang="en-US">
                 <a:latin typeface="Consolas" panose="020B0609020204030204" pitchFamily="49" charset="0"/>
                 <a:ea typeface="+mj-ea"/>
               </a:rPr>
               <a:t>内存持久性</a:t>
             </a:r>
+            <a:endParaRPr lang="zh-CN" altLang="en-US" dirty="0">
+              <a:latin typeface="Consolas" panose="020B0609020204030204" pitchFamily="49" charset="0"/>
+              <a:ea typeface="+mj-ea"/>
+            </a:endParaRPr>
           </a:p>
         </p:txBody>
       </p:sp>
@@ -18280,7 +18928,7 @@
           <a:lstStyle/>
           <a:p>
             <a:r>
-              <a:rPr lang="en-US" altLang="zh-CN" sz="2800" dirty="0">
+              <a:rPr lang="en-US" altLang="zh-CN" sz="2800">
                 <a:latin typeface="Consolas" panose="020B0609020204030204" pitchFamily="49" charset="0"/>
                 <a:ea typeface="+mj-ea"/>
                 <a:cs typeface="Times New Roman" panose="02020603050405020304" pitchFamily="18" charset="0"/>
@@ -19475,6 +20123,41 @@
           </a:p>
         </p:txBody>
       </p:sp>
+      <p:sp>
+        <p:nvSpPr>
+          <p:cNvPr id="8" name="灯片编号占位符 7">
+            <a:extLst>
+              <a:ext uri="{FF2B5EF4-FFF2-40B4-BE49-F238E27FC236}">
+                <a16:creationId xmlns:a16="http://schemas.microsoft.com/office/drawing/2014/main" id="{A3F501E5-E3F7-405F-A5B0-F40F97B6F3B9}"/>
+              </a:ext>
+            </a:extLst>
+          </p:cNvPr>
+          <p:cNvSpPr>
+            <a:spLocks noGrp="1"/>
+          </p:cNvSpPr>
+          <p:nvPr>
+            <p:ph type="sldNum" sz="quarter" idx="12"/>
+          </p:nvPr>
+        </p:nvSpPr>
+        <p:spPr/>
+        <p:txBody>
+          <a:bodyPr/>
+          <a:lstStyle/>
+          <a:p>
+            <a:pPr>
+              <a:defRPr/>
+            </a:pPr>
+            <a:fld id="{6A90D09A-ED5D-47CC-A45F-D492BA9A6C1B}" type="slidenum">
+              <a:rPr lang="en-US" altLang="zh-CN" smtClean="0"/>
+              <a:pPr>
+                <a:defRPr/>
+              </a:pPr>
+              <a:t>26</a:t>
+            </a:fld>
+            <a:endParaRPr lang="en-US" altLang="zh-CN" dirty="0"/>
+          </a:p>
+        </p:txBody>
+      </p:sp>
     </p:spTree>
     <p:extLst>
       <p:ext uri="{BB962C8B-B14F-4D97-AF65-F5344CB8AC3E}">
@@ -19532,7 +20215,7 @@
           <a:lstStyle/>
           <a:p>
             <a:r>
-              <a:rPr lang="en-US" altLang="zh-CN" sz="2400" dirty="0">
+              <a:rPr lang="en-US" altLang="zh-CN" sz="2400">
                 <a:latin typeface="Consolas" panose="020B0609020204030204" pitchFamily="49" charset="0"/>
                 <a:cs typeface="Times New Roman" panose="02020603050405020304" pitchFamily="18" charset="0"/>
               </a:rPr>
@@ -19542,28 +20225,28 @@
           <a:p>
             <a:pPr lvl="1"/>
             <a:r>
-              <a:rPr lang="zh-CN" altLang="en-US" sz="2000" dirty="0">
+              <a:rPr lang="zh-CN" altLang="en-US" sz="2000">
                 <a:latin typeface="Consolas" panose="020B0609020204030204" pitchFamily="49" charset="0"/>
                 <a:cs typeface="Times New Roman" panose="02020603050405020304" pitchFamily="18" charset="0"/>
               </a:rPr>
               <a:t>Epoch persistency is similar to BPFS</a:t>
             </a:r>
             <a:r>
-              <a:rPr lang="en-US" altLang="zh-CN" sz="2000" dirty="0">
+              <a:rPr lang="en-US" altLang="zh-CN" sz="2000">
                 <a:latin typeface="Consolas" panose="020B0609020204030204" pitchFamily="49" charset="0"/>
                 <a:cs typeface="Times New Roman" panose="02020603050405020304" pitchFamily="18" charset="0"/>
               </a:rPr>
               <a:t>, but </a:t>
             </a:r>
             <a:r>
-              <a:rPr lang="zh-CN" altLang="en-US" sz="2000" dirty="0">
+              <a:rPr lang="zh-CN" altLang="en-US" sz="2000">
                 <a:latin typeface="Consolas" panose="020B0609020204030204" pitchFamily="49" charset="0"/>
                 <a:cs typeface="Times New Roman" panose="02020603050405020304" pitchFamily="18" charset="0"/>
               </a:rPr>
               <a:t>additionally allows persists to addresses protected by a </a:t>
             </a:r>
             <a:r>
-              <a:rPr lang="zh-CN" altLang="en-US" sz="2000" dirty="0">
+              <a:rPr lang="zh-CN" altLang="en-US" sz="2000">
                 <a:solidFill>
                   <a:srgbClr val="0070C0"/>
                 </a:solidFill>
@@ -19573,14 +20256,14 @@
               <a:t>lock</a:t>
             </a:r>
             <a:r>
-              <a:rPr lang="zh-CN" altLang="en-US" sz="2000" dirty="0">
+              <a:rPr lang="zh-CN" altLang="en-US" sz="2000">
                 <a:latin typeface="Consolas" panose="020B0609020204030204" pitchFamily="49" charset="0"/>
                 <a:cs typeface="Times New Roman" panose="02020603050405020304" pitchFamily="18" charset="0"/>
               </a:rPr>
               <a:t> to reorder with respect to the lock operations</a:t>
             </a:r>
             <a:r>
-              <a:rPr lang="en-US" altLang="zh-CN" sz="2000" dirty="0">
+              <a:rPr lang="en-US" altLang="zh-CN" sz="2000">
                 <a:latin typeface="Consolas" panose="020B0609020204030204" pitchFamily="49" charset="0"/>
                 <a:cs typeface="Times New Roman" panose="02020603050405020304" pitchFamily="18" charset="0"/>
               </a:rPr>
@@ -19590,7 +20273,7 @@
           <a:p>
             <a:pPr lvl="1"/>
             <a:r>
-              <a:rPr lang="en-US" altLang="zh-CN" sz="2000" dirty="0">
+              <a:rPr lang="en-US" altLang="zh-CN" sz="2000">
                 <a:solidFill>
                   <a:srgbClr val="FF0000"/>
                 </a:solidFill>
@@ -19600,12 +20283,16 @@
               <a:t>Cons</a:t>
             </a:r>
             <a:r>
-              <a:rPr lang="en-US" altLang="zh-CN" sz="2000" dirty="0">
+              <a:rPr lang="en-US" altLang="zh-CN" sz="2000">
                 <a:latin typeface="Consolas" panose="020B0609020204030204" pitchFamily="49" charset="0"/>
                 <a:cs typeface="Times New Roman" panose="02020603050405020304" pitchFamily="18" charset="0"/>
               </a:rPr>
               <a:t>: Reasoning about persist order across threads can be challenging. </a:t>
             </a:r>
+            <a:endParaRPr lang="en-US" altLang="zh-CN" sz="2000" dirty="0">
+              <a:latin typeface="Consolas" panose="020B0609020204030204" pitchFamily="49" charset="0"/>
+              <a:cs typeface="Times New Roman" panose="02020603050405020304" pitchFamily="18" charset="0"/>
+            </a:endParaRPr>
           </a:p>
         </p:txBody>
       </p:sp>
@@ -19631,19 +20318,23 @@
           <a:lstStyle/>
           <a:p>
             <a:r>
-              <a:rPr lang="en-US" altLang="zh-CN" dirty="0">
+              <a:rPr lang="en-US" altLang="zh-CN">
                 <a:latin typeface="Consolas" panose="020B0609020204030204" pitchFamily="49" charset="0"/>
                 <a:ea typeface="+mj-ea"/>
               </a:rPr>
               <a:t>2 </a:t>
             </a:r>
             <a:r>
-              <a:rPr lang="zh-CN" altLang="en-US" dirty="0">
+              <a:rPr lang="zh-CN" altLang="en-US">
                 <a:latin typeface="Consolas" panose="020B0609020204030204" pitchFamily="49" charset="0"/>
                 <a:ea typeface="+mj-ea"/>
               </a:rPr>
               <a:t>内存持久性</a:t>
             </a:r>
+            <a:endParaRPr lang="zh-CN" altLang="en-US" dirty="0">
+              <a:latin typeface="Consolas" panose="020B0609020204030204" pitchFamily="49" charset="0"/>
+              <a:ea typeface="+mj-ea"/>
+            </a:endParaRPr>
           </a:p>
         </p:txBody>
       </p:sp>
@@ -19674,7 +20365,7 @@
           <a:lstStyle/>
           <a:p>
             <a:r>
-              <a:rPr lang="en-US" altLang="zh-CN" sz="2800" dirty="0">
+              <a:rPr lang="en-US" altLang="zh-CN" sz="2800">
                 <a:latin typeface="Consolas" panose="020B0609020204030204" pitchFamily="49" charset="0"/>
                 <a:ea typeface="+mj-ea"/>
                 <a:cs typeface="Times New Roman" panose="02020603050405020304" pitchFamily="18" charset="0"/>
@@ -20765,6 +21456,41 @@
           </a:p>
         </p:txBody>
       </p:sp>
+      <p:sp>
+        <p:nvSpPr>
+          <p:cNvPr id="8" name="灯片编号占位符 7">
+            <a:extLst>
+              <a:ext uri="{FF2B5EF4-FFF2-40B4-BE49-F238E27FC236}">
+                <a16:creationId xmlns:a16="http://schemas.microsoft.com/office/drawing/2014/main" id="{725991B7-895B-4378-8871-48D20D622773}"/>
+              </a:ext>
+            </a:extLst>
+          </p:cNvPr>
+          <p:cNvSpPr>
+            <a:spLocks noGrp="1"/>
+          </p:cNvSpPr>
+          <p:nvPr>
+            <p:ph type="sldNum" sz="quarter" idx="12"/>
+          </p:nvPr>
+        </p:nvSpPr>
+        <p:spPr/>
+        <p:txBody>
+          <a:bodyPr/>
+          <a:lstStyle/>
+          <a:p>
+            <a:pPr>
+              <a:defRPr/>
+            </a:pPr>
+            <a:fld id="{6A90D09A-ED5D-47CC-A45F-D492BA9A6C1B}" type="slidenum">
+              <a:rPr lang="en-US" altLang="zh-CN" smtClean="0"/>
+              <a:pPr>
+                <a:defRPr/>
+              </a:pPr>
+              <a:t>27</a:t>
+            </a:fld>
+            <a:endParaRPr lang="en-US" altLang="zh-CN" dirty="0"/>
+          </a:p>
+        </p:txBody>
+      </p:sp>
     </p:spTree>
     <p:extLst>
       <p:ext uri="{BB962C8B-B14F-4D97-AF65-F5344CB8AC3E}">
@@ -20822,7 +21548,7 @@
           <a:lstStyle/>
           <a:p>
             <a:r>
-              <a:rPr lang="en-US" altLang="zh-CN" sz="2400" dirty="0">
+              <a:rPr lang="en-US" altLang="zh-CN" sz="2400">
                 <a:latin typeface="Consolas" panose="020B0609020204030204" pitchFamily="49" charset="0"/>
                 <a:cs typeface="Times New Roman" panose="02020603050405020304" pitchFamily="18" charset="0"/>
               </a:rPr>
@@ -20832,28 +21558,28 @@
           <a:p>
             <a:pPr lvl="1"/>
             <a:r>
-              <a:rPr lang="zh-CN" altLang="en-US" sz="2000" dirty="0">
+              <a:rPr lang="zh-CN" altLang="en-US" sz="2000">
                 <a:latin typeface="Consolas" panose="020B0609020204030204" pitchFamily="49" charset="0"/>
                 <a:cs typeface="Times New Roman" panose="02020603050405020304" pitchFamily="18" charset="0"/>
               </a:rPr>
               <a:t>Epoch persistency is similar to BPFS</a:t>
             </a:r>
             <a:r>
-              <a:rPr lang="en-US" altLang="zh-CN" sz="2000" dirty="0">
+              <a:rPr lang="en-US" altLang="zh-CN" sz="2000">
                 <a:latin typeface="Consolas" panose="020B0609020204030204" pitchFamily="49" charset="0"/>
                 <a:cs typeface="Times New Roman" panose="02020603050405020304" pitchFamily="18" charset="0"/>
               </a:rPr>
               <a:t>, but </a:t>
             </a:r>
             <a:r>
-              <a:rPr lang="zh-CN" altLang="en-US" sz="2000" dirty="0">
+              <a:rPr lang="zh-CN" altLang="en-US" sz="2000">
                 <a:latin typeface="Consolas" panose="020B0609020204030204" pitchFamily="49" charset="0"/>
                 <a:cs typeface="Times New Roman" panose="02020603050405020304" pitchFamily="18" charset="0"/>
               </a:rPr>
               <a:t>additionally allows persists to addresses protected by a </a:t>
             </a:r>
             <a:r>
-              <a:rPr lang="zh-CN" altLang="en-US" sz="2000" dirty="0">
+              <a:rPr lang="zh-CN" altLang="en-US" sz="2000">
                 <a:solidFill>
                   <a:srgbClr val="0070C0"/>
                 </a:solidFill>
@@ -20863,14 +21589,14 @@
               <a:t>lock</a:t>
             </a:r>
             <a:r>
-              <a:rPr lang="zh-CN" altLang="en-US" sz="2000" dirty="0">
+              <a:rPr lang="zh-CN" altLang="en-US" sz="2000">
                 <a:latin typeface="Consolas" panose="020B0609020204030204" pitchFamily="49" charset="0"/>
                 <a:cs typeface="Times New Roman" panose="02020603050405020304" pitchFamily="18" charset="0"/>
               </a:rPr>
               <a:t> to reorder with respect to the lock operations</a:t>
             </a:r>
             <a:r>
-              <a:rPr lang="en-US" altLang="zh-CN" sz="2000" dirty="0">
+              <a:rPr lang="en-US" altLang="zh-CN" sz="2000">
                 <a:latin typeface="Consolas" panose="020B0609020204030204" pitchFamily="49" charset="0"/>
                 <a:cs typeface="Times New Roman" panose="02020603050405020304" pitchFamily="18" charset="0"/>
               </a:rPr>
@@ -20880,7 +21606,7 @@
           <a:p>
             <a:pPr lvl="1"/>
             <a:r>
-              <a:rPr lang="en-US" altLang="zh-CN" sz="2000" dirty="0">
+              <a:rPr lang="en-US" altLang="zh-CN" sz="2000">
                 <a:solidFill>
                   <a:srgbClr val="FF0000"/>
                 </a:solidFill>
@@ -20890,7 +21616,7 @@
               <a:t>Cons</a:t>
             </a:r>
             <a:r>
-              <a:rPr lang="en-US" altLang="zh-CN" sz="2000" dirty="0">
+              <a:rPr lang="en-US" altLang="zh-CN" sz="2000">
                 <a:latin typeface="Consolas" panose="020B0609020204030204" pitchFamily="49" charset="0"/>
                 <a:cs typeface="Times New Roman" panose="02020603050405020304" pitchFamily="18" charset="0"/>
               </a:rPr>
@@ -20900,7 +21626,7 @@
           <a:p>
             <a:pPr lvl="1"/>
             <a:r>
-              <a:rPr lang="en-US" altLang="zh-CN" sz="2000" dirty="0">
+              <a:rPr lang="en-US" altLang="zh-CN" sz="2000">
                 <a:solidFill>
                   <a:srgbClr val="00B050"/>
                 </a:solidFill>
@@ -20910,7 +21636,7 @@
               <a:t>Solution</a:t>
             </a:r>
             <a:r>
-              <a:rPr lang="en-US" altLang="zh-CN" sz="2000" dirty="0">
+              <a:rPr lang="en-US" altLang="zh-CN" sz="2000">
                 <a:latin typeface="Consolas" panose="020B0609020204030204" pitchFamily="49" charset="0"/>
                 <a:cs typeface="Times New Roman" panose="02020603050405020304" pitchFamily="18" charset="0"/>
               </a:rPr>
@@ -20948,19 +21674,23 @@
           <a:lstStyle/>
           <a:p>
             <a:r>
-              <a:rPr lang="en-US" altLang="zh-CN" dirty="0">
+              <a:rPr lang="en-US" altLang="zh-CN">
                 <a:latin typeface="Consolas" panose="020B0609020204030204" pitchFamily="49" charset="0"/>
                 <a:ea typeface="+mj-ea"/>
               </a:rPr>
               <a:t>2 </a:t>
             </a:r>
             <a:r>
-              <a:rPr lang="zh-CN" altLang="en-US" dirty="0">
+              <a:rPr lang="zh-CN" altLang="en-US">
                 <a:latin typeface="Consolas" panose="020B0609020204030204" pitchFamily="49" charset="0"/>
                 <a:ea typeface="+mj-ea"/>
               </a:rPr>
               <a:t>内存持久性</a:t>
             </a:r>
+            <a:endParaRPr lang="zh-CN" altLang="en-US" dirty="0">
+              <a:latin typeface="Consolas" panose="020B0609020204030204" pitchFamily="49" charset="0"/>
+              <a:ea typeface="+mj-ea"/>
+            </a:endParaRPr>
           </a:p>
         </p:txBody>
       </p:sp>
@@ -20991,7 +21721,7 @@
           <a:lstStyle/>
           <a:p>
             <a:r>
-              <a:rPr lang="en-US" altLang="zh-CN" sz="2800" dirty="0">
+              <a:rPr lang="en-US" altLang="zh-CN" sz="2800">
                 <a:latin typeface="Consolas" panose="020B0609020204030204" pitchFamily="49" charset="0"/>
                 <a:ea typeface="+mj-ea"/>
                 <a:cs typeface="Times New Roman" panose="02020603050405020304" pitchFamily="18" charset="0"/>
@@ -21003,6 +21733,41 @@
               <a:ea typeface="+mj-ea"/>
               <a:cs typeface="Times New Roman" panose="02020603050405020304" pitchFamily="18" charset="0"/>
             </a:endParaRPr>
+          </a:p>
+        </p:txBody>
+      </p:sp>
+      <p:sp>
+        <p:nvSpPr>
+          <p:cNvPr id="8" name="灯片编号占位符 7">
+            <a:extLst>
+              <a:ext uri="{FF2B5EF4-FFF2-40B4-BE49-F238E27FC236}">
+                <a16:creationId xmlns:a16="http://schemas.microsoft.com/office/drawing/2014/main" id="{96716E71-563A-4F8B-ABBF-3533DF40F428}"/>
+              </a:ext>
+            </a:extLst>
+          </p:cNvPr>
+          <p:cNvSpPr>
+            <a:spLocks noGrp="1"/>
+          </p:cNvSpPr>
+          <p:nvPr>
+            <p:ph type="sldNum" sz="quarter" idx="12"/>
+          </p:nvPr>
+        </p:nvSpPr>
+        <p:spPr/>
+        <p:txBody>
+          <a:bodyPr/>
+          <a:lstStyle/>
+          <a:p>
+            <a:pPr>
+              <a:defRPr/>
+            </a:pPr>
+            <a:fld id="{6A90D09A-ED5D-47CC-A45F-D492BA9A6C1B}" type="slidenum">
+              <a:rPr lang="en-US" altLang="zh-CN" smtClean="0"/>
+              <a:pPr>
+                <a:defRPr/>
+              </a:pPr>
+              <a:t>28</a:t>
+            </a:fld>
+            <a:endParaRPr lang="en-US" altLang="zh-CN" dirty="0"/>
           </a:p>
         </p:txBody>
       </p:sp>
@@ -21063,7 +21828,7 @@
           <a:lstStyle/>
           <a:p>
             <a:r>
-              <a:rPr lang="en-US" altLang="zh-CN" sz="2400" dirty="0">
+              <a:rPr lang="en-US" altLang="zh-CN" sz="2400">
                 <a:latin typeface="Consolas" panose="020B0609020204030204" pitchFamily="49" charset="0"/>
                 <a:cs typeface="Times New Roman" panose="02020603050405020304" pitchFamily="18" charset="0"/>
               </a:rPr>
@@ -21073,7 +21838,7 @@
           <a:p>
             <a:pPr lvl="1"/>
             <a:r>
-              <a:rPr lang="en-US" altLang="zh-CN" sz="2000" dirty="0">
+              <a:rPr lang="en-US" altLang="zh-CN" sz="2000">
                 <a:solidFill>
                   <a:srgbClr val="FF0000"/>
                 </a:solidFill>
@@ -21083,7 +21848,7 @@
               <a:t>May incur extra</a:t>
             </a:r>
             <a:r>
-              <a:rPr lang="zh-CN" altLang="en-US" sz="2000" dirty="0">
+              <a:rPr lang="zh-CN" altLang="en-US" sz="2000">
                 <a:solidFill>
                   <a:srgbClr val="FF0000"/>
                 </a:solidFill>
@@ -21093,7 +21858,7 @@
               <a:t> constraints</a:t>
             </a:r>
             <a:r>
-              <a:rPr lang="en-US" altLang="zh-CN" sz="2000" dirty="0">
+              <a:rPr lang="en-US" altLang="zh-CN" sz="2000">
                 <a:solidFill>
                   <a:srgbClr val="FF0000"/>
                 </a:solidFill>
@@ -21134,19 +21899,23 @@
           <a:lstStyle/>
           <a:p>
             <a:r>
-              <a:rPr lang="en-US" altLang="zh-CN" dirty="0">
+              <a:rPr lang="en-US" altLang="zh-CN">
                 <a:latin typeface="Consolas" panose="020B0609020204030204" pitchFamily="49" charset="0"/>
                 <a:ea typeface="+mj-ea"/>
               </a:rPr>
               <a:t>2 </a:t>
             </a:r>
             <a:r>
-              <a:rPr lang="zh-CN" altLang="en-US" dirty="0">
+              <a:rPr lang="zh-CN" altLang="en-US">
                 <a:latin typeface="Consolas" panose="020B0609020204030204" pitchFamily="49" charset="0"/>
                 <a:ea typeface="+mj-ea"/>
               </a:rPr>
               <a:t>内存持久性</a:t>
             </a:r>
+            <a:endParaRPr lang="zh-CN" altLang="en-US" dirty="0">
+              <a:latin typeface="Consolas" panose="020B0609020204030204" pitchFamily="49" charset="0"/>
+              <a:ea typeface="+mj-ea"/>
+            </a:endParaRPr>
           </a:p>
         </p:txBody>
       </p:sp>
@@ -21177,7 +21946,7 @@
           <a:lstStyle/>
           <a:p>
             <a:r>
-              <a:rPr lang="en-US" altLang="zh-CN" sz="2800" dirty="0">
+              <a:rPr lang="en-US" altLang="zh-CN" sz="2800">
                 <a:latin typeface="Consolas" panose="020B0609020204030204" pitchFamily="49" charset="0"/>
                 <a:ea typeface="+mj-ea"/>
                 <a:cs typeface="Times New Roman" panose="02020603050405020304" pitchFamily="18" charset="0"/>
@@ -22939,6 +23708,41 @@
           </a:fontRef>
         </p:style>
       </p:cxnSp>
+      <p:sp>
+        <p:nvSpPr>
+          <p:cNvPr id="32" name="灯片编号占位符 31">
+            <a:extLst>
+              <a:ext uri="{FF2B5EF4-FFF2-40B4-BE49-F238E27FC236}">
+                <a16:creationId xmlns:a16="http://schemas.microsoft.com/office/drawing/2014/main" id="{84ADBEF3-4126-41CA-97EE-CC0C3290CC5C}"/>
+              </a:ext>
+            </a:extLst>
+          </p:cNvPr>
+          <p:cNvSpPr>
+            <a:spLocks noGrp="1"/>
+          </p:cNvSpPr>
+          <p:nvPr>
+            <p:ph type="sldNum" sz="quarter" idx="12"/>
+          </p:nvPr>
+        </p:nvSpPr>
+        <p:spPr/>
+        <p:txBody>
+          <a:bodyPr/>
+          <a:lstStyle/>
+          <a:p>
+            <a:pPr>
+              <a:defRPr/>
+            </a:pPr>
+            <a:fld id="{6A90D09A-ED5D-47CC-A45F-D492BA9A6C1B}" type="slidenum">
+              <a:rPr lang="en-US" altLang="zh-CN" smtClean="0"/>
+              <a:pPr>
+                <a:defRPr/>
+              </a:pPr>
+              <a:t>29</a:t>
+            </a:fld>
+            <a:endParaRPr lang="en-US" altLang="zh-CN" dirty="0"/>
+          </a:p>
+        </p:txBody>
+      </p:sp>
     </p:spTree>
     <p:extLst>
       <p:ext uri="{BB962C8B-B14F-4D97-AF65-F5344CB8AC3E}">
@@ -23242,7 +24046,7 @@
           <a:lstStyle/>
           <a:p>
             <a:r>
-              <a:rPr lang="en-US" altLang="zh-CN" sz="2400" dirty="0">
+              <a:rPr lang="en-US" altLang="zh-CN" sz="2400">
                 <a:solidFill>
                   <a:srgbClr val="000000"/>
                 </a:solidFill>
@@ -23254,7 +24058,7 @@
           <a:p>
             <a:pPr lvl="1"/>
             <a:r>
-              <a:rPr lang="en-US" altLang="zh-CN" sz="2000" dirty="0">
+              <a:rPr lang="en-US" altLang="zh-CN" sz="2000">
                 <a:latin typeface="Consolas" panose="020B0609020204030204" pitchFamily="49" charset="0"/>
                 <a:cs typeface="Times New Roman" panose="02020603050405020304" pitchFamily="18" charset="0"/>
               </a:rPr>
@@ -23263,35 +24067,35 @@
           </a:p>
           <a:p>
             <a:pPr lvl="1"/>
-            <a:endParaRPr lang="en-US" altLang="zh-CN" sz="2000" dirty="0">
+            <a:endParaRPr lang="en-US" altLang="zh-CN" sz="2000">
               <a:latin typeface="Consolas" panose="020B0609020204030204" pitchFamily="49" charset="0"/>
               <a:cs typeface="Times New Roman" panose="02020603050405020304" pitchFamily="18" charset="0"/>
             </a:endParaRPr>
           </a:p>
           <a:p>
             <a:pPr lvl="1"/>
-            <a:endParaRPr lang="en-US" altLang="zh-CN" sz="2000" dirty="0">
+            <a:endParaRPr lang="en-US" altLang="zh-CN" sz="2000">
               <a:latin typeface="Consolas" panose="020B0609020204030204" pitchFamily="49" charset="0"/>
               <a:cs typeface="Times New Roman" panose="02020603050405020304" pitchFamily="18" charset="0"/>
             </a:endParaRPr>
           </a:p>
           <a:p>
             <a:pPr lvl="1"/>
-            <a:endParaRPr lang="en-US" altLang="zh-CN" sz="2000" dirty="0">
+            <a:endParaRPr lang="en-US" altLang="zh-CN" sz="2000">
               <a:latin typeface="Consolas" panose="020B0609020204030204" pitchFamily="49" charset="0"/>
               <a:cs typeface="Times New Roman" panose="02020603050405020304" pitchFamily="18" charset="0"/>
             </a:endParaRPr>
           </a:p>
           <a:p>
             <a:pPr lvl="1"/>
-            <a:endParaRPr lang="en-US" altLang="zh-CN" sz="2000" dirty="0">
+            <a:endParaRPr lang="en-US" altLang="zh-CN" sz="2000">
               <a:latin typeface="Consolas" panose="020B0609020204030204" pitchFamily="49" charset="0"/>
               <a:cs typeface="Times New Roman" panose="02020603050405020304" pitchFamily="18" charset="0"/>
             </a:endParaRPr>
           </a:p>
           <a:p>
             <a:pPr lvl="1"/>
-            <a:endParaRPr lang="en-US" altLang="zh-CN" sz="2000" dirty="0">
+            <a:endParaRPr lang="en-US" altLang="zh-CN" sz="2000">
               <a:latin typeface="Consolas" panose="020B0609020204030204" pitchFamily="49" charset="0"/>
               <a:cs typeface="Times New Roman" panose="02020603050405020304" pitchFamily="18" charset="0"/>
             </a:endParaRPr>
@@ -23299,13 +24103,13 @@
           <a:p>
             <a:pPr lvl="1"/>
             <a:r>
-              <a:rPr lang="zh-CN" altLang="en-US" sz="2000" dirty="0">
+              <a:rPr lang="zh-CN" altLang="en-US" sz="2000">
                 <a:latin typeface="Consolas" panose="020B0609020204030204" pitchFamily="49" charset="0"/>
                 <a:cs typeface="Times New Roman" panose="02020603050405020304" pitchFamily="18" charset="0"/>
               </a:rPr>
               <a:t>What are the possible outcomes?</a:t>
             </a:r>
-            <a:endParaRPr lang="en-US" altLang="zh-CN" dirty="0">
+            <a:endParaRPr lang="en-US" altLang="zh-CN">
               <a:solidFill>
                 <a:srgbClr val="000000"/>
               </a:solidFill>
@@ -23874,19 +24678,23 @@
           <a:lstStyle/>
           <a:p>
             <a:r>
-              <a:rPr lang="en-US" altLang="zh-CN" dirty="0">
+              <a:rPr lang="en-US" altLang="zh-CN">
                 <a:latin typeface="Consolas" panose="020B0609020204030204" pitchFamily="49" charset="0"/>
                 <a:ea typeface="+mj-ea"/>
               </a:rPr>
               <a:t>1 </a:t>
             </a:r>
             <a:r>
-              <a:rPr lang="zh-CN" altLang="en-US" dirty="0">
+              <a:rPr lang="zh-CN" altLang="en-US">
                 <a:latin typeface="Consolas" panose="020B0609020204030204" pitchFamily="49" charset="0"/>
                 <a:ea typeface="+mj-ea"/>
               </a:rPr>
               <a:t>内存一致性</a:t>
             </a:r>
+            <a:endParaRPr lang="zh-CN" altLang="en-US" dirty="0">
+              <a:latin typeface="Consolas" panose="020B0609020204030204" pitchFamily="49" charset="0"/>
+              <a:ea typeface="+mj-ea"/>
+            </a:endParaRPr>
           </a:p>
         </p:txBody>
       </p:sp>
@@ -23917,7 +24725,7 @@
           <a:lstStyle/>
           <a:p>
             <a:r>
-              <a:rPr lang="en-US" altLang="zh-CN" sz="2800" dirty="0">
+              <a:rPr lang="en-US" altLang="zh-CN" sz="2800">
                 <a:latin typeface="Consolas" panose="020B0609020204030204" pitchFamily="49" charset="0"/>
                 <a:ea typeface="+mj-ea"/>
                 <a:cs typeface="Times New Roman" panose="02020603050405020304" pitchFamily="18" charset="0"/>
@@ -23929,6 +24737,41 @@
               <a:ea typeface="+mj-ea"/>
               <a:cs typeface="Times New Roman" panose="02020603050405020304" pitchFamily="18" charset="0"/>
             </a:endParaRPr>
+          </a:p>
+        </p:txBody>
+      </p:sp>
+      <p:sp>
+        <p:nvSpPr>
+          <p:cNvPr id="8" name="灯片编号占位符 7">
+            <a:extLst>
+              <a:ext uri="{FF2B5EF4-FFF2-40B4-BE49-F238E27FC236}">
+                <a16:creationId xmlns:a16="http://schemas.microsoft.com/office/drawing/2014/main" id="{D29B04C4-BAB3-4F78-BED3-807864225FD3}"/>
+              </a:ext>
+            </a:extLst>
+          </p:cNvPr>
+          <p:cNvSpPr>
+            <a:spLocks noGrp="1"/>
+          </p:cNvSpPr>
+          <p:nvPr>
+            <p:ph type="sldNum" sz="quarter" idx="12"/>
+          </p:nvPr>
+        </p:nvSpPr>
+        <p:spPr/>
+        <p:txBody>
+          <a:bodyPr/>
+          <a:lstStyle/>
+          <a:p>
+            <a:pPr>
+              <a:defRPr/>
+            </a:pPr>
+            <a:fld id="{6A90D09A-ED5D-47CC-A45F-D492BA9A6C1B}" type="slidenum">
+              <a:rPr lang="en-US" altLang="zh-CN" smtClean="0"/>
+              <a:pPr>
+                <a:defRPr/>
+              </a:pPr>
+              <a:t>3</a:t>
+            </a:fld>
+            <a:endParaRPr lang="en-US" altLang="zh-CN" dirty="0"/>
           </a:p>
         </p:txBody>
       </p:sp>
@@ -23989,7 +24832,7 @@
           <a:lstStyle/>
           <a:p>
             <a:r>
-              <a:rPr lang="en-US" altLang="zh-CN" sz="2400" dirty="0">
+              <a:rPr lang="en-US" altLang="zh-CN" sz="2400">
                 <a:latin typeface="Consolas" panose="020B0609020204030204" pitchFamily="49" charset="0"/>
                 <a:cs typeface="Times New Roman" panose="02020603050405020304" pitchFamily="18" charset="0"/>
               </a:rPr>
@@ -23999,13 +24842,13 @@
           <a:p>
             <a:pPr lvl="1"/>
             <a:r>
-              <a:rPr lang="en-US" altLang="zh-CN" sz="2000" dirty="0">
+              <a:rPr lang="en-US" altLang="zh-CN" sz="2000">
                 <a:cs typeface="Times New Roman" panose="02020603050405020304" pitchFamily="18" charset="0"/>
               </a:rPr>
               <a:t>A </a:t>
             </a:r>
             <a:r>
-              <a:rPr lang="en-US" altLang="zh-CN" sz="2000" dirty="0">
+              <a:rPr lang="en-US" altLang="zh-CN" sz="2000">
                 <a:solidFill>
                   <a:srgbClr val="FF0000"/>
                 </a:solidFill>
@@ -24014,7 +24857,7 @@
               <a:t>strand</a:t>
             </a:r>
             <a:r>
-              <a:rPr lang="en-US" altLang="zh-CN" sz="2000" dirty="0">
+              <a:rPr lang="en-US" altLang="zh-CN" sz="2000">
                 <a:cs typeface="Times New Roman" panose="02020603050405020304" pitchFamily="18" charset="0"/>
               </a:rPr>
               <a:t> is an interval of memory execution from a single thread separated by strand barrier instructions;</a:t>
@@ -24023,13 +24866,13 @@
           <a:p>
             <a:pPr lvl="1"/>
             <a:r>
-              <a:rPr lang="en-US" altLang="zh-CN" sz="2000" dirty="0">
+              <a:rPr lang="en-US" altLang="zh-CN" sz="2000">
                 <a:cs typeface="Times New Roman" panose="02020603050405020304" pitchFamily="18" charset="0"/>
               </a:rPr>
               <a:t>Accesses from different </a:t>
             </a:r>
             <a:r>
-              <a:rPr lang="en-US" altLang="zh-CN" sz="2000" dirty="0">
+              <a:rPr lang="en-US" altLang="zh-CN" sz="2000">
                 <a:solidFill>
                   <a:srgbClr val="FF0000"/>
                 </a:solidFill>
@@ -24038,7 +24881,7 @@
               <a:t>strands</a:t>
             </a:r>
             <a:r>
-              <a:rPr lang="en-US" altLang="zh-CN" sz="2000" dirty="0">
+              <a:rPr lang="en-US" altLang="zh-CN" sz="2000">
                 <a:cs typeface="Times New Roman" panose="02020603050405020304" pitchFamily="18" charset="0"/>
               </a:rPr>
               <a:t>, even from the same thread, are concurrent unless ordered by strong persist atomicity.</a:t>
@@ -24046,13 +24889,13 @@
           </a:p>
           <a:p>
             <a:pPr lvl="1"/>
-            <a:endParaRPr lang="en-US" altLang="zh-CN" sz="2000" dirty="0">
+            <a:endParaRPr lang="en-US" altLang="zh-CN" sz="2000">
               <a:cs typeface="Times New Roman" panose="02020603050405020304" pitchFamily="18" charset="0"/>
             </a:endParaRPr>
           </a:p>
           <a:p>
             <a:pPr lvl="1"/>
-            <a:endParaRPr lang="en-US" altLang="zh-CN" sz="2000" dirty="0">
+            <a:endParaRPr lang="en-US" altLang="zh-CN" sz="2000">
               <a:latin typeface="Consolas" panose="020B0609020204030204" pitchFamily="49" charset="0"/>
               <a:cs typeface="Times New Roman" panose="02020603050405020304" pitchFamily="18" charset="0"/>
             </a:endParaRPr>
@@ -24088,19 +24931,23 @@
           <a:lstStyle/>
           <a:p>
             <a:r>
-              <a:rPr lang="en-US" altLang="zh-CN" dirty="0">
+              <a:rPr lang="en-US" altLang="zh-CN">
                 <a:latin typeface="Consolas" panose="020B0609020204030204" pitchFamily="49" charset="0"/>
                 <a:ea typeface="+mj-ea"/>
               </a:rPr>
               <a:t>2 </a:t>
             </a:r>
             <a:r>
-              <a:rPr lang="zh-CN" altLang="en-US" dirty="0">
+              <a:rPr lang="zh-CN" altLang="en-US">
                 <a:latin typeface="Consolas" panose="020B0609020204030204" pitchFamily="49" charset="0"/>
                 <a:ea typeface="+mj-ea"/>
               </a:rPr>
               <a:t>内存持久性</a:t>
             </a:r>
+            <a:endParaRPr lang="zh-CN" altLang="en-US" dirty="0">
+              <a:latin typeface="Consolas" panose="020B0609020204030204" pitchFamily="49" charset="0"/>
+              <a:ea typeface="+mj-ea"/>
+            </a:endParaRPr>
           </a:p>
         </p:txBody>
       </p:sp>
@@ -24131,7 +24978,7 @@
           <a:lstStyle/>
           <a:p>
             <a:r>
-              <a:rPr lang="en-US" altLang="zh-CN" sz="2800" dirty="0">
+              <a:rPr lang="en-US" altLang="zh-CN" sz="2800">
                 <a:latin typeface="Consolas" panose="020B0609020204030204" pitchFamily="49" charset="0"/>
                 <a:cs typeface="Times New Roman" panose="02020603050405020304" pitchFamily="18" charset="0"/>
               </a:rPr>
@@ -24689,6 +25536,41 @@
           </a:p>
         </p:txBody>
       </p:sp>
+      <p:sp>
+        <p:nvSpPr>
+          <p:cNvPr id="8" name="灯片编号占位符 7">
+            <a:extLst>
+              <a:ext uri="{FF2B5EF4-FFF2-40B4-BE49-F238E27FC236}">
+                <a16:creationId xmlns:a16="http://schemas.microsoft.com/office/drawing/2014/main" id="{7DD48B48-3814-4FF6-A37A-C678979CFCCB}"/>
+              </a:ext>
+            </a:extLst>
+          </p:cNvPr>
+          <p:cNvSpPr>
+            <a:spLocks noGrp="1"/>
+          </p:cNvSpPr>
+          <p:nvPr>
+            <p:ph type="sldNum" sz="quarter" idx="12"/>
+          </p:nvPr>
+        </p:nvSpPr>
+        <p:spPr/>
+        <p:txBody>
+          <a:bodyPr/>
+          <a:lstStyle/>
+          <a:p>
+            <a:pPr>
+              <a:defRPr/>
+            </a:pPr>
+            <a:fld id="{6A90D09A-ED5D-47CC-A45F-D492BA9A6C1B}" type="slidenum">
+              <a:rPr lang="en-US" altLang="zh-CN" smtClean="0"/>
+              <a:pPr>
+                <a:defRPr/>
+              </a:pPr>
+              <a:t>30</a:t>
+            </a:fld>
+            <a:endParaRPr lang="en-US" altLang="zh-CN" dirty="0"/>
+          </a:p>
+        </p:txBody>
+      </p:sp>
     </p:spTree>
     <p:extLst>
       <p:ext uri="{BB962C8B-B14F-4D97-AF65-F5344CB8AC3E}">
@@ -24749,49 +25631,13 @@
               <a:buNone/>
             </a:pPr>
             <a:r>
-              <a:rPr lang="en-US" altLang="zh-CN" sz="1800" dirty="0">
+              <a:rPr lang="en-US" altLang="zh-CN" sz="1800">
                 <a:solidFill>
                   <a:srgbClr val="333333"/>
                 </a:solidFill>
                 <a:cs typeface="Times New Roman" panose="02020603050405020304" pitchFamily="18" charset="0"/>
               </a:rPr>
-              <a:t>[1]: S. </a:t>
-            </a:r>
-            <a:r>
-              <a:rPr lang="en-US" altLang="zh-CN" sz="1800" dirty="0" err="1">
-                <a:solidFill>
-                  <a:srgbClr val="333333"/>
-                </a:solidFill>
-                <a:cs typeface="Times New Roman" panose="02020603050405020304" pitchFamily="18" charset="0"/>
-              </a:rPr>
-              <a:t>Adve</a:t>
-            </a:r>
-            <a:r>
-              <a:rPr lang="en-US" altLang="zh-CN" sz="1800" dirty="0">
-                <a:solidFill>
-                  <a:srgbClr val="333333"/>
-                </a:solidFill>
-                <a:cs typeface="Times New Roman" panose="02020603050405020304" pitchFamily="18" charset="0"/>
-              </a:rPr>
-              <a:t> and K. </a:t>
-            </a:r>
-            <a:r>
-              <a:rPr lang="en-US" altLang="zh-CN" sz="1800" dirty="0" err="1">
-                <a:solidFill>
-                  <a:srgbClr val="333333"/>
-                </a:solidFill>
-                <a:cs typeface="Times New Roman" panose="02020603050405020304" pitchFamily="18" charset="0"/>
-              </a:rPr>
-              <a:t>Gharachorloo</a:t>
-            </a:r>
-            <a:r>
-              <a:rPr lang="en-US" altLang="zh-CN" sz="1800" dirty="0">
-                <a:solidFill>
-                  <a:srgbClr val="333333"/>
-                </a:solidFill>
-                <a:cs typeface="Times New Roman" panose="02020603050405020304" pitchFamily="18" charset="0"/>
-              </a:rPr>
-              <a:t>. Shared memory consistency models: a tutorial. Computer, 29(12):66–76, 1996.</a:t>
+              <a:t>[1]: S. Adve and K. Gharachorloo. Shared memory consistency models: a tutorial. Computer, 29(12):66–76, 1996.</a:t>
             </a:r>
           </a:p>
           <a:p>
@@ -24799,7 +25645,7 @@
               <a:buNone/>
             </a:pPr>
             <a:r>
-              <a:rPr lang="en-US" altLang="zh-CN" sz="1800" dirty="0">
+              <a:rPr lang="en-US" altLang="zh-CN" sz="1800">
                 <a:solidFill>
                   <a:srgbClr val="333333"/>
                 </a:solidFill>
@@ -24813,7 +25659,7 @@
               <a:buNone/>
             </a:pPr>
             <a:r>
-              <a:rPr lang="en-US" altLang="zh-CN" sz="1800" dirty="0">
+              <a:rPr lang="en-US" altLang="zh-CN" sz="1800">
                 <a:solidFill>
                   <a:srgbClr val="333333"/>
                 </a:solidFill>
@@ -24827,32 +25673,20 @@
               <a:buNone/>
             </a:pPr>
             <a:r>
-              <a:rPr lang="en-US" altLang="zh-CN" sz="1800" dirty="0">
+              <a:rPr lang="en-US" altLang="zh-CN" sz="1800">
                 <a:solidFill>
                   <a:srgbClr val="333333"/>
                 </a:solidFill>
                 <a:cs typeface="Times New Roman" panose="02020603050405020304" pitchFamily="18" charset="0"/>
               </a:rPr>
-              <a:t>[4]: Pelley S, Chen P M, </a:t>
-            </a:r>
-            <a:r>
-              <a:rPr lang="en-US" altLang="zh-CN" sz="1800" dirty="0" err="1">
-                <a:solidFill>
-                  <a:srgbClr val="333333"/>
-                </a:solidFill>
-                <a:cs typeface="Times New Roman" panose="02020603050405020304" pitchFamily="18" charset="0"/>
-              </a:rPr>
-              <a:t>Wenisch</a:t>
-            </a:r>
-            <a:r>
-              <a:rPr lang="en-US" altLang="zh-CN" sz="1800" dirty="0">
-                <a:solidFill>
-                  <a:srgbClr val="333333"/>
-                </a:solidFill>
-                <a:cs typeface="Times New Roman" panose="02020603050405020304" pitchFamily="18" charset="0"/>
-              </a:rPr>
-              <a:t> T F. Memory persistency[C]// Proceeding of the International Symposium on Computer Architecture (ISCA’14). ACM, 2014:265-276.</a:t>
-            </a:r>
+              <a:t>[4]: Pelley S, Chen P M, Wenisch T F. Memory persistency[C]// Proceeding of the International Symposium on Computer Architecture (ISCA’14). ACM, 2014:265-276.</a:t>
+            </a:r>
+            <a:endParaRPr lang="en-US" altLang="zh-CN" sz="1800" dirty="0">
+              <a:solidFill>
+                <a:srgbClr val="333333"/>
+              </a:solidFill>
+              <a:cs typeface="Times New Roman" panose="02020603050405020304" pitchFamily="18" charset="0"/>
+            </a:endParaRPr>
           </a:p>
         </p:txBody>
       </p:sp>
@@ -24878,7 +25712,7 @@
           <a:lstStyle/>
           <a:p>
             <a:r>
-              <a:rPr lang="en-US" altLang="zh-CN" dirty="0">
+              <a:rPr lang="en-US" altLang="zh-CN">
                 <a:latin typeface="Consolas" panose="020B0609020204030204" pitchFamily="49" charset="0"/>
               </a:rPr>
               <a:t>References</a:t>
@@ -24911,6 +25745,41 @@
           <a:lstStyle/>
           <a:p>
             <a:endParaRPr lang="zh-CN" altLang="en-US"/>
+          </a:p>
+        </p:txBody>
+      </p:sp>
+      <p:sp>
+        <p:nvSpPr>
+          <p:cNvPr id="8" name="灯片编号占位符 7">
+            <a:extLst>
+              <a:ext uri="{FF2B5EF4-FFF2-40B4-BE49-F238E27FC236}">
+                <a16:creationId xmlns:a16="http://schemas.microsoft.com/office/drawing/2014/main" id="{9EAF2329-9A86-4171-A72B-CED601C54C41}"/>
+              </a:ext>
+            </a:extLst>
+          </p:cNvPr>
+          <p:cNvSpPr>
+            <a:spLocks noGrp="1"/>
+          </p:cNvSpPr>
+          <p:nvPr>
+            <p:ph type="sldNum" sz="quarter" idx="12"/>
+          </p:nvPr>
+        </p:nvSpPr>
+        <p:spPr/>
+        <p:txBody>
+          <a:bodyPr/>
+          <a:lstStyle/>
+          <a:p>
+            <a:pPr>
+              <a:defRPr/>
+            </a:pPr>
+            <a:fld id="{6A90D09A-ED5D-47CC-A45F-D492BA9A6C1B}" type="slidenum">
+              <a:rPr lang="en-US" altLang="zh-CN" smtClean="0"/>
+              <a:pPr>
+                <a:defRPr/>
+              </a:pPr>
+              <a:t>31</a:t>
+            </a:fld>
+            <a:endParaRPr lang="en-US" altLang="zh-CN" dirty="0"/>
           </a:p>
         </p:txBody>
       </p:sp>
@@ -24966,7 +25835,7 @@
           <a:lstStyle/>
           <a:p>
             <a:r>
-              <a:rPr lang="en-US" altLang="zh-CN" sz="2400" dirty="0">
+              <a:rPr lang="en-US" altLang="zh-CN" sz="2400">
                 <a:solidFill>
                   <a:srgbClr val="000000"/>
                 </a:solidFill>
@@ -24978,7 +25847,7 @@
           <a:p>
             <a:pPr lvl="1"/>
             <a:r>
-              <a:rPr lang="en-US" altLang="zh-CN" sz="2000" dirty="0">
+              <a:rPr lang="en-US" altLang="zh-CN" sz="2000">
                 <a:latin typeface="Consolas" panose="020B0609020204030204" pitchFamily="49" charset="0"/>
                 <a:cs typeface="Times New Roman" panose="02020603050405020304" pitchFamily="18" charset="0"/>
               </a:rPr>
@@ -24987,35 +25856,35 @@
           </a:p>
           <a:p>
             <a:pPr lvl="1"/>
-            <a:endParaRPr lang="en-US" altLang="zh-CN" sz="2000" dirty="0">
+            <a:endParaRPr lang="en-US" altLang="zh-CN" sz="2000">
               <a:latin typeface="Consolas" panose="020B0609020204030204" pitchFamily="49" charset="0"/>
               <a:cs typeface="Times New Roman" panose="02020603050405020304" pitchFamily="18" charset="0"/>
             </a:endParaRPr>
           </a:p>
           <a:p>
             <a:pPr lvl="1"/>
-            <a:endParaRPr lang="en-US" altLang="zh-CN" sz="2000" dirty="0">
+            <a:endParaRPr lang="en-US" altLang="zh-CN" sz="2000">
               <a:latin typeface="Consolas" panose="020B0609020204030204" pitchFamily="49" charset="0"/>
               <a:cs typeface="Times New Roman" panose="02020603050405020304" pitchFamily="18" charset="0"/>
             </a:endParaRPr>
           </a:p>
           <a:p>
             <a:pPr lvl="1"/>
-            <a:endParaRPr lang="en-US" altLang="zh-CN" sz="2000" dirty="0">
+            <a:endParaRPr lang="en-US" altLang="zh-CN" sz="2000">
               <a:latin typeface="Consolas" panose="020B0609020204030204" pitchFamily="49" charset="0"/>
               <a:cs typeface="Times New Roman" panose="02020603050405020304" pitchFamily="18" charset="0"/>
             </a:endParaRPr>
           </a:p>
           <a:p>
             <a:pPr lvl="1"/>
-            <a:endParaRPr lang="en-US" altLang="zh-CN" sz="2000" dirty="0">
+            <a:endParaRPr lang="en-US" altLang="zh-CN" sz="2000">
               <a:latin typeface="Consolas" panose="020B0609020204030204" pitchFamily="49" charset="0"/>
               <a:cs typeface="Times New Roman" panose="02020603050405020304" pitchFamily="18" charset="0"/>
             </a:endParaRPr>
           </a:p>
           <a:p>
             <a:pPr lvl="1"/>
-            <a:endParaRPr lang="en-US" altLang="zh-CN" sz="2000" dirty="0">
+            <a:endParaRPr lang="en-US" altLang="zh-CN" sz="2000">
               <a:latin typeface="Consolas" panose="020B0609020204030204" pitchFamily="49" charset="0"/>
               <a:cs typeface="Times New Roman" panose="02020603050405020304" pitchFamily="18" charset="0"/>
             </a:endParaRPr>
@@ -25023,13 +25892,13 @@
           <a:p>
             <a:pPr lvl="1"/>
             <a:r>
-              <a:rPr lang="zh-CN" altLang="en-US" sz="2000" dirty="0">
+              <a:rPr lang="zh-CN" altLang="en-US" sz="2000">
                 <a:latin typeface="Consolas" panose="020B0609020204030204" pitchFamily="49" charset="0"/>
                 <a:cs typeface="Times New Roman" panose="02020603050405020304" pitchFamily="18" charset="0"/>
               </a:rPr>
               <a:t>What are the possible outcomes?</a:t>
             </a:r>
-            <a:endParaRPr lang="en-US" altLang="zh-CN" sz="2000" dirty="0">
+            <a:endParaRPr lang="en-US" altLang="zh-CN" sz="2000">
               <a:latin typeface="Consolas" panose="020B0609020204030204" pitchFamily="49" charset="0"/>
               <a:cs typeface="Times New Roman" panose="02020603050405020304" pitchFamily="18" charset="0"/>
             </a:endParaRPr>
@@ -25037,35 +25906,35 @@
           <a:p>
             <a:pPr lvl="1"/>
             <a:r>
-              <a:rPr lang="en-US" altLang="zh-CN" sz="2000" dirty="0">
+              <a:rPr lang="en-US" altLang="zh-CN" sz="2000">
                 <a:latin typeface="Consolas" panose="020B0609020204030204" pitchFamily="49" charset="0"/>
                 <a:cs typeface="Times New Roman" panose="02020603050405020304" pitchFamily="18" charset="0"/>
               </a:rPr>
               <a:t>Who </a:t>
             </a:r>
             <a:r>
-              <a:rPr lang="en-US" altLang="zh-CN" sz="2000" b="1" dirty="0">
+              <a:rPr lang="en-US" altLang="zh-CN" sz="2000" b="1">
                 <a:latin typeface="Consolas" panose="020B0609020204030204" pitchFamily="49" charset="0"/>
                 <a:cs typeface="Times New Roman" panose="02020603050405020304" pitchFamily="18" charset="0"/>
               </a:rPr>
               <a:t>THE HELL</a:t>
             </a:r>
             <a:r>
-              <a:rPr lang="en-US" altLang="zh-CN" sz="2000" dirty="0">
+              <a:rPr lang="en-US" altLang="zh-CN" sz="2000">
                 <a:latin typeface="Consolas" panose="020B0609020204030204" pitchFamily="49" charset="0"/>
                 <a:cs typeface="Times New Roman" panose="02020603050405020304" pitchFamily="18" charset="0"/>
               </a:rPr>
               <a:t> can tell us when values can be </a:t>
             </a:r>
             <a:r>
-              <a:rPr lang="en-US" altLang="zh-CN" sz="2000" b="1" dirty="0">
+              <a:rPr lang="en-US" altLang="zh-CN" sz="2000" b="1">
                 <a:latin typeface="Consolas" panose="020B0609020204030204" pitchFamily="49" charset="0"/>
                 <a:cs typeface="Times New Roman" panose="02020603050405020304" pitchFamily="18" charset="0"/>
               </a:rPr>
               <a:t>SEEN</a:t>
             </a:r>
             <a:r>
-              <a:rPr lang="en-US" altLang="zh-CN" sz="2000" dirty="0">
+              <a:rPr lang="en-US" altLang="zh-CN" sz="2000">
                 <a:latin typeface="Consolas" panose="020B0609020204030204" pitchFamily="49" charset="0"/>
                 <a:cs typeface="Times New Roman" panose="02020603050405020304" pitchFamily="18" charset="0"/>
               </a:rPr>
@@ -25075,7 +25944,7 @@
           <a:p>
             <a:pPr lvl="2"/>
             <a:r>
-              <a:rPr lang="en-US" altLang="zh-CN" b="1" dirty="0">
+              <a:rPr lang="en-US" altLang="zh-CN" b="1">
                 <a:solidFill>
                   <a:srgbClr val="0070C0"/>
                 </a:solidFill>
@@ -25642,19 +26511,23 @@
           <a:lstStyle/>
           <a:p>
             <a:r>
-              <a:rPr lang="en-US" altLang="zh-CN" dirty="0">
+              <a:rPr lang="en-US" altLang="zh-CN">
                 <a:latin typeface="Consolas" panose="020B0609020204030204" pitchFamily="49" charset="0"/>
                 <a:ea typeface="+mj-ea"/>
               </a:rPr>
               <a:t>1 </a:t>
             </a:r>
             <a:r>
-              <a:rPr lang="zh-CN" altLang="en-US" dirty="0">
+              <a:rPr lang="zh-CN" altLang="en-US">
                 <a:latin typeface="Consolas" panose="020B0609020204030204" pitchFamily="49" charset="0"/>
                 <a:ea typeface="+mj-ea"/>
               </a:rPr>
               <a:t>内存一致性</a:t>
             </a:r>
+            <a:endParaRPr lang="zh-CN" altLang="en-US" dirty="0">
+              <a:latin typeface="Consolas" panose="020B0609020204030204" pitchFamily="49" charset="0"/>
+              <a:ea typeface="+mj-ea"/>
+            </a:endParaRPr>
           </a:p>
         </p:txBody>
       </p:sp>
@@ -25685,7 +26558,7 @@
           <a:lstStyle/>
           <a:p>
             <a:r>
-              <a:rPr lang="en-US" altLang="zh-CN" sz="2800" dirty="0">
+              <a:rPr lang="en-US" altLang="zh-CN" sz="2800">
                 <a:latin typeface="Consolas" panose="020B0609020204030204" pitchFamily="49" charset="0"/>
                 <a:ea typeface="+mj-ea"/>
                 <a:cs typeface="Times New Roman" panose="02020603050405020304" pitchFamily="18" charset="0"/>
@@ -25697,6 +26570,41 @@
               <a:ea typeface="+mj-ea"/>
               <a:cs typeface="Times New Roman" panose="02020603050405020304" pitchFamily="18" charset="0"/>
             </a:endParaRPr>
+          </a:p>
+        </p:txBody>
+      </p:sp>
+      <p:sp>
+        <p:nvSpPr>
+          <p:cNvPr id="7" name="灯片编号占位符 6">
+            <a:extLst>
+              <a:ext uri="{FF2B5EF4-FFF2-40B4-BE49-F238E27FC236}">
+                <a16:creationId xmlns:a16="http://schemas.microsoft.com/office/drawing/2014/main" id="{AC770CD3-421A-43EE-AD6E-AEB0C16585BB}"/>
+              </a:ext>
+            </a:extLst>
+          </p:cNvPr>
+          <p:cNvSpPr>
+            <a:spLocks noGrp="1"/>
+          </p:cNvSpPr>
+          <p:nvPr>
+            <p:ph type="sldNum" sz="quarter" idx="12"/>
+          </p:nvPr>
+        </p:nvSpPr>
+        <p:spPr/>
+        <p:txBody>
+          <a:bodyPr/>
+          <a:lstStyle/>
+          <a:p>
+            <a:pPr>
+              <a:defRPr/>
+            </a:pPr>
+            <a:fld id="{6A90D09A-ED5D-47CC-A45F-D492BA9A6C1B}" type="slidenum">
+              <a:rPr lang="en-US" altLang="zh-CN" smtClean="0"/>
+              <a:pPr>
+                <a:defRPr/>
+              </a:pPr>
+              <a:t>4</a:t>
+            </a:fld>
+            <a:endParaRPr lang="en-US" altLang="zh-CN" dirty="0"/>
           </a:p>
         </p:txBody>
       </p:sp>
@@ -25757,7 +26665,7 @@
           <a:lstStyle/>
           <a:p>
             <a:r>
-              <a:rPr lang="en-US" altLang="zh-CN" sz="2400" dirty="0">
+              <a:rPr lang="en-US" altLang="zh-CN" sz="2400">
                 <a:solidFill>
                   <a:srgbClr val="000000"/>
                 </a:solidFill>
@@ -25765,7 +26673,7 @@
               </a:rPr>
               <a:t>Terminology</a:t>
             </a:r>
-            <a:endParaRPr lang="en-US" altLang="zh-CN" sz="2400" dirty="0">
+            <a:endParaRPr lang="en-US" altLang="zh-CN" sz="2400">
               <a:solidFill>
                 <a:srgbClr val="000000"/>
               </a:solidFill>
@@ -25776,7 +26684,7 @@
           <a:p>
             <a:pPr lvl="1"/>
             <a:r>
-              <a:rPr lang="en-US" altLang="zh-CN" sz="2000" dirty="0">
+              <a:rPr lang="en-US" altLang="zh-CN" sz="2000">
                 <a:solidFill>
                   <a:srgbClr val="000000"/>
                 </a:solidFill>
@@ -25789,14 +26697,14 @@
           <a:p>
             <a:pPr lvl="2"/>
             <a:r>
-              <a:rPr lang="en-US" altLang="zh-CN" dirty="0">
+              <a:rPr lang="en-US" altLang="zh-CN">
                 <a:latin typeface="Consolas" panose="020B0609020204030204" pitchFamily="49" charset="0"/>
                 <a:cs typeface="Times New Roman" panose="02020603050405020304" pitchFamily="18" charset="0"/>
               </a:rPr>
               <a:t>The policy that places an early and late bound on when a new value can be propagated to any given </a:t>
             </a:r>
             <a:r>
-              <a:rPr lang="en-US" altLang="zh-CN" dirty="0">
+              <a:rPr lang="en-US" altLang="zh-CN">
                 <a:solidFill>
                   <a:srgbClr val="0070C0"/>
                 </a:solidFill>
@@ -25806,7 +26714,7 @@
               <a:t>processor</a:t>
             </a:r>
             <a:r>
-              <a:rPr lang="en-US" altLang="zh-CN" dirty="0">
+              <a:rPr lang="en-US" altLang="zh-CN">
                 <a:latin typeface="Consolas" panose="020B0609020204030204" pitchFamily="49" charset="0"/>
                 <a:cs typeface="Times New Roman" panose="02020603050405020304" pitchFamily="18" charset="0"/>
               </a:rPr>
@@ -25816,7 +26724,7 @@
           <a:p>
             <a:pPr lvl="1"/>
             <a:r>
-              <a:rPr lang="en-US" altLang="zh-CN" sz="2000" dirty="0">
+              <a:rPr lang="en-US" altLang="zh-CN" sz="2000">
                 <a:solidFill>
                   <a:srgbClr val="000000"/>
                 </a:solidFill>
@@ -25829,14 +26737,14 @@
           <a:p>
             <a:pPr lvl="2"/>
             <a:r>
-              <a:rPr lang="en-US" altLang="zh-CN" dirty="0">
+              <a:rPr lang="en-US" altLang="zh-CN">
                 <a:latin typeface="Consolas" panose="020B0609020204030204" pitchFamily="49" charset="0"/>
                 <a:cs typeface="Times New Roman" panose="02020603050405020304" pitchFamily="18" charset="0"/>
               </a:rPr>
               <a:t>The mechanism that propagates a newly written value to the </a:t>
             </a:r>
             <a:r>
-              <a:rPr lang="en-US" altLang="zh-CN" dirty="0">
+              <a:rPr lang="en-US" altLang="zh-CN">
                 <a:solidFill>
                   <a:srgbClr val="0070C0"/>
                 </a:solidFill>
@@ -25846,7 +26754,7 @@
               <a:t>cached copies </a:t>
             </a:r>
             <a:r>
-              <a:rPr lang="en-US" altLang="zh-CN" dirty="0">
+              <a:rPr lang="en-US" altLang="zh-CN">
                 <a:latin typeface="Consolas" panose="020B0609020204030204" pitchFamily="49" charset="0"/>
                 <a:cs typeface="Times New Roman" panose="02020603050405020304" pitchFamily="18" charset="0"/>
               </a:rPr>
@@ -25880,19 +26788,23 @@
           <a:lstStyle/>
           <a:p>
             <a:r>
-              <a:rPr lang="en-US" altLang="zh-CN" dirty="0">
+              <a:rPr lang="en-US" altLang="zh-CN">
                 <a:latin typeface="Consolas" panose="020B0609020204030204" pitchFamily="49" charset="0"/>
                 <a:ea typeface="+mj-ea"/>
               </a:rPr>
               <a:t>1 </a:t>
             </a:r>
             <a:r>
-              <a:rPr lang="zh-CN" altLang="en-US" dirty="0">
+              <a:rPr lang="zh-CN" altLang="en-US">
                 <a:latin typeface="Consolas" panose="020B0609020204030204" pitchFamily="49" charset="0"/>
                 <a:ea typeface="+mj-ea"/>
               </a:rPr>
               <a:t>内存一致性</a:t>
             </a:r>
+            <a:endParaRPr lang="zh-CN" altLang="en-US" dirty="0">
+              <a:latin typeface="Consolas" panose="020B0609020204030204" pitchFamily="49" charset="0"/>
+              <a:ea typeface="+mj-ea"/>
+            </a:endParaRPr>
           </a:p>
         </p:txBody>
       </p:sp>
@@ -26033,7 +26945,7 @@
           <a:lstStyle/>
           <a:p>
             <a:r>
-              <a:rPr lang="en-US" altLang="zh-CN" sz="2800" dirty="0">
+              <a:rPr lang="en-US" altLang="zh-CN" sz="2800">
                 <a:latin typeface="Consolas" panose="020B0609020204030204" pitchFamily="49" charset="0"/>
                 <a:ea typeface="+mj-ea"/>
                 <a:cs typeface="Times New Roman" panose="02020603050405020304" pitchFamily="18" charset="0"/>
@@ -26045,6 +26957,41 @@
               <a:ea typeface="+mj-ea"/>
               <a:cs typeface="Times New Roman" panose="02020603050405020304" pitchFamily="18" charset="0"/>
             </a:endParaRPr>
+          </a:p>
+        </p:txBody>
+      </p:sp>
+      <p:sp>
+        <p:nvSpPr>
+          <p:cNvPr id="7" name="灯片编号占位符 6">
+            <a:extLst>
+              <a:ext uri="{FF2B5EF4-FFF2-40B4-BE49-F238E27FC236}">
+                <a16:creationId xmlns:a16="http://schemas.microsoft.com/office/drawing/2014/main" id="{B85D2162-6E90-44E9-9A0D-9B178784A73B}"/>
+              </a:ext>
+            </a:extLst>
+          </p:cNvPr>
+          <p:cNvSpPr>
+            <a:spLocks noGrp="1"/>
+          </p:cNvSpPr>
+          <p:nvPr>
+            <p:ph type="sldNum" sz="quarter" idx="12"/>
+          </p:nvPr>
+        </p:nvSpPr>
+        <p:spPr/>
+        <p:txBody>
+          <a:bodyPr/>
+          <a:lstStyle/>
+          <a:p>
+            <a:pPr>
+              <a:defRPr/>
+            </a:pPr>
+            <a:fld id="{6A90D09A-ED5D-47CC-A45F-D492BA9A6C1B}" type="slidenum">
+              <a:rPr lang="en-US" altLang="zh-CN" smtClean="0"/>
+              <a:pPr>
+                <a:defRPr/>
+              </a:pPr>
+              <a:t>5</a:t>
+            </a:fld>
+            <a:endParaRPr lang="en-US" altLang="zh-CN" dirty="0"/>
           </a:p>
         </p:txBody>
       </p:sp>
@@ -26100,7 +27047,7 @@
           <a:lstStyle/>
           <a:p>
             <a:r>
-              <a:rPr lang="en-US" altLang="zh-CN" sz="2400" dirty="0">
+              <a:rPr lang="en-US" altLang="zh-CN" sz="2400">
                 <a:solidFill>
                   <a:srgbClr val="000000"/>
                 </a:solidFill>
@@ -26110,7 +27057,7 @@
             </a:r>
           </a:p>
           <a:p>
-            <a:endParaRPr lang="en-US" altLang="zh-CN" sz="2400" dirty="0">
+            <a:endParaRPr lang="en-US" altLang="zh-CN" sz="2400">
               <a:solidFill>
                 <a:srgbClr val="000000"/>
               </a:solidFill>
@@ -26119,7 +27066,7 @@
             </a:endParaRPr>
           </a:p>
           <a:p>
-            <a:endParaRPr lang="en-US" altLang="zh-CN" sz="2400" dirty="0">
+            <a:endParaRPr lang="en-US" altLang="zh-CN" sz="2400">
               <a:solidFill>
                 <a:srgbClr val="000000"/>
               </a:solidFill>
@@ -26128,7 +27075,7 @@
             </a:endParaRPr>
           </a:p>
           <a:p>
-            <a:endParaRPr lang="en-US" altLang="zh-CN" sz="2400" dirty="0">
+            <a:endParaRPr lang="en-US" altLang="zh-CN" sz="2400">
               <a:solidFill>
                 <a:srgbClr val="000000"/>
               </a:solidFill>
@@ -26137,7 +27084,7 @@
             </a:endParaRPr>
           </a:p>
           <a:p>
-            <a:endParaRPr lang="en-US" altLang="zh-CN" sz="2400" dirty="0">
+            <a:endParaRPr lang="en-US" altLang="zh-CN" sz="2400">
               <a:solidFill>
                 <a:srgbClr val="000000"/>
               </a:solidFill>
@@ -26149,7 +27096,7 @@
             <a:pPr marL="0" indent="0">
               <a:buNone/>
             </a:pPr>
-            <a:endParaRPr lang="en-US" altLang="zh-CN" sz="2400" dirty="0">
+            <a:endParaRPr lang="en-US" altLang="zh-CN" sz="2400">
               <a:solidFill>
                 <a:srgbClr val="000000"/>
               </a:solidFill>
@@ -26161,7 +27108,7 @@
             <a:pPr marL="0" indent="0">
               <a:buNone/>
             </a:pPr>
-            <a:endParaRPr lang="en-US" altLang="zh-CN" sz="2400" dirty="0">
+            <a:endParaRPr lang="en-US" altLang="zh-CN" sz="2400">
               <a:solidFill>
                 <a:srgbClr val="000000"/>
               </a:solidFill>
@@ -26200,19 +27147,23 @@
           <a:lstStyle/>
           <a:p>
             <a:r>
-              <a:rPr lang="en-US" altLang="zh-CN" dirty="0">
+              <a:rPr lang="en-US" altLang="zh-CN">
                 <a:latin typeface="Consolas" panose="020B0609020204030204" pitchFamily="49" charset="0"/>
                 <a:ea typeface="+mj-ea"/>
               </a:rPr>
               <a:t>1 </a:t>
             </a:r>
             <a:r>
-              <a:rPr lang="zh-CN" altLang="en-US" dirty="0">
+              <a:rPr lang="zh-CN" altLang="en-US">
                 <a:latin typeface="Consolas" panose="020B0609020204030204" pitchFamily="49" charset="0"/>
                 <a:ea typeface="+mj-ea"/>
               </a:rPr>
               <a:t>内存一致性</a:t>
             </a:r>
+            <a:endParaRPr lang="zh-CN" altLang="en-US" dirty="0">
+              <a:latin typeface="Consolas" panose="020B0609020204030204" pitchFamily="49" charset="0"/>
+              <a:ea typeface="+mj-ea"/>
+            </a:endParaRPr>
           </a:p>
         </p:txBody>
       </p:sp>
@@ -26243,7 +27194,7 @@
           <a:lstStyle/>
           <a:p>
             <a:r>
-              <a:rPr lang="en-US" altLang="zh-CN" sz="2800" dirty="0">
+              <a:rPr lang="en-US" altLang="zh-CN" sz="2800">
                 <a:latin typeface="Consolas" panose="020B0609020204030204" pitchFamily="49" charset="0"/>
                 <a:ea typeface="+mj-ea"/>
                 <a:cs typeface="Times New Roman" panose="02020603050405020304" pitchFamily="18" charset="0"/>
@@ -26552,6 +27503,41 @@
           </a:graphicData>
         </a:graphic>
       </p:graphicFrame>
+      <p:sp>
+        <p:nvSpPr>
+          <p:cNvPr id="10" name="灯片编号占位符 9">
+            <a:extLst>
+              <a:ext uri="{FF2B5EF4-FFF2-40B4-BE49-F238E27FC236}">
+                <a16:creationId xmlns:a16="http://schemas.microsoft.com/office/drawing/2014/main" id="{B9EFFE9C-553E-4D2A-AA53-E507D69A6338}"/>
+              </a:ext>
+            </a:extLst>
+          </p:cNvPr>
+          <p:cNvSpPr>
+            <a:spLocks noGrp="1"/>
+          </p:cNvSpPr>
+          <p:nvPr>
+            <p:ph type="sldNum" sz="quarter" idx="12"/>
+          </p:nvPr>
+        </p:nvSpPr>
+        <p:spPr/>
+        <p:txBody>
+          <a:bodyPr/>
+          <a:lstStyle/>
+          <a:p>
+            <a:pPr>
+              <a:defRPr/>
+            </a:pPr>
+            <a:fld id="{6A90D09A-ED5D-47CC-A45F-D492BA9A6C1B}" type="slidenum">
+              <a:rPr lang="en-US" altLang="zh-CN" smtClean="0"/>
+              <a:pPr>
+                <a:defRPr/>
+              </a:pPr>
+              <a:t>6</a:t>
+            </a:fld>
+            <a:endParaRPr lang="en-US" altLang="zh-CN" dirty="0"/>
+          </a:p>
+        </p:txBody>
+      </p:sp>
     </p:spTree>
     <p:extLst>
       <p:ext uri="{BB962C8B-B14F-4D97-AF65-F5344CB8AC3E}">
@@ -26609,7 +27595,7 @@
           <a:lstStyle/>
           <a:p>
             <a:r>
-              <a:rPr lang="en-US" altLang="zh-CN" sz="2400" dirty="0">
+              <a:rPr lang="en-US" altLang="zh-CN" sz="2400">
                 <a:solidFill>
                   <a:srgbClr val="000000"/>
                 </a:solidFill>
@@ -26623,7 +27609,7 @@
           <a:p>
             <a:pPr lvl="1"/>
             <a:r>
-              <a:rPr lang="en-US" altLang="zh-CN" sz="2000" dirty="0">
+              <a:rPr lang="en-US" altLang="zh-CN" sz="2000">
                 <a:latin typeface="Consolas" panose="020B0609020204030204" pitchFamily="49" charset="0"/>
                 <a:ea typeface="+mn-ea"/>
                 <a:cs typeface="Times New Roman" panose="02020603050405020304" pitchFamily="18" charset="0"/>
@@ -26631,7 +27617,7 @@
               <a:t>[A multiprocessor system is </a:t>
             </a:r>
             <a:r>
-              <a:rPr lang="en-US" altLang="zh-CN" sz="2000" dirty="0">
+              <a:rPr lang="en-US" altLang="zh-CN" sz="2000">
                 <a:solidFill>
                   <a:srgbClr val="0070C0"/>
                 </a:solidFill>
@@ -26642,14 +27628,14 @@
               <a:t>sequentially consistent </a:t>
             </a:r>
             <a:r>
-              <a:rPr lang="en-US" altLang="zh-CN" sz="2000" dirty="0">
+              <a:rPr lang="en-US" altLang="zh-CN" sz="2000">
                 <a:latin typeface="Consolas" panose="020B0609020204030204" pitchFamily="49" charset="0"/>
                 <a:ea typeface="+mn-ea"/>
                 <a:cs typeface="Times New Roman" panose="02020603050405020304" pitchFamily="18" charset="0"/>
               </a:rPr>
               <a:t>if] the result of any execution is the same as if the operations of all the processors were executed in some sequential order, and the operations of each individual processor appear in this sequence in the order specified by its program.</a:t>
             </a:r>
-            <a:endParaRPr lang="en-US" altLang="zh-CN" sz="2000" dirty="0">
+            <a:endParaRPr lang="en-US" altLang="zh-CN" sz="2000">
               <a:solidFill>
                 <a:srgbClr val="000000"/>
               </a:solidFill>
@@ -26661,7 +27647,7 @@
           <a:p>
             <a:pPr lvl="1"/>
             <a:r>
-              <a:rPr lang="en-US" altLang="zh-CN" sz="2000" dirty="0">
+              <a:rPr lang="en-US" altLang="zh-CN" sz="2000">
                 <a:latin typeface="Consolas" panose="020B0609020204030204" pitchFamily="49" charset="0"/>
                 <a:ea typeface="+mn-ea"/>
                 <a:cs typeface="Times New Roman" panose="02020603050405020304" pitchFamily="18" charset="0"/>
@@ -26669,7 +27655,7 @@
               <a:t>Key word: </a:t>
             </a:r>
             <a:r>
-              <a:rPr lang="en-US" altLang="zh-CN" sz="2000" b="1" dirty="0">
+              <a:rPr lang="en-US" altLang="zh-CN" sz="2000" b="1">
                 <a:latin typeface="Consolas" panose="020B0609020204030204" pitchFamily="49" charset="0"/>
                 <a:ea typeface="+mn-ea"/>
                 <a:cs typeface="Times New Roman" panose="02020603050405020304" pitchFamily="18" charset="0"/>
@@ -26706,19 +27692,23 @@
           <a:lstStyle/>
           <a:p>
             <a:r>
-              <a:rPr lang="en-US" altLang="zh-CN" dirty="0">
+              <a:rPr lang="en-US" altLang="zh-CN">
                 <a:latin typeface="Consolas" panose="020B0609020204030204" pitchFamily="49" charset="0"/>
                 <a:ea typeface="+mj-ea"/>
               </a:rPr>
               <a:t>1 </a:t>
             </a:r>
             <a:r>
-              <a:rPr lang="zh-CN" altLang="en-US" dirty="0">
+              <a:rPr lang="zh-CN" altLang="en-US">
                 <a:latin typeface="Consolas" panose="020B0609020204030204" pitchFamily="49" charset="0"/>
                 <a:ea typeface="+mj-ea"/>
               </a:rPr>
               <a:t>内存一致性</a:t>
             </a:r>
+            <a:endParaRPr lang="zh-CN" altLang="en-US" dirty="0">
+              <a:latin typeface="Consolas" panose="020B0609020204030204" pitchFamily="49" charset="0"/>
+              <a:ea typeface="+mj-ea"/>
+            </a:endParaRPr>
           </a:p>
         </p:txBody>
       </p:sp>
@@ -26749,7 +27739,7 @@
           <a:lstStyle/>
           <a:p>
             <a:r>
-              <a:rPr lang="en-US" altLang="zh-CN" sz="2800" dirty="0">
+              <a:rPr lang="en-US" altLang="zh-CN" sz="2800">
                 <a:latin typeface="Consolas" panose="020B0609020204030204" pitchFamily="49" charset="0"/>
                 <a:ea typeface="+mj-ea"/>
                 <a:cs typeface="Times New Roman" panose="02020603050405020304" pitchFamily="18" charset="0"/>
@@ -26761,6 +27751,41 @@
               <a:ea typeface="+mj-ea"/>
               <a:cs typeface="Times New Roman" panose="02020603050405020304" pitchFamily="18" charset="0"/>
             </a:endParaRPr>
+          </a:p>
+        </p:txBody>
+      </p:sp>
+      <p:sp>
+        <p:nvSpPr>
+          <p:cNvPr id="8" name="灯片编号占位符 7">
+            <a:extLst>
+              <a:ext uri="{FF2B5EF4-FFF2-40B4-BE49-F238E27FC236}">
+                <a16:creationId xmlns:a16="http://schemas.microsoft.com/office/drawing/2014/main" id="{C1BEA5BC-7409-41C6-8C9D-27628C889950}"/>
+              </a:ext>
+            </a:extLst>
+          </p:cNvPr>
+          <p:cNvSpPr>
+            <a:spLocks noGrp="1"/>
+          </p:cNvSpPr>
+          <p:nvPr>
+            <p:ph type="sldNum" sz="quarter" idx="12"/>
+          </p:nvPr>
+        </p:nvSpPr>
+        <p:spPr/>
+        <p:txBody>
+          <a:bodyPr/>
+          <a:lstStyle/>
+          <a:p>
+            <a:pPr>
+              <a:defRPr/>
+            </a:pPr>
+            <a:fld id="{6A90D09A-ED5D-47CC-A45F-D492BA9A6C1B}" type="slidenum">
+              <a:rPr lang="en-US" altLang="zh-CN" smtClean="0"/>
+              <a:pPr>
+                <a:defRPr/>
+              </a:pPr>
+              <a:t>7</a:t>
+            </a:fld>
+            <a:endParaRPr lang="en-US" altLang="zh-CN" dirty="0"/>
           </a:p>
         </p:txBody>
       </p:sp>
@@ -26821,7 +27846,7 @@
           <a:lstStyle/>
           <a:p>
             <a:r>
-              <a:rPr lang="en-US" altLang="zh-CN" sz="2400" dirty="0">
+              <a:rPr lang="en-US" altLang="zh-CN" sz="2400">
                 <a:solidFill>
                   <a:srgbClr val="000000"/>
                 </a:solidFill>
@@ -26835,7 +27860,7 @@
           <a:p>
             <a:pPr lvl="1"/>
             <a:r>
-              <a:rPr lang="en-US" altLang="zh-CN" sz="2000" dirty="0">
+              <a:rPr lang="en-US" altLang="zh-CN" sz="2000">
                 <a:latin typeface="Consolas" panose="020B0609020204030204" pitchFamily="49" charset="0"/>
                 <a:ea typeface="+mn-ea"/>
                 <a:cs typeface="Times New Roman" panose="02020603050405020304" pitchFamily="18" charset="0"/>
@@ -26843,7 +27868,7 @@
               <a:t>[A multiprocessor system is </a:t>
             </a:r>
             <a:r>
-              <a:rPr lang="en-US" altLang="zh-CN" sz="2000" dirty="0">
+              <a:rPr lang="en-US" altLang="zh-CN" sz="2000">
                 <a:solidFill>
                   <a:srgbClr val="0070C0"/>
                 </a:solidFill>
@@ -26854,7 +27879,7 @@
               <a:t>sequentially consistent </a:t>
             </a:r>
             <a:r>
-              <a:rPr lang="en-US" altLang="zh-CN" sz="2000" dirty="0">
+              <a:rPr lang="en-US" altLang="zh-CN" sz="2000">
                 <a:latin typeface="Consolas" panose="020B0609020204030204" pitchFamily="49" charset="0"/>
                 <a:ea typeface="+mn-ea"/>
                 <a:cs typeface="Times New Roman" panose="02020603050405020304" pitchFamily="18" charset="0"/>
@@ -26862,7 +27887,7 @@
               <a:t>if] the result of any execution is the same as if the operations of all the processors were executed in some sequential order, </a:t>
             </a:r>
             <a:r>
-              <a:rPr lang="en-US" altLang="zh-CN" sz="2000" dirty="0">
+              <a:rPr lang="en-US" altLang="zh-CN" sz="2000">
                 <a:solidFill>
                   <a:srgbClr val="00B050"/>
                 </a:solidFill>
@@ -26873,14 +27898,14 @@
               <a:t>and the operations of each individual processor appear in this sequence in the order specified by its program</a:t>
             </a:r>
             <a:r>
-              <a:rPr lang="en-US" altLang="zh-CN" sz="2000" dirty="0">
+              <a:rPr lang="en-US" altLang="zh-CN" sz="2000">
                 <a:latin typeface="Consolas" panose="020B0609020204030204" pitchFamily="49" charset="0"/>
                 <a:ea typeface="+mn-ea"/>
                 <a:cs typeface="Times New Roman" panose="02020603050405020304" pitchFamily="18" charset="0"/>
               </a:rPr>
               <a:t>.</a:t>
             </a:r>
-            <a:endParaRPr lang="en-US" altLang="zh-CN" sz="2000" dirty="0">
+            <a:endParaRPr lang="en-US" altLang="zh-CN" sz="2000">
               <a:solidFill>
                 <a:srgbClr val="000000"/>
               </a:solidFill>
@@ -26892,7 +27917,7 @@
           <a:p>
             <a:pPr lvl="1"/>
             <a:r>
-              <a:rPr lang="en-US" altLang="zh-CN" sz="2000" dirty="0">
+              <a:rPr lang="en-US" altLang="zh-CN" sz="2000">
                 <a:latin typeface="Consolas" panose="020B0609020204030204" pitchFamily="49" charset="0"/>
                 <a:ea typeface="+mn-ea"/>
                 <a:cs typeface="Times New Roman" panose="02020603050405020304" pitchFamily="18" charset="0"/>
@@ -26900,7 +27925,7 @@
               <a:t>Key word: </a:t>
             </a:r>
             <a:r>
-              <a:rPr lang="en-US" altLang="zh-CN" sz="2000" b="1" dirty="0">
+              <a:rPr lang="en-US" altLang="zh-CN" sz="2000" b="1">
                 <a:solidFill>
                   <a:srgbClr val="00B050"/>
                 </a:solidFill>
@@ -26911,7 +27936,7 @@
               <a:t>program order</a:t>
             </a:r>
             <a:r>
-              <a:rPr lang="en-US" altLang="zh-CN" sz="2000" dirty="0">
+              <a:rPr lang="en-US" altLang="zh-CN" sz="2000">
                 <a:latin typeface="Consolas" panose="020B0609020204030204" pitchFamily="49" charset="0"/>
                 <a:ea typeface="+mn-ea"/>
                 <a:cs typeface="Times New Roman" panose="02020603050405020304" pitchFamily="18" charset="0"/>
@@ -26919,7 +27944,7 @@
               <a:t>, atomicity</a:t>
             </a:r>
             <a:r>
-              <a:rPr lang="en-US" altLang="zh-CN" sz="2000" b="1" dirty="0">
+              <a:rPr lang="en-US" altLang="zh-CN" sz="2000" b="1">
                 <a:latin typeface="Consolas" panose="020B0609020204030204" pitchFamily="49" charset="0"/>
                 <a:ea typeface="+mn-ea"/>
                 <a:cs typeface="Times New Roman" panose="02020603050405020304" pitchFamily="18" charset="0"/>
@@ -26956,19 +27981,23 @@
           <a:lstStyle/>
           <a:p>
             <a:r>
-              <a:rPr lang="en-US" altLang="zh-CN" dirty="0">
+              <a:rPr lang="en-US" altLang="zh-CN">
                 <a:latin typeface="Consolas" panose="020B0609020204030204" pitchFamily="49" charset="0"/>
                 <a:ea typeface="+mj-ea"/>
               </a:rPr>
               <a:t>1 </a:t>
             </a:r>
             <a:r>
-              <a:rPr lang="zh-CN" altLang="en-US" dirty="0">
+              <a:rPr lang="zh-CN" altLang="en-US">
                 <a:latin typeface="Consolas" panose="020B0609020204030204" pitchFamily="49" charset="0"/>
                 <a:ea typeface="+mj-ea"/>
               </a:rPr>
               <a:t>内存一致性</a:t>
             </a:r>
+            <a:endParaRPr lang="zh-CN" altLang="en-US" dirty="0">
+              <a:latin typeface="Consolas" panose="020B0609020204030204" pitchFamily="49" charset="0"/>
+              <a:ea typeface="+mj-ea"/>
+            </a:endParaRPr>
           </a:p>
         </p:txBody>
       </p:sp>
@@ -26999,7 +28028,7 @@
           <a:lstStyle/>
           <a:p>
             <a:r>
-              <a:rPr lang="en-US" altLang="zh-CN" sz="2800" dirty="0">
+              <a:rPr lang="en-US" altLang="zh-CN" sz="2800">
                 <a:latin typeface="Consolas" panose="020B0609020204030204" pitchFamily="49" charset="0"/>
                 <a:ea typeface="+mj-ea"/>
                 <a:cs typeface="Times New Roman" panose="02020603050405020304" pitchFamily="18" charset="0"/>
@@ -27338,6 +28367,41 @@
           </p:txBody>
         </p:sp>
       </p:grpSp>
+      <p:sp>
+        <p:nvSpPr>
+          <p:cNvPr id="12" name="灯片编号占位符 11">
+            <a:extLst>
+              <a:ext uri="{FF2B5EF4-FFF2-40B4-BE49-F238E27FC236}">
+                <a16:creationId xmlns:a16="http://schemas.microsoft.com/office/drawing/2014/main" id="{F9E40550-69C6-41F8-867B-4655D0B6EF88}"/>
+              </a:ext>
+            </a:extLst>
+          </p:cNvPr>
+          <p:cNvSpPr>
+            <a:spLocks noGrp="1"/>
+          </p:cNvSpPr>
+          <p:nvPr>
+            <p:ph type="sldNum" sz="quarter" idx="12"/>
+          </p:nvPr>
+        </p:nvSpPr>
+        <p:spPr/>
+        <p:txBody>
+          <a:bodyPr/>
+          <a:lstStyle/>
+          <a:p>
+            <a:pPr>
+              <a:defRPr/>
+            </a:pPr>
+            <a:fld id="{6A90D09A-ED5D-47CC-A45F-D492BA9A6C1B}" type="slidenum">
+              <a:rPr lang="en-US" altLang="zh-CN" smtClean="0"/>
+              <a:pPr>
+                <a:defRPr/>
+              </a:pPr>
+              <a:t>8</a:t>
+            </a:fld>
+            <a:endParaRPr lang="en-US" altLang="zh-CN" dirty="0"/>
+          </a:p>
+        </p:txBody>
+      </p:sp>
     </p:spTree>
     <p:extLst>
       <p:ext uri="{BB962C8B-B14F-4D97-AF65-F5344CB8AC3E}">
@@ -27395,7 +28459,7 @@
           <a:lstStyle/>
           <a:p>
             <a:r>
-              <a:rPr lang="en-US" altLang="zh-CN" sz="2400" dirty="0">
+              <a:rPr lang="en-US" altLang="zh-CN" sz="2400">
                 <a:solidFill>
                   <a:srgbClr val="000000"/>
                 </a:solidFill>
@@ -27409,7 +28473,7 @@
           <a:p>
             <a:pPr lvl="1"/>
             <a:r>
-              <a:rPr lang="en-US" altLang="zh-CN" sz="2000" dirty="0">
+              <a:rPr lang="en-US" altLang="zh-CN" sz="2000">
                 <a:latin typeface="Consolas" panose="020B0609020204030204" pitchFamily="49" charset="0"/>
                 <a:ea typeface="+mn-ea"/>
                 <a:cs typeface="Times New Roman" panose="02020603050405020304" pitchFamily="18" charset="0"/>
@@ -27417,7 +28481,7 @@
               <a:t>[A multiprocessor system is </a:t>
             </a:r>
             <a:r>
-              <a:rPr lang="en-US" altLang="zh-CN" sz="2000" dirty="0">
+              <a:rPr lang="en-US" altLang="zh-CN" sz="2000">
                 <a:solidFill>
                   <a:srgbClr val="0070C0"/>
                 </a:solidFill>
@@ -27428,7 +28492,7 @@
               <a:t>sequentially consistent </a:t>
             </a:r>
             <a:r>
-              <a:rPr lang="en-US" altLang="zh-CN" sz="2000" dirty="0">
+              <a:rPr lang="en-US" altLang="zh-CN" sz="2000">
                 <a:latin typeface="Consolas" panose="020B0609020204030204" pitchFamily="49" charset="0"/>
                 <a:ea typeface="+mn-ea"/>
                 <a:cs typeface="Times New Roman" panose="02020603050405020304" pitchFamily="18" charset="0"/>
@@ -27436,7 +28500,7 @@
               <a:t>if] </a:t>
             </a:r>
             <a:r>
-              <a:rPr lang="en-US" altLang="zh-CN" sz="2000" dirty="0">
+              <a:rPr lang="en-US" altLang="zh-CN" sz="2000">
                 <a:solidFill>
                   <a:srgbClr val="00B050"/>
                 </a:solidFill>
@@ -27447,7 +28511,7 @@
               <a:t>the result of any execution is the same as if the operations of all the processors were executed in some sequential order</a:t>
             </a:r>
             <a:r>
-              <a:rPr lang="en-US" altLang="zh-CN" sz="2000" dirty="0">
+              <a:rPr lang="en-US" altLang="zh-CN" sz="2000">
                 <a:latin typeface="Consolas" panose="020B0609020204030204" pitchFamily="49" charset="0"/>
                 <a:ea typeface="+mn-ea"/>
                 <a:cs typeface="Times New Roman" panose="02020603050405020304" pitchFamily="18" charset="0"/>
@@ -27458,7 +28522,7 @@
           <a:p>
             <a:pPr lvl="1"/>
             <a:r>
-              <a:rPr lang="en-US" altLang="zh-CN" sz="2000" dirty="0">
+              <a:rPr lang="en-US" altLang="zh-CN" sz="2000">
                 <a:latin typeface="Consolas" panose="020B0609020204030204" pitchFamily="49" charset="0"/>
                 <a:ea typeface="+mn-ea"/>
                 <a:cs typeface="Times New Roman" panose="02020603050405020304" pitchFamily="18" charset="0"/>
@@ -27466,7 +28530,7 @@
               <a:t>Key word: program order, </a:t>
             </a:r>
             <a:r>
-              <a:rPr lang="en-US" altLang="zh-CN" sz="2000" b="1" dirty="0">
+              <a:rPr lang="en-US" altLang="zh-CN" sz="2000" b="1">
                 <a:solidFill>
                   <a:srgbClr val="00B050"/>
                 </a:solidFill>
@@ -27477,7 +28541,7 @@
               <a:t>atomicity</a:t>
             </a:r>
             <a:r>
-              <a:rPr lang="en-US" altLang="zh-CN" sz="2000" b="1" dirty="0">
+              <a:rPr lang="en-US" altLang="zh-CN" sz="2000" b="1">
                 <a:latin typeface="Consolas" panose="020B0609020204030204" pitchFamily="49" charset="0"/>
                 <a:ea typeface="+mn-ea"/>
                 <a:cs typeface="Times New Roman" panose="02020603050405020304" pitchFamily="18" charset="0"/>
@@ -27514,19 +28578,23 @@
           <a:lstStyle/>
           <a:p>
             <a:r>
-              <a:rPr lang="en-US" altLang="zh-CN" dirty="0">
+              <a:rPr lang="en-US" altLang="zh-CN">
                 <a:latin typeface="Consolas" panose="020B0609020204030204" pitchFamily="49" charset="0"/>
                 <a:ea typeface="+mj-ea"/>
               </a:rPr>
               <a:t>1 </a:t>
             </a:r>
             <a:r>
-              <a:rPr lang="zh-CN" altLang="en-US" dirty="0">
+              <a:rPr lang="zh-CN" altLang="en-US">
                 <a:latin typeface="Consolas" panose="020B0609020204030204" pitchFamily="49" charset="0"/>
                 <a:ea typeface="+mj-ea"/>
               </a:rPr>
               <a:t>内存一致性</a:t>
             </a:r>
+            <a:endParaRPr lang="zh-CN" altLang="en-US" dirty="0">
+              <a:latin typeface="Consolas" panose="020B0609020204030204" pitchFamily="49" charset="0"/>
+              <a:ea typeface="+mj-ea"/>
+            </a:endParaRPr>
           </a:p>
         </p:txBody>
       </p:sp>
@@ -27557,7 +28625,7 @@
           <a:lstStyle/>
           <a:p>
             <a:r>
-              <a:rPr lang="en-US" altLang="zh-CN" sz="2800" dirty="0">
+              <a:rPr lang="en-US" altLang="zh-CN" sz="2800">
                 <a:latin typeface="Consolas" panose="020B0609020204030204" pitchFamily="49" charset="0"/>
                 <a:ea typeface="+mj-ea"/>
                 <a:cs typeface="Times New Roman" panose="02020603050405020304" pitchFamily="18" charset="0"/>
@@ -27951,6 +29019,41 @@
           </p:txBody>
         </p:sp>
       </p:grpSp>
+      <p:sp>
+        <p:nvSpPr>
+          <p:cNvPr id="8" name="灯片编号占位符 7">
+            <a:extLst>
+              <a:ext uri="{FF2B5EF4-FFF2-40B4-BE49-F238E27FC236}">
+                <a16:creationId xmlns:a16="http://schemas.microsoft.com/office/drawing/2014/main" id="{CA3683AD-580D-47A6-8BFF-35694D2C77B1}"/>
+              </a:ext>
+            </a:extLst>
+          </p:cNvPr>
+          <p:cNvSpPr>
+            <a:spLocks noGrp="1"/>
+          </p:cNvSpPr>
+          <p:nvPr>
+            <p:ph type="sldNum" sz="quarter" idx="12"/>
+          </p:nvPr>
+        </p:nvSpPr>
+        <p:spPr/>
+        <p:txBody>
+          <a:bodyPr/>
+          <a:lstStyle/>
+          <a:p>
+            <a:pPr>
+              <a:defRPr/>
+            </a:pPr>
+            <a:fld id="{6A90D09A-ED5D-47CC-A45F-D492BA9A6C1B}" type="slidenum">
+              <a:rPr lang="en-US" altLang="zh-CN" smtClean="0"/>
+              <a:pPr>
+                <a:defRPr/>
+              </a:pPr>
+              <a:t>9</a:t>
+            </a:fld>
+            <a:endParaRPr lang="en-US" altLang="zh-CN" dirty="0"/>
+          </a:p>
+        </p:txBody>
+      </p:sp>
     </p:spTree>
     <p:extLst>
       <p:ext uri="{BB962C8B-B14F-4D97-AF65-F5344CB8AC3E}">
